--- a/workshops/scratch/Introduction-to-Scratch-with-game-italiano.pptx
+++ b/workshops/scratch/Introduction-to-Scratch-with-game-italiano.pptx
@@ -393,7 +393,7 @@
   <p:cSld>
     <p:spTree>
       <p:nvGrpSpPr>
-        <p:cNvPr id="39" name="Shape 39"/>
+        <p:cNvPr id="38" name="Shape 38"/>
         <p:cNvGrpSpPr/>
         <p:nvPr/>
       </p:nvGrpSpPr>
@@ -407,7 +407,7 @@
       </p:grpSpPr>
       <p:sp>
         <p:nvSpPr>
-          <p:cNvPr id="40" name="Shape 40"/>
+          <p:cNvPr id="39" name="Shape 39"/>
           <p:cNvSpPr txBox="1"/>
           <p:nvPr>
             <p:ph idx="1" type="body"/>
@@ -443,7 +443,7 @@
       </p:sp>
       <p:sp>
         <p:nvSpPr>
-          <p:cNvPr id="41" name="Shape 41"/>
+          <p:cNvPr id="40" name="Shape 40"/>
           <p:cNvSpPr/>
           <p:nvPr>
             <p:ph idx="2" type="sldImg"/>
@@ -488,7 +488,7 @@
   <p:cSld>
     <p:spTree>
       <p:nvGrpSpPr>
-        <p:cNvPr id="163" name="Shape 163"/>
+        <p:cNvPr id="153" name="Shape 153"/>
         <p:cNvGrpSpPr/>
         <p:nvPr/>
       </p:nvGrpSpPr>
@@ -502,7 +502,7 @@
       </p:grpSpPr>
       <p:sp>
         <p:nvSpPr>
-          <p:cNvPr id="164" name="Shape 164"/>
+          <p:cNvPr id="154" name="Shape 154"/>
           <p:cNvSpPr txBox="1"/>
           <p:nvPr>
             <p:ph idx="1" type="body"/>
@@ -538,7 +538,7 @@
       </p:sp>
       <p:sp>
         <p:nvSpPr>
-          <p:cNvPr id="165" name="Shape 165"/>
+          <p:cNvPr id="155" name="Shape 155"/>
           <p:cNvSpPr/>
           <p:nvPr>
             <p:ph idx="2" type="sldImg"/>
@@ -579,6 +579,101 @@
 </file>
 
 <file path=ppt/notesSlides/notesSlide11.xml><?xml version="1.0" encoding="utf-8"?>
+<p:notes xmlns:a="http://schemas.openxmlformats.org/drawingml/2006/main" xmlns:r="http://schemas.openxmlformats.org/officeDocument/2006/relationships" xmlns:mc="http://schemas.openxmlformats.org/markup-compatibility/2006" xmlns:mv="urn:schemas-microsoft-com:mac:vml" xmlns:p="http://schemas.openxmlformats.org/presentationml/2006/main" xmlns:c="http://schemas.openxmlformats.org/drawingml/2006/chart" xmlns:dgm="http://schemas.openxmlformats.org/drawingml/2006/diagram" xmlns:o="urn:schemas-microsoft-com:office:office" xmlns:v="urn:schemas-microsoft-com:vml" xmlns:pvml="urn:schemas-microsoft-com:office:powerpoint" xmlns:com="http://schemas.openxmlformats.org/drawingml/2006/compatibility" xmlns:p14="http://schemas.microsoft.com/office/powerpoint/2010/main" showMasterSp="0" showMasterPhAnim="0">
+  <p:cSld>
+    <p:spTree>
+      <p:nvGrpSpPr>
+        <p:cNvPr id="168" name="Shape 168"/>
+        <p:cNvGrpSpPr/>
+        <p:nvPr/>
+      </p:nvGrpSpPr>
+      <p:grpSpPr>
+        <a:xfrm>
+          <a:off y="0" x="0"/>
+          <a:ext cy="0" cx="0"/>
+          <a:chOff y="0" x="0"/>
+          <a:chExt cy="0" cx="0"/>
+        </a:xfrm>
+      </p:grpSpPr>
+      <p:sp>
+        <p:nvSpPr>
+          <p:cNvPr id="169" name="Shape 169"/>
+          <p:cNvSpPr txBox="1"/>
+          <p:nvPr>
+            <p:ph idx="1" type="body"/>
+          </p:nvPr>
+        </p:nvSpPr>
+        <p:spPr>
+          <a:xfrm>
+            <a:off y="4343400" x="914400"/>
+            <a:ext cy="4114800" cx="5029199"/>
+          </a:xfrm>
+          <a:prstGeom prst="rect">
+            <a:avLst/>
+          </a:prstGeom>
+        </p:spPr>
+        <p:txBody>
+          <a:bodyPr bIns="91425" rIns="91425" lIns="91425" tIns="91425" anchor="ctr" anchorCtr="0">
+            <a:noAutofit/>
+          </a:bodyPr>
+          <a:lstStyle/>
+          <a:p>
+            <a:pPr>
+              <a:spcBef>
+                <a:spcPts val="0"/>
+              </a:spcBef>
+              <a:buNone/>
+            </a:pPr>
+            <a:r>
+              <a:t/>
+            </a:r>
+            <a:endParaRPr/>
+          </a:p>
+        </p:txBody>
+      </p:sp>
+      <p:sp>
+        <p:nvSpPr>
+          <p:cNvPr id="170" name="Shape 170"/>
+          <p:cNvSpPr/>
+          <p:nvPr>
+            <p:ph idx="2" type="sldImg"/>
+          </p:nvPr>
+        </p:nvSpPr>
+        <p:spPr>
+          <a:xfrm>
+            <a:off y="685800" x="1143000"/>
+            <a:ext cy="3429000" cx="4572000"/>
+          </a:xfrm>
+          <a:custGeom>
+            <a:pathLst>
+              <a:path w="120000" extrusionOk="0" h="120000">
+                <a:moveTo>
+                  <a:pt y="0" x="0"/>
+                </a:moveTo>
+                <a:lnTo>
+                  <a:pt y="0" x="120000"/>
+                </a:lnTo>
+                <a:lnTo>
+                  <a:pt y="120000" x="120000"/>
+                </a:lnTo>
+                <a:lnTo>
+                  <a:pt y="120000" x="0"/>
+                </a:lnTo>
+                <a:close/>
+              </a:path>
+            </a:pathLst>
+          </a:custGeom>
+        </p:spPr>
+      </p:sp>
+    </p:spTree>
+  </p:cSld>
+  <p:clrMapOvr>
+    <a:masterClrMapping/>
+  </p:clrMapOvr>
+</p:notes>
+</file>
+
+<file path=ppt/notesSlides/notesSlide12.xml><?xml version="1.0" encoding="utf-8"?>
 <p:notes xmlns:a="http://schemas.openxmlformats.org/drawingml/2006/main" xmlns:r="http://schemas.openxmlformats.org/officeDocument/2006/relationships" xmlns:mc="http://schemas.openxmlformats.org/markup-compatibility/2006" xmlns:mv="urn:schemas-microsoft-com:mac:vml" xmlns:p="http://schemas.openxmlformats.org/presentationml/2006/main" xmlns:c="http://schemas.openxmlformats.org/drawingml/2006/chart" xmlns:dgm="http://schemas.openxmlformats.org/drawingml/2006/diagram" xmlns:o="urn:schemas-microsoft-com:office:office" xmlns:v="urn:schemas-microsoft-com:vml" xmlns:pvml="urn:schemas-microsoft-com:office:powerpoint" xmlns:com="http://schemas.openxmlformats.org/drawingml/2006/compatibility" xmlns:p14="http://schemas.microsoft.com/office/powerpoint/2010/main" showMasterSp="0" showMasterPhAnim="0">
   <p:cSld>
     <p:spTree>
@@ -673,12 +768,12 @@
 </p:notes>
 </file>
 
-<file path=ppt/notesSlides/notesSlide12.xml><?xml version="1.0" encoding="utf-8"?>
+<file path=ppt/notesSlides/notesSlide13.xml><?xml version="1.0" encoding="utf-8"?>
 <p:notes xmlns:a="http://schemas.openxmlformats.org/drawingml/2006/main" xmlns:r="http://schemas.openxmlformats.org/officeDocument/2006/relationships" xmlns:mc="http://schemas.openxmlformats.org/markup-compatibility/2006" xmlns:mv="urn:schemas-microsoft-com:mac:vml" xmlns:p="http://schemas.openxmlformats.org/presentationml/2006/main" xmlns:c="http://schemas.openxmlformats.org/drawingml/2006/chart" xmlns:dgm="http://schemas.openxmlformats.org/drawingml/2006/diagram" xmlns:o="urn:schemas-microsoft-com:office:office" xmlns:v="urn:schemas-microsoft-com:vml" xmlns:pvml="urn:schemas-microsoft-com:office:powerpoint" xmlns:com="http://schemas.openxmlformats.org/drawingml/2006/compatibility" xmlns:p14="http://schemas.microsoft.com/office/powerpoint/2010/main" showMasterSp="0" showMasterPhAnim="0">
   <p:cSld>
     <p:spTree>
       <p:nvGrpSpPr>
-        <p:cNvPr id="191" name="Shape 191"/>
+        <p:cNvPr id="195" name="Shape 195"/>
         <p:cNvGrpSpPr/>
         <p:nvPr/>
       </p:nvGrpSpPr>
@@ -692,7 +787,7 @@
       </p:grpSpPr>
       <p:sp>
         <p:nvSpPr>
-          <p:cNvPr id="192" name="Shape 192"/>
+          <p:cNvPr id="196" name="Shape 196"/>
           <p:cNvSpPr txBox="1"/>
           <p:nvPr>
             <p:ph idx="1" type="body"/>
@@ -728,7 +823,7 @@
       </p:sp>
       <p:sp>
         <p:nvSpPr>
-          <p:cNvPr id="193" name="Shape 193"/>
+          <p:cNvPr id="197" name="Shape 197"/>
           <p:cNvSpPr/>
           <p:nvPr>
             <p:ph idx="2" type="sldImg"/>
@@ -768,12 +863,12 @@
 </p:notes>
 </file>
 
-<file path=ppt/notesSlides/notesSlide13.xml><?xml version="1.0" encoding="utf-8"?>
+<file path=ppt/notesSlides/notesSlide14.xml><?xml version="1.0" encoding="utf-8"?>
 <p:notes xmlns:a="http://schemas.openxmlformats.org/drawingml/2006/main" xmlns:r="http://schemas.openxmlformats.org/officeDocument/2006/relationships" xmlns:mc="http://schemas.openxmlformats.org/markup-compatibility/2006" xmlns:mv="urn:schemas-microsoft-com:mac:vml" xmlns:p="http://schemas.openxmlformats.org/presentationml/2006/main" xmlns:c="http://schemas.openxmlformats.org/drawingml/2006/chart" xmlns:dgm="http://schemas.openxmlformats.org/drawingml/2006/diagram" xmlns:o="urn:schemas-microsoft-com:office:office" xmlns:v="urn:schemas-microsoft-com:vml" xmlns:pvml="urn:schemas-microsoft-com:office:powerpoint" xmlns:com="http://schemas.openxmlformats.org/drawingml/2006/compatibility" xmlns:p14="http://schemas.microsoft.com/office/powerpoint/2010/main" showMasterSp="0" showMasterPhAnim="0">
   <p:cSld>
     <p:spTree>
       <p:nvGrpSpPr>
-        <p:cNvPr id="208" name="Shape 208"/>
+        <p:cNvPr id="214" name="Shape 214"/>
         <p:cNvGrpSpPr/>
         <p:nvPr/>
       </p:nvGrpSpPr>
@@ -787,7 +882,7 @@
       </p:grpSpPr>
       <p:sp>
         <p:nvSpPr>
-          <p:cNvPr id="209" name="Shape 209"/>
+          <p:cNvPr id="215" name="Shape 215"/>
           <p:cNvSpPr txBox="1"/>
           <p:nvPr>
             <p:ph idx="1" type="body"/>
@@ -823,7 +918,7 @@
       </p:sp>
       <p:sp>
         <p:nvSpPr>
-          <p:cNvPr id="210" name="Shape 210"/>
+          <p:cNvPr id="216" name="Shape 216"/>
           <p:cNvSpPr/>
           <p:nvPr>
             <p:ph idx="2" type="sldImg"/>
@@ -863,12 +958,12 @@
 </p:notes>
 </file>
 
-<file path=ppt/notesSlides/notesSlide14.xml><?xml version="1.0" encoding="utf-8"?>
+<file path=ppt/notesSlides/notesSlide15.xml><?xml version="1.0" encoding="utf-8"?>
 <p:notes xmlns:a="http://schemas.openxmlformats.org/drawingml/2006/main" xmlns:r="http://schemas.openxmlformats.org/officeDocument/2006/relationships" xmlns:mc="http://schemas.openxmlformats.org/markup-compatibility/2006" xmlns:mv="urn:schemas-microsoft-com:mac:vml" xmlns:p="http://schemas.openxmlformats.org/presentationml/2006/main" xmlns:c="http://schemas.openxmlformats.org/drawingml/2006/chart" xmlns:dgm="http://schemas.openxmlformats.org/drawingml/2006/diagram" xmlns:o="urn:schemas-microsoft-com:office:office" xmlns:v="urn:schemas-microsoft-com:vml" xmlns:pvml="urn:schemas-microsoft-com:office:powerpoint" xmlns:com="http://schemas.openxmlformats.org/drawingml/2006/compatibility" xmlns:p14="http://schemas.microsoft.com/office/powerpoint/2010/main" showMasterSp="0" showMasterPhAnim="0">
   <p:cSld>
     <p:spTree>
       <p:nvGrpSpPr>
-        <p:cNvPr id="228" name="Shape 228"/>
+        <p:cNvPr id="222" name="Shape 222"/>
         <p:cNvGrpSpPr/>
         <p:nvPr/>
       </p:nvGrpSpPr>
@@ -882,7 +977,7 @@
       </p:grpSpPr>
       <p:sp>
         <p:nvSpPr>
-          <p:cNvPr id="229" name="Shape 229"/>
+          <p:cNvPr id="223" name="Shape 223"/>
           <p:cNvSpPr txBox="1"/>
           <p:nvPr>
             <p:ph idx="1" type="body"/>
@@ -918,7 +1013,7 @@
       </p:sp>
       <p:sp>
         <p:nvSpPr>
-          <p:cNvPr id="230" name="Shape 230"/>
+          <p:cNvPr id="224" name="Shape 224"/>
           <p:cNvSpPr/>
           <p:nvPr>
             <p:ph idx="2" type="sldImg"/>
@@ -958,7 +1053,7 @@
 </p:notes>
 </file>
 
-<file path=ppt/notesSlides/notesSlide15.xml><?xml version="1.0" encoding="utf-8"?>
+<file path=ppt/notesSlides/notesSlide16.xml><?xml version="1.0" encoding="utf-8"?>
 <p:notes xmlns:a="http://schemas.openxmlformats.org/drawingml/2006/main" xmlns:r="http://schemas.openxmlformats.org/officeDocument/2006/relationships" xmlns:mc="http://schemas.openxmlformats.org/markup-compatibility/2006" xmlns:mv="urn:schemas-microsoft-com:mac:vml" xmlns:p="http://schemas.openxmlformats.org/presentationml/2006/main" xmlns:c="http://schemas.openxmlformats.org/drawingml/2006/chart" xmlns:dgm="http://schemas.openxmlformats.org/drawingml/2006/diagram" xmlns:o="urn:schemas-microsoft-com:office:office" xmlns:v="urn:schemas-microsoft-com:vml" xmlns:pvml="urn:schemas-microsoft-com:office:powerpoint" xmlns:com="http://schemas.openxmlformats.org/drawingml/2006/compatibility" xmlns:p14="http://schemas.microsoft.com/office/powerpoint/2010/main" showMasterSp="0" showMasterPhAnim="0">
   <p:cSld>
     <p:spTree>
@@ -1053,12 +1148,12 @@
 </p:notes>
 </file>
 
-<file path=ppt/notesSlides/notesSlide16.xml><?xml version="1.0" encoding="utf-8"?>
+<file path=ppt/notesSlides/notesSlide17.xml><?xml version="1.0" encoding="utf-8"?>
 <p:notes xmlns:a="http://schemas.openxmlformats.org/drawingml/2006/main" xmlns:r="http://schemas.openxmlformats.org/officeDocument/2006/relationships" xmlns:mc="http://schemas.openxmlformats.org/markup-compatibility/2006" xmlns:mv="urn:schemas-microsoft-com:mac:vml" xmlns:p="http://schemas.openxmlformats.org/presentationml/2006/main" xmlns:c="http://schemas.openxmlformats.org/drawingml/2006/chart" xmlns:dgm="http://schemas.openxmlformats.org/drawingml/2006/diagram" xmlns:o="urn:schemas-microsoft-com:office:office" xmlns:v="urn:schemas-microsoft-com:vml" xmlns:pvml="urn:schemas-microsoft-com:office:powerpoint" xmlns:com="http://schemas.openxmlformats.org/drawingml/2006/compatibility" xmlns:p14="http://schemas.microsoft.com/office/powerpoint/2010/main" showMasterSp="0" showMasterPhAnim="0">
   <p:cSld>
     <p:spTree>
       <p:nvGrpSpPr>
-        <p:cNvPr id="247" name="Shape 247"/>
+        <p:cNvPr id="252" name="Shape 252"/>
         <p:cNvGrpSpPr/>
         <p:nvPr/>
       </p:nvGrpSpPr>
@@ -1072,7 +1167,7 @@
       </p:grpSpPr>
       <p:sp>
         <p:nvSpPr>
-          <p:cNvPr id="248" name="Shape 248"/>
+          <p:cNvPr id="253" name="Shape 253"/>
           <p:cNvSpPr txBox="1"/>
           <p:nvPr>
             <p:ph idx="1" type="body"/>
@@ -1108,7 +1203,7 @@
       </p:sp>
       <p:sp>
         <p:nvSpPr>
-          <p:cNvPr id="249" name="Shape 249"/>
+          <p:cNvPr id="254" name="Shape 254"/>
           <p:cNvSpPr/>
           <p:nvPr>
             <p:ph idx="2" type="sldImg"/>
@@ -1148,12 +1243,12 @@
 </p:notes>
 </file>
 
-<file path=ppt/notesSlides/notesSlide17.xml><?xml version="1.0" encoding="utf-8"?>
+<file path=ppt/notesSlides/notesSlide18.xml><?xml version="1.0" encoding="utf-8"?>
 <p:notes xmlns:a="http://schemas.openxmlformats.org/drawingml/2006/main" xmlns:r="http://schemas.openxmlformats.org/officeDocument/2006/relationships" xmlns:mc="http://schemas.openxmlformats.org/markup-compatibility/2006" xmlns:mv="urn:schemas-microsoft-com:mac:vml" xmlns:p="http://schemas.openxmlformats.org/presentationml/2006/main" xmlns:c="http://schemas.openxmlformats.org/drawingml/2006/chart" xmlns:dgm="http://schemas.openxmlformats.org/drawingml/2006/diagram" xmlns:o="urn:schemas-microsoft-com:office:office" xmlns:v="urn:schemas-microsoft-com:vml" xmlns:pvml="urn:schemas-microsoft-com:office:powerpoint" xmlns:com="http://schemas.openxmlformats.org/drawingml/2006/compatibility" xmlns:p14="http://schemas.microsoft.com/office/powerpoint/2010/main" showMasterSp="0" showMasterPhAnim="0">
   <p:cSld>
     <p:spTree>
       <p:nvGrpSpPr>
-        <p:cNvPr id="263" name="Shape 263"/>
+        <p:cNvPr id="264" name="Shape 264"/>
         <p:cNvGrpSpPr/>
         <p:nvPr/>
       </p:nvGrpSpPr>
@@ -1167,7 +1262,7 @@
       </p:grpSpPr>
       <p:sp>
         <p:nvSpPr>
-          <p:cNvPr id="264" name="Shape 264"/>
+          <p:cNvPr id="265" name="Shape 265"/>
           <p:cNvSpPr txBox="1"/>
           <p:nvPr>
             <p:ph idx="1" type="body"/>
@@ -1203,7 +1298,7 @@
       </p:sp>
       <p:sp>
         <p:nvSpPr>
-          <p:cNvPr id="265" name="Shape 265"/>
+          <p:cNvPr id="266" name="Shape 266"/>
           <p:cNvSpPr/>
           <p:nvPr>
             <p:ph idx="2" type="sldImg"/>
@@ -1243,12 +1338,12 @@
 </p:notes>
 </file>
 
-<file path=ppt/notesSlides/notesSlide18.xml><?xml version="1.0" encoding="utf-8"?>
+<file path=ppt/notesSlides/notesSlide19.xml><?xml version="1.0" encoding="utf-8"?>
 <p:notes xmlns:a="http://schemas.openxmlformats.org/drawingml/2006/main" xmlns:r="http://schemas.openxmlformats.org/officeDocument/2006/relationships" xmlns:mc="http://schemas.openxmlformats.org/markup-compatibility/2006" xmlns:mv="urn:schemas-microsoft-com:mac:vml" xmlns:p="http://schemas.openxmlformats.org/presentationml/2006/main" xmlns:c="http://schemas.openxmlformats.org/drawingml/2006/chart" xmlns:dgm="http://schemas.openxmlformats.org/drawingml/2006/diagram" xmlns:o="urn:schemas-microsoft-com:office:office" xmlns:v="urn:schemas-microsoft-com:vml" xmlns:pvml="urn:schemas-microsoft-com:office:powerpoint" xmlns:com="http://schemas.openxmlformats.org/drawingml/2006/compatibility" xmlns:p14="http://schemas.microsoft.com/office/powerpoint/2010/main" showMasterSp="0" showMasterPhAnim="0">
   <p:cSld>
     <p:spTree>
       <p:nvGrpSpPr>
-        <p:cNvPr id="274" name="Shape 274"/>
+        <p:cNvPr id="276" name="Shape 276"/>
         <p:cNvGrpSpPr/>
         <p:nvPr/>
       </p:nvGrpSpPr>
@@ -1262,7 +1357,7 @@
       </p:grpSpPr>
       <p:sp>
         <p:nvSpPr>
-          <p:cNvPr id="275" name="Shape 275"/>
+          <p:cNvPr id="277" name="Shape 277"/>
           <p:cNvSpPr txBox="1"/>
           <p:nvPr>
             <p:ph idx="1" type="body"/>
@@ -1298,7 +1393,7 @@
       </p:sp>
       <p:sp>
         <p:nvSpPr>
-          <p:cNvPr id="276" name="Shape 276"/>
+          <p:cNvPr id="278" name="Shape 278"/>
           <p:cNvSpPr/>
           <p:nvPr>
             <p:ph idx="2" type="sldImg"/>
@@ -1338,12 +1433,12 @@
 </p:notes>
 </file>
 
-<file path=ppt/notesSlides/notesSlide19.xml><?xml version="1.0" encoding="utf-8"?>
+<file path=ppt/notesSlides/notesSlide2.xml><?xml version="1.0" encoding="utf-8"?>
 <p:notes xmlns:a="http://schemas.openxmlformats.org/drawingml/2006/main" xmlns:r="http://schemas.openxmlformats.org/officeDocument/2006/relationships" xmlns:mc="http://schemas.openxmlformats.org/markup-compatibility/2006" xmlns:mv="urn:schemas-microsoft-com:mac:vml" xmlns:p="http://schemas.openxmlformats.org/presentationml/2006/main" xmlns:c="http://schemas.openxmlformats.org/drawingml/2006/chart" xmlns:dgm="http://schemas.openxmlformats.org/drawingml/2006/diagram" xmlns:o="urn:schemas-microsoft-com:office:office" xmlns:v="urn:schemas-microsoft-com:vml" xmlns:pvml="urn:schemas-microsoft-com:office:powerpoint" xmlns:com="http://schemas.openxmlformats.org/drawingml/2006/compatibility" xmlns:p14="http://schemas.microsoft.com/office/powerpoint/2010/main" showMasterSp="0" showMasterPhAnim="0">
   <p:cSld>
     <p:spTree>
       <p:nvGrpSpPr>
-        <p:cNvPr id="286" name="Shape 286"/>
+        <p:cNvPr id="50" name="Shape 50"/>
         <p:cNvGrpSpPr/>
         <p:nvPr/>
       </p:nvGrpSpPr>
@@ -1357,7 +1452,7 @@
       </p:grpSpPr>
       <p:sp>
         <p:nvSpPr>
-          <p:cNvPr id="287" name="Shape 287"/>
+          <p:cNvPr id="51" name="Shape 51"/>
           <p:cNvSpPr txBox="1"/>
           <p:nvPr>
             <p:ph idx="1" type="body"/>
@@ -1393,7 +1488,7 @@
       </p:sp>
       <p:sp>
         <p:nvSpPr>
-          <p:cNvPr id="288" name="Shape 288"/>
+          <p:cNvPr id="52" name="Shape 52"/>
           <p:cNvSpPr/>
           <p:nvPr>
             <p:ph idx="2" type="sldImg"/>
@@ -1433,12 +1528,12 @@
 </p:notes>
 </file>
 
-<file path=ppt/notesSlides/notesSlide2.xml><?xml version="1.0" encoding="utf-8"?>
+<file path=ppt/notesSlides/notesSlide20.xml><?xml version="1.0" encoding="utf-8"?>
 <p:notes xmlns:a="http://schemas.openxmlformats.org/drawingml/2006/main" xmlns:r="http://schemas.openxmlformats.org/officeDocument/2006/relationships" xmlns:mc="http://schemas.openxmlformats.org/markup-compatibility/2006" xmlns:mv="urn:schemas-microsoft-com:mac:vml" xmlns:p="http://schemas.openxmlformats.org/presentationml/2006/main" xmlns:c="http://schemas.openxmlformats.org/drawingml/2006/chart" xmlns:dgm="http://schemas.openxmlformats.org/drawingml/2006/diagram" xmlns:o="urn:schemas-microsoft-com:office:office" xmlns:v="urn:schemas-microsoft-com:vml" xmlns:pvml="urn:schemas-microsoft-com:office:powerpoint" xmlns:com="http://schemas.openxmlformats.org/drawingml/2006/compatibility" xmlns:p14="http://schemas.microsoft.com/office/powerpoint/2010/main" showMasterSp="0" showMasterPhAnim="0">
   <p:cSld>
     <p:spTree>
       <p:nvGrpSpPr>
-        <p:cNvPr id="52" name="Shape 52"/>
+        <p:cNvPr id="285" name="Shape 285"/>
         <p:cNvGrpSpPr/>
         <p:nvPr/>
       </p:nvGrpSpPr>
@@ -1452,7 +1547,7 @@
       </p:grpSpPr>
       <p:sp>
         <p:nvSpPr>
-          <p:cNvPr id="53" name="Shape 53"/>
+          <p:cNvPr id="286" name="Shape 286"/>
           <p:cNvSpPr txBox="1"/>
           <p:nvPr>
             <p:ph idx="1" type="body"/>
@@ -1488,7 +1583,7 @@
       </p:sp>
       <p:sp>
         <p:nvSpPr>
-          <p:cNvPr id="54" name="Shape 54"/>
+          <p:cNvPr id="287" name="Shape 287"/>
           <p:cNvSpPr/>
           <p:nvPr>
             <p:ph idx="2" type="sldImg"/>
@@ -1528,12 +1623,12 @@
 </p:notes>
 </file>
 
-<file path=ppt/notesSlides/notesSlide20.xml><?xml version="1.0" encoding="utf-8"?>
+<file path=ppt/notesSlides/notesSlide3.xml><?xml version="1.0" encoding="utf-8"?>
 <p:notes xmlns:a="http://schemas.openxmlformats.org/drawingml/2006/main" xmlns:r="http://schemas.openxmlformats.org/officeDocument/2006/relationships" xmlns:mc="http://schemas.openxmlformats.org/markup-compatibility/2006" xmlns:mv="urn:schemas-microsoft-com:mac:vml" xmlns:p="http://schemas.openxmlformats.org/presentationml/2006/main" xmlns:c="http://schemas.openxmlformats.org/drawingml/2006/chart" xmlns:dgm="http://schemas.openxmlformats.org/drawingml/2006/diagram" xmlns:o="urn:schemas-microsoft-com:office:office" xmlns:v="urn:schemas-microsoft-com:vml" xmlns:pvml="urn:schemas-microsoft-com:office:powerpoint" xmlns:com="http://schemas.openxmlformats.org/drawingml/2006/compatibility" xmlns:p14="http://schemas.microsoft.com/office/powerpoint/2010/main" showMasterSp="0" showMasterPhAnim="0">
   <p:cSld>
     <p:spTree>
       <p:nvGrpSpPr>
-        <p:cNvPr id="296" name="Shape 296"/>
+        <p:cNvPr id="62" name="Shape 62"/>
         <p:cNvGrpSpPr/>
         <p:nvPr/>
       </p:nvGrpSpPr>
@@ -1547,7 +1642,7 @@
       </p:grpSpPr>
       <p:sp>
         <p:nvSpPr>
-          <p:cNvPr id="297" name="Shape 297"/>
+          <p:cNvPr id="63" name="Shape 63"/>
           <p:cNvSpPr txBox="1"/>
           <p:nvPr>
             <p:ph idx="1" type="body"/>
@@ -1583,7 +1678,7 @@
       </p:sp>
       <p:sp>
         <p:nvSpPr>
-          <p:cNvPr id="298" name="Shape 298"/>
+          <p:cNvPr id="64" name="Shape 64"/>
           <p:cNvSpPr/>
           <p:nvPr>
             <p:ph idx="2" type="sldImg"/>
@@ -1623,12 +1718,12 @@
 </p:notes>
 </file>
 
-<file path=ppt/notesSlides/notesSlide3.xml><?xml version="1.0" encoding="utf-8"?>
+<file path=ppt/notesSlides/notesSlide4.xml><?xml version="1.0" encoding="utf-8"?>
 <p:notes xmlns:a="http://schemas.openxmlformats.org/drawingml/2006/main" xmlns:r="http://schemas.openxmlformats.org/officeDocument/2006/relationships" xmlns:mc="http://schemas.openxmlformats.org/markup-compatibility/2006" xmlns:mv="urn:schemas-microsoft-com:mac:vml" xmlns:p="http://schemas.openxmlformats.org/presentationml/2006/main" xmlns:c="http://schemas.openxmlformats.org/drawingml/2006/chart" xmlns:dgm="http://schemas.openxmlformats.org/drawingml/2006/diagram" xmlns:o="urn:schemas-microsoft-com:office:office" xmlns:v="urn:schemas-microsoft-com:vml" xmlns:pvml="urn:schemas-microsoft-com:office:powerpoint" xmlns:com="http://schemas.openxmlformats.org/drawingml/2006/compatibility" xmlns:p14="http://schemas.microsoft.com/office/powerpoint/2010/main" showMasterSp="0" showMasterPhAnim="0">
   <p:cSld>
     <p:spTree>
       <p:nvGrpSpPr>
-        <p:cNvPr id="65" name="Shape 65"/>
+        <p:cNvPr id="72" name="Shape 72"/>
         <p:cNvGrpSpPr/>
         <p:nvPr/>
       </p:nvGrpSpPr>
@@ -1642,7 +1737,7 @@
       </p:grpSpPr>
       <p:sp>
         <p:nvSpPr>
-          <p:cNvPr id="66" name="Shape 66"/>
+          <p:cNvPr id="73" name="Shape 73"/>
           <p:cNvSpPr txBox="1"/>
           <p:nvPr>
             <p:ph idx="1" type="body"/>
@@ -1678,7 +1773,7 @@
       </p:sp>
       <p:sp>
         <p:nvSpPr>
-          <p:cNvPr id="67" name="Shape 67"/>
+          <p:cNvPr id="74" name="Shape 74"/>
           <p:cNvSpPr/>
           <p:nvPr>
             <p:ph idx="2" type="sldImg"/>
@@ -1718,12 +1813,12 @@
 </p:notes>
 </file>
 
-<file path=ppt/notesSlides/notesSlide4.xml><?xml version="1.0" encoding="utf-8"?>
+<file path=ppt/notesSlides/notesSlide5.xml><?xml version="1.0" encoding="utf-8"?>
 <p:notes xmlns:a="http://schemas.openxmlformats.org/drawingml/2006/main" xmlns:r="http://schemas.openxmlformats.org/officeDocument/2006/relationships" xmlns:mc="http://schemas.openxmlformats.org/markup-compatibility/2006" xmlns:mv="urn:schemas-microsoft-com:mac:vml" xmlns:p="http://schemas.openxmlformats.org/presentationml/2006/main" xmlns:c="http://schemas.openxmlformats.org/drawingml/2006/chart" xmlns:dgm="http://schemas.openxmlformats.org/drawingml/2006/diagram" xmlns:o="urn:schemas-microsoft-com:office:office" xmlns:v="urn:schemas-microsoft-com:vml" xmlns:pvml="urn:schemas-microsoft-com:office:powerpoint" xmlns:com="http://schemas.openxmlformats.org/drawingml/2006/compatibility" xmlns:p14="http://schemas.microsoft.com/office/powerpoint/2010/main" showMasterSp="0" showMasterPhAnim="0">
   <p:cSld>
     <p:spTree>
       <p:nvGrpSpPr>
-        <p:cNvPr id="76" name="Shape 76"/>
+        <p:cNvPr id="82" name="Shape 82"/>
         <p:cNvGrpSpPr/>
         <p:nvPr/>
       </p:nvGrpSpPr>
@@ -1737,7 +1832,7 @@
       </p:grpSpPr>
       <p:sp>
         <p:nvSpPr>
-          <p:cNvPr id="77" name="Shape 77"/>
+          <p:cNvPr id="83" name="Shape 83"/>
           <p:cNvSpPr txBox="1"/>
           <p:nvPr>
             <p:ph idx="1" type="body"/>
@@ -1773,7 +1868,7 @@
       </p:sp>
       <p:sp>
         <p:nvSpPr>
-          <p:cNvPr id="78" name="Shape 78"/>
+          <p:cNvPr id="84" name="Shape 84"/>
           <p:cNvSpPr/>
           <p:nvPr>
             <p:ph idx="2" type="sldImg"/>
@@ -1813,12 +1908,12 @@
 </p:notes>
 </file>
 
-<file path=ppt/notesSlides/notesSlide5.xml><?xml version="1.0" encoding="utf-8"?>
+<file path=ppt/notesSlides/notesSlide6.xml><?xml version="1.0" encoding="utf-8"?>
 <p:notes xmlns:a="http://schemas.openxmlformats.org/drawingml/2006/main" xmlns:r="http://schemas.openxmlformats.org/officeDocument/2006/relationships" xmlns:mc="http://schemas.openxmlformats.org/markup-compatibility/2006" xmlns:mv="urn:schemas-microsoft-com:mac:vml" xmlns:p="http://schemas.openxmlformats.org/presentationml/2006/main" xmlns:c="http://schemas.openxmlformats.org/drawingml/2006/chart" xmlns:dgm="http://schemas.openxmlformats.org/drawingml/2006/diagram" xmlns:o="urn:schemas-microsoft-com:office:office" xmlns:v="urn:schemas-microsoft-com:vml" xmlns:pvml="urn:schemas-microsoft-com:office:powerpoint" xmlns:com="http://schemas.openxmlformats.org/drawingml/2006/compatibility" xmlns:p14="http://schemas.microsoft.com/office/powerpoint/2010/main" showMasterSp="0" showMasterPhAnim="0">
   <p:cSld>
     <p:spTree>
       <p:nvGrpSpPr>
-        <p:cNvPr id="87" name="Shape 87"/>
+        <p:cNvPr id="95" name="Shape 95"/>
         <p:cNvGrpSpPr/>
         <p:nvPr/>
       </p:nvGrpSpPr>
@@ -1832,7 +1927,7 @@
       </p:grpSpPr>
       <p:sp>
         <p:nvSpPr>
-          <p:cNvPr id="88" name="Shape 88"/>
+          <p:cNvPr id="96" name="Shape 96"/>
           <p:cNvSpPr txBox="1"/>
           <p:nvPr>
             <p:ph idx="1" type="body"/>
@@ -1868,7 +1963,7 @@
       </p:sp>
       <p:sp>
         <p:nvSpPr>
-          <p:cNvPr id="89" name="Shape 89"/>
+          <p:cNvPr id="97" name="Shape 97"/>
           <p:cNvSpPr/>
           <p:nvPr>
             <p:ph idx="2" type="sldImg"/>
@@ -1908,12 +2003,12 @@
 </p:notes>
 </file>
 
-<file path=ppt/notesSlides/notesSlide6.xml><?xml version="1.0" encoding="utf-8"?>
+<file path=ppt/notesSlides/notesSlide7.xml><?xml version="1.0" encoding="utf-8"?>
 <p:notes xmlns:a="http://schemas.openxmlformats.org/drawingml/2006/main" xmlns:r="http://schemas.openxmlformats.org/officeDocument/2006/relationships" xmlns:mc="http://schemas.openxmlformats.org/markup-compatibility/2006" xmlns:mv="urn:schemas-microsoft-com:mac:vml" xmlns:p="http://schemas.openxmlformats.org/presentationml/2006/main" xmlns:c="http://schemas.openxmlformats.org/drawingml/2006/chart" xmlns:dgm="http://schemas.openxmlformats.org/drawingml/2006/diagram" xmlns:o="urn:schemas-microsoft-com:office:office" xmlns:v="urn:schemas-microsoft-com:vml" xmlns:pvml="urn:schemas-microsoft-com:office:powerpoint" xmlns:com="http://schemas.openxmlformats.org/drawingml/2006/compatibility" xmlns:p14="http://schemas.microsoft.com/office/powerpoint/2010/main" showMasterSp="0" showMasterPhAnim="0">
   <p:cSld>
     <p:spTree>
       <p:nvGrpSpPr>
-        <p:cNvPr id="101" name="Shape 101"/>
+        <p:cNvPr id="108" name="Shape 108"/>
         <p:cNvGrpSpPr/>
         <p:nvPr/>
       </p:nvGrpSpPr>
@@ -1927,7 +2022,7 @@
       </p:grpSpPr>
       <p:sp>
         <p:nvSpPr>
-          <p:cNvPr id="102" name="Shape 102"/>
+          <p:cNvPr id="109" name="Shape 109"/>
           <p:cNvSpPr txBox="1"/>
           <p:nvPr>
             <p:ph idx="1" type="body"/>
@@ -1963,7 +2058,7 @@
       </p:sp>
       <p:sp>
         <p:nvSpPr>
-          <p:cNvPr id="103" name="Shape 103"/>
+          <p:cNvPr id="110" name="Shape 110"/>
           <p:cNvSpPr/>
           <p:nvPr>
             <p:ph idx="2" type="sldImg"/>
@@ -2003,12 +2098,12 @@
 </p:notes>
 </file>
 
-<file path=ppt/notesSlides/notesSlide7.xml><?xml version="1.0" encoding="utf-8"?>
+<file path=ppt/notesSlides/notesSlide8.xml><?xml version="1.0" encoding="utf-8"?>
 <p:notes xmlns:a="http://schemas.openxmlformats.org/drawingml/2006/main" xmlns:r="http://schemas.openxmlformats.org/officeDocument/2006/relationships" xmlns:mc="http://schemas.openxmlformats.org/markup-compatibility/2006" xmlns:mv="urn:schemas-microsoft-com:mac:vml" xmlns:p="http://schemas.openxmlformats.org/presentationml/2006/main" xmlns:c="http://schemas.openxmlformats.org/drawingml/2006/chart" xmlns:dgm="http://schemas.openxmlformats.org/drawingml/2006/diagram" xmlns:o="urn:schemas-microsoft-com:office:office" xmlns:v="urn:schemas-microsoft-com:vml" xmlns:pvml="urn:schemas-microsoft-com:office:powerpoint" xmlns:com="http://schemas.openxmlformats.org/drawingml/2006/compatibility" xmlns:p14="http://schemas.microsoft.com/office/powerpoint/2010/main" showMasterSp="0" showMasterPhAnim="0">
   <p:cSld>
     <p:spTree>
       <p:nvGrpSpPr>
-        <p:cNvPr id="115" name="Shape 115"/>
+        <p:cNvPr id="123" name="Shape 123"/>
         <p:cNvGrpSpPr/>
         <p:nvPr/>
       </p:nvGrpSpPr>
@@ -2022,7 +2117,7 @@
       </p:grpSpPr>
       <p:sp>
         <p:nvSpPr>
-          <p:cNvPr id="116" name="Shape 116"/>
+          <p:cNvPr id="124" name="Shape 124"/>
           <p:cNvSpPr txBox="1"/>
           <p:nvPr>
             <p:ph idx="1" type="body"/>
@@ -2058,7 +2153,7 @@
       </p:sp>
       <p:sp>
         <p:nvSpPr>
-          <p:cNvPr id="117" name="Shape 117"/>
+          <p:cNvPr id="125" name="Shape 125"/>
           <p:cNvSpPr/>
           <p:nvPr>
             <p:ph idx="2" type="sldImg"/>
@@ -2098,12 +2193,12 @@
 </p:notes>
 </file>
 
-<file path=ppt/notesSlides/notesSlide8.xml><?xml version="1.0" encoding="utf-8"?>
+<file path=ppt/notesSlides/notesSlide9.xml><?xml version="1.0" encoding="utf-8"?>
 <p:notes xmlns:a="http://schemas.openxmlformats.org/drawingml/2006/main" xmlns:r="http://schemas.openxmlformats.org/officeDocument/2006/relationships" xmlns:mc="http://schemas.openxmlformats.org/markup-compatibility/2006" xmlns:mv="urn:schemas-microsoft-com:mac:vml" xmlns:p="http://schemas.openxmlformats.org/presentationml/2006/main" xmlns:c="http://schemas.openxmlformats.org/drawingml/2006/chart" xmlns:dgm="http://schemas.openxmlformats.org/drawingml/2006/diagram" xmlns:o="urn:schemas-microsoft-com:office:office" xmlns:v="urn:schemas-microsoft-com:vml" xmlns:pvml="urn:schemas-microsoft-com:office:powerpoint" xmlns:com="http://schemas.openxmlformats.org/drawingml/2006/compatibility" xmlns:p14="http://schemas.microsoft.com/office/powerpoint/2010/main" showMasterSp="0" showMasterPhAnim="0">
   <p:cSld>
     <p:spTree>
       <p:nvGrpSpPr>
-        <p:cNvPr id="131" name="Shape 131"/>
+        <p:cNvPr id="138" name="Shape 138"/>
         <p:cNvGrpSpPr/>
         <p:nvPr/>
       </p:nvGrpSpPr>
@@ -2117,7 +2212,7 @@
       </p:grpSpPr>
       <p:sp>
         <p:nvSpPr>
-          <p:cNvPr id="132" name="Shape 132"/>
+          <p:cNvPr id="139" name="Shape 139"/>
           <p:cNvSpPr txBox="1"/>
           <p:nvPr>
             <p:ph idx="1" type="body"/>
@@ -2153,102 +2248,7 @@
       </p:sp>
       <p:sp>
         <p:nvSpPr>
-          <p:cNvPr id="133" name="Shape 133"/>
-          <p:cNvSpPr/>
-          <p:nvPr>
-            <p:ph idx="2" type="sldImg"/>
-          </p:nvPr>
-        </p:nvSpPr>
-        <p:spPr>
-          <a:xfrm>
-            <a:off y="685800" x="1143000"/>
-            <a:ext cy="3429000" cx="4572000"/>
-          </a:xfrm>
-          <a:custGeom>
-            <a:pathLst>
-              <a:path w="120000" extrusionOk="0" h="120000">
-                <a:moveTo>
-                  <a:pt y="0" x="0"/>
-                </a:moveTo>
-                <a:lnTo>
-                  <a:pt y="0" x="120000"/>
-                </a:lnTo>
-                <a:lnTo>
-                  <a:pt y="120000" x="120000"/>
-                </a:lnTo>
-                <a:lnTo>
-                  <a:pt y="120000" x="0"/>
-                </a:lnTo>
-                <a:close/>
-              </a:path>
-            </a:pathLst>
-          </a:custGeom>
-        </p:spPr>
-      </p:sp>
-    </p:spTree>
-  </p:cSld>
-  <p:clrMapOvr>
-    <a:masterClrMapping/>
-  </p:clrMapOvr>
-</p:notes>
-</file>
-
-<file path=ppt/notesSlides/notesSlide9.xml><?xml version="1.0" encoding="utf-8"?>
-<p:notes xmlns:a="http://schemas.openxmlformats.org/drawingml/2006/main" xmlns:r="http://schemas.openxmlformats.org/officeDocument/2006/relationships" xmlns:mc="http://schemas.openxmlformats.org/markup-compatibility/2006" xmlns:mv="urn:schemas-microsoft-com:mac:vml" xmlns:p="http://schemas.openxmlformats.org/presentationml/2006/main" xmlns:c="http://schemas.openxmlformats.org/drawingml/2006/chart" xmlns:dgm="http://schemas.openxmlformats.org/drawingml/2006/diagram" xmlns:o="urn:schemas-microsoft-com:office:office" xmlns:v="urn:schemas-microsoft-com:vml" xmlns:pvml="urn:schemas-microsoft-com:office:powerpoint" xmlns:com="http://schemas.openxmlformats.org/drawingml/2006/compatibility" xmlns:p14="http://schemas.microsoft.com/office/powerpoint/2010/main" showMasterSp="0" showMasterPhAnim="0">
-  <p:cSld>
-    <p:spTree>
-      <p:nvGrpSpPr>
-        <p:cNvPr id="147" name="Shape 147"/>
-        <p:cNvGrpSpPr/>
-        <p:nvPr/>
-      </p:nvGrpSpPr>
-      <p:grpSpPr>
-        <a:xfrm>
-          <a:off y="0" x="0"/>
-          <a:ext cy="0" cx="0"/>
-          <a:chOff y="0" x="0"/>
-          <a:chExt cy="0" cx="0"/>
-        </a:xfrm>
-      </p:grpSpPr>
-      <p:sp>
-        <p:nvSpPr>
-          <p:cNvPr id="148" name="Shape 148"/>
-          <p:cNvSpPr txBox="1"/>
-          <p:nvPr>
-            <p:ph idx="1" type="body"/>
-          </p:nvPr>
-        </p:nvSpPr>
-        <p:spPr>
-          <a:xfrm>
-            <a:off y="4343400" x="914400"/>
-            <a:ext cy="4114800" cx="5029199"/>
-          </a:xfrm>
-          <a:prstGeom prst="rect">
-            <a:avLst/>
-          </a:prstGeom>
-        </p:spPr>
-        <p:txBody>
-          <a:bodyPr bIns="91425" rIns="91425" lIns="91425" tIns="91425" anchor="ctr" anchorCtr="0">
-            <a:noAutofit/>
-          </a:bodyPr>
-          <a:lstStyle/>
-          <a:p>
-            <a:pPr>
-              <a:spcBef>
-                <a:spcPts val="0"/>
-              </a:spcBef>
-              <a:buNone/>
-            </a:pPr>
-            <a:r>
-              <a:t/>
-            </a:r>
-            <a:endParaRPr/>
-          </a:p>
-        </p:txBody>
-      </p:sp>
-      <p:sp>
-        <p:nvSpPr>
-          <p:cNvPr id="149" name="Shape 149"/>
+          <p:cNvPr id="140" name="Shape 140"/>
           <p:cNvSpPr/>
           <p:nvPr>
             <p:ph idx="2" type="sldImg"/>
@@ -2369,7 +2369,16 @@
                 <a:cs typeface="Calibri"/>
                 <a:sym typeface="Calibri"/>
               </a:rPr>
-              <a:t>www.devoxx4kids.com</a:t>
+              <a:t>www.devoxx4kids.</a:t>
+            </a:r>
+            <a:r>
+              <a:rPr sz="1800" lang="en-US">
+                <a:latin typeface="Calibri"/>
+                <a:ea typeface="Calibri"/>
+                <a:cs typeface="Calibri"/>
+                <a:sym typeface="Calibri"/>
+              </a:rPr>
+              <a:t>org</a:t>
             </a:r>
           </a:p>
         </p:txBody>
@@ -2466,8 +2475,8 @@
         </p:nvSpPr>
         <p:spPr>
           <a:xfrm>
-            <a:off y="3886200" x="1371600"/>
-            <a:ext cy="2479179" cx="6400799"/>
+            <a:off y="3810000" x="1371600"/>
+            <a:ext cy="2762399" cx="6400799"/>
           </a:xfrm>
           <a:prstGeom prst="rect">
             <a:avLst/>
@@ -2652,7 +2661,16 @@
                 <a:cs typeface="Calibri"/>
                 <a:sym typeface="Calibri"/>
               </a:rPr>
-              <a:t>www.devoxx4kids.com</a:t>
+              <a:t>www.devoxx4kids.</a:t>
+            </a:r>
+            <a:r>
+              <a:rPr sz="1800" lang="en-US">
+                <a:latin typeface="Calibri"/>
+                <a:ea typeface="Calibri"/>
+                <a:cs typeface="Calibri"/>
+                <a:sym typeface="Calibri"/>
+              </a:rPr>
+              <a:t>org</a:t>
             </a:r>
           </a:p>
         </p:txBody>
@@ -3181,7 +3199,16 @@
                 <a:cs typeface="Calibri"/>
                 <a:sym typeface="Calibri"/>
               </a:rPr>
-              <a:t>www.devoxx4kids.com</a:t>
+              <a:t>www.devoxx4kids.</a:t>
+            </a:r>
+            <a:r>
+              <a:rPr sz="1800" lang="en-US">
+                <a:latin typeface="Calibri"/>
+                <a:ea typeface="Calibri"/>
+                <a:cs typeface="Calibri"/>
+                <a:sym typeface="Calibri"/>
+              </a:rPr>
+              <a:t>org</a:t>
             </a:r>
           </a:p>
         </p:txBody>
@@ -3241,13 +3268,13 @@
           <p:cNvPr id="29" name="Shape 29"/>
           <p:cNvSpPr txBox="1"/>
           <p:nvPr>
-            <p:ph type="title"/>
+            <p:ph idx="1" type="body"/>
           </p:nvPr>
         </p:nvSpPr>
         <p:spPr>
           <a:xfrm>
-            <a:off y="274637" x="2681190"/>
-            <a:ext cy="1325562" cx="6005609"/>
+            <a:off y="1600200" x="457200"/>
+            <a:ext cy="4379700" cx="8229600"/>
           </a:xfrm>
           <a:prstGeom prst="rect">
             <a:avLst/>
@@ -3260,58 +3287,76 @@
         <p:txBody>
           <a:bodyPr bIns="91425" rIns="91425" lIns="91425" tIns="91425" anchor="t" anchorCtr="0"/>
           <a:lstStyle>
-            <a:lvl1pPr algn="ctr" rtl="0">
-              <a:spcBef>
-                <a:spcPts val="0"/>
-              </a:spcBef>
+            <a:lvl1pPr rtl="0" indent="-139700" marL="342900">
+              <a:spcBef>
+                <a:spcPts val="700"/>
+              </a:spcBef>
+              <a:buFont typeface="Comic Sans MS"/>
+              <a:buChar char="•"/>
               <a:defRPr/>
             </a:lvl1pPr>
-            <a:lvl2pPr algn="ctr" rtl="0">
-              <a:spcBef>
-                <a:spcPts val="0"/>
-              </a:spcBef>
+            <a:lvl2pPr rtl="0" indent="-123371" marL="783771">
+              <a:spcBef>
+                <a:spcPts val="700"/>
+              </a:spcBef>
+              <a:buFont typeface="Comic Sans MS"/>
+              <a:buChar char="–"/>
               <a:defRPr/>
             </a:lvl2pPr>
-            <a:lvl3pPr algn="ctr" rtl="0">
-              <a:spcBef>
-                <a:spcPts val="0"/>
-              </a:spcBef>
+            <a:lvl3pPr rtl="0" indent="-101600" marL="1219200">
+              <a:spcBef>
+                <a:spcPts val="700"/>
+              </a:spcBef>
+              <a:buFont typeface="Comic Sans MS"/>
+              <a:buChar char="•"/>
               <a:defRPr/>
             </a:lvl3pPr>
-            <a:lvl4pPr algn="ctr" rtl="0">
-              <a:spcBef>
-                <a:spcPts val="0"/>
-              </a:spcBef>
+            <a:lvl4pPr rtl="0" indent="-162560" marL="1737360">
+              <a:spcBef>
+                <a:spcPts val="700"/>
+              </a:spcBef>
+              <a:buFont typeface="Comic Sans MS"/>
+              <a:buChar char="–"/>
               <a:defRPr/>
             </a:lvl4pPr>
-            <a:lvl5pPr algn="ctr" rtl="0">
-              <a:spcBef>
-                <a:spcPts val="0"/>
-              </a:spcBef>
+            <a:lvl5pPr rtl="0" indent="-162560" marL="2194560">
+              <a:spcBef>
+                <a:spcPts val="700"/>
+              </a:spcBef>
+              <a:buFont typeface="Comic Sans MS"/>
+              <a:buChar char="»"/>
               <a:defRPr/>
             </a:lvl5pPr>
-            <a:lvl6pPr algn="ctr" rtl="0">
-              <a:spcBef>
-                <a:spcPts val="0"/>
-              </a:spcBef>
+            <a:lvl6pPr rtl="0" indent="-162560" marL="2651760">
+              <a:spcBef>
+                <a:spcPts val="700"/>
+              </a:spcBef>
+              <a:buFont typeface="Comic Sans MS"/>
+              <a:buChar char="•"/>
               <a:defRPr/>
             </a:lvl6pPr>
-            <a:lvl7pPr algn="ctr" rtl="0">
-              <a:spcBef>
-                <a:spcPts val="0"/>
-              </a:spcBef>
+            <a:lvl7pPr rtl="0" indent="-162560" marL="3108960">
+              <a:spcBef>
+                <a:spcPts val="700"/>
+              </a:spcBef>
+              <a:buFont typeface="Comic Sans MS"/>
+              <a:buChar char="•"/>
               <a:defRPr/>
             </a:lvl7pPr>
-            <a:lvl8pPr algn="ctr" rtl="0">
-              <a:spcBef>
-                <a:spcPts val="0"/>
-              </a:spcBef>
+            <a:lvl8pPr rtl="0" indent="-162559" marL="3566159">
+              <a:spcBef>
+                <a:spcPts val="700"/>
+              </a:spcBef>
+              <a:buFont typeface="Comic Sans MS"/>
+              <a:buChar char="•"/>
               <a:defRPr/>
             </a:lvl8pPr>
-            <a:lvl9pPr algn="ctr" rtl="0">
-              <a:spcBef>
-                <a:spcPts val="0"/>
-              </a:spcBef>
+            <a:lvl9pPr rtl="0" indent="-162559" marL="4023359">
+              <a:spcBef>
+                <a:spcPts val="700"/>
+              </a:spcBef>
+              <a:buFont typeface="Comic Sans MS"/>
+              <a:buChar char="•"/>
               <a:defRPr/>
             </a:lvl9pPr>
           </a:lstStyle>
@@ -3323,13 +3368,13 @@
           <p:cNvPr id="30" name="Shape 30"/>
           <p:cNvSpPr txBox="1"/>
           <p:nvPr>
-            <p:ph idx="1" type="body"/>
+            <p:ph type="title"/>
           </p:nvPr>
         </p:nvSpPr>
         <p:spPr>
           <a:xfrm>
-            <a:off y="1600200" x="457200"/>
-            <a:ext cy="5257799" cx="8229600"/>
+            <a:off y="274637" x="2681190"/>
+            <a:ext cy="1325700" cx="6005699"/>
           </a:xfrm>
           <a:prstGeom prst="rect">
             <a:avLst/>
@@ -3342,76 +3387,58 @@
         <p:txBody>
           <a:bodyPr bIns="91425" rIns="91425" lIns="91425" tIns="91425" anchor="t" anchorCtr="0"/>
           <a:lstStyle>
-            <a:lvl1pPr rtl="0" indent="-139700" marL="342900">
-              <a:spcBef>
-                <a:spcPts val="700"/>
-              </a:spcBef>
-              <a:buFont typeface="Comic Sans MS"/>
-              <a:buChar char="•"/>
+            <a:lvl1pPr algn="ctr" rtl="0">
+              <a:spcBef>
+                <a:spcPts val="0"/>
+              </a:spcBef>
               <a:defRPr/>
             </a:lvl1pPr>
-            <a:lvl2pPr rtl="0" indent="-123371" marL="783771">
-              <a:spcBef>
-                <a:spcPts val="700"/>
-              </a:spcBef>
-              <a:buFont typeface="Comic Sans MS"/>
-              <a:buChar char="–"/>
+            <a:lvl2pPr algn="ctr" rtl="0">
+              <a:spcBef>
+                <a:spcPts val="0"/>
+              </a:spcBef>
               <a:defRPr/>
             </a:lvl2pPr>
-            <a:lvl3pPr rtl="0" indent="-101600" marL="1219200">
-              <a:spcBef>
-                <a:spcPts val="700"/>
-              </a:spcBef>
-              <a:buFont typeface="Comic Sans MS"/>
-              <a:buChar char="•"/>
+            <a:lvl3pPr algn="ctr" rtl="0">
+              <a:spcBef>
+                <a:spcPts val="0"/>
+              </a:spcBef>
               <a:defRPr/>
             </a:lvl3pPr>
-            <a:lvl4pPr rtl="0" indent="-162560" marL="1737360">
-              <a:spcBef>
-                <a:spcPts val="700"/>
-              </a:spcBef>
-              <a:buFont typeface="Comic Sans MS"/>
-              <a:buChar char="–"/>
+            <a:lvl4pPr algn="ctr" rtl="0">
+              <a:spcBef>
+                <a:spcPts val="0"/>
+              </a:spcBef>
               <a:defRPr/>
             </a:lvl4pPr>
-            <a:lvl5pPr rtl="0" indent="-162560" marL="2194560">
-              <a:spcBef>
-                <a:spcPts val="700"/>
-              </a:spcBef>
-              <a:buFont typeface="Comic Sans MS"/>
-              <a:buChar char="»"/>
+            <a:lvl5pPr algn="ctr" rtl="0">
+              <a:spcBef>
+                <a:spcPts val="0"/>
+              </a:spcBef>
               <a:defRPr/>
             </a:lvl5pPr>
-            <a:lvl6pPr rtl="0" indent="-162560" marL="2651760">
-              <a:spcBef>
-                <a:spcPts val="700"/>
-              </a:spcBef>
-              <a:buFont typeface="Comic Sans MS"/>
-              <a:buChar char="•"/>
+            <a:lvl6pPr algn="ctr" rtl="0">
+              <a:spcBef>
+                <a:spcPts val="0"/>
+              </a:spcBef>
               <a:defRPr/>
             </a:lvl6pPr>
-            <a:lvl7pPr rtl="0" indent="-162560" marL="3108960">
-              <a:spcBef>
-                <a:spcPts val="700"/>
-              </a:spcBef>
-              <a:buFont typeface="Comic Sans MS"/>
-              <a:buChar char="•"/>
+            <a:lvl7pPr algn="ctr" rtl="0">
+              <a:spcBef>
+                <a:spcPts val="0"/>
+              </a:spcBef>
               <a:defRPr/>
             </a:lvl7pPr>
-            <a:lvl8pPr rtl="0" indent="-162559" marL="3566159">
-              <a:spcBef>
-                <a:spcPts val="700"/>
-              </a:spcBef>
-              <a:buFont typeface="Comic Sans MS"/>
-              <a:buChar char="•"/>
+            <a:lvl8pPr algn="ctr" rtl="0">
+              <a:spcBef>
+                <a:spcPts val="0"/>
+              </a:spcBef>
               <a:defRPr/>
             </a:lvl8pPr>
-            <a:lvl9pPr rtl="0" indent="-162559" marL="4023359">
-              <a:spcBef>
-                <a:spcPts val="700"/>
-              </a:spcBef>
-              <a:buFont typeface="Comic Sans MS"/>
-              <a:buChar char="•"/>
+            <a:lvl9pPr algn="ctr" rtl="0">
+              <a:spcBef>
+                <a:spcPts val="0"/>
+              </a:spcBef>
               <a:defRPr/>
             </a:lvl9pPr>
           </a:lstStyle>
@@ -3860,7 +3887,16 @@
                 <a:cs typeface="Calibri"/>
                 <a:sym typeface="Calibri"/>
               </a:rPr>
-              <a:t>www.devoxx4kids.com</a:t>
+              <a:t>www.devoxx4kids.</a:t>
+            </a:r>
+            <a:r>
+              <a:rPr sz="1800" lang="en-US">
+                <a:latin typeface="Calibri"/>
+                <a:ea typeface="Calibri"/>
+                <a:cs typeface="Calibri"/>
+                <a:sym typeface="Calibri"/>
+              </a:rPr>
+              <a:t>org</a:t>
             </a:r>
           </a:p>
         </p:txBody>
@@ -4428,13 +4464,15 @@
       <p:sp>
         <p:nvSpPr>
           <p:cNvPr id="34" name="Shape 34"/>
-          <p:cNvSpPr/>
-          <p:nvPr/>
+          <p:cNvSpPr txBox="1"/>
+          <p:nvPr>
+            <p:ph type="title"/>
+          </p:nvPr>
         </p:nvSpPr>
         <p:spPr>
           <a:xfrm>
-            <a:off y="6356350" x="3285082"/>
-            <a:ext cy="342899" cx="2644429"/>
+            <a:off y="2130425" x="685800"/>
+            <a:ext cy="1755774" cx="7772400"/>
           </a:xfrm>
           <a:prstGeom prst="rect">
             <a:avLst/>
@@ -4458,52 +4496,6 @@
               <a:buNone/>
             </a:pPr>
             <a:r>
-              <a:rPr strike="noStrike" u="none" b="0" cap="none" baseline="0" sz="1800" lang="en-US" i="0">
-                <a:latin typeface="Calibri"/>
-                <a:ea typeface="Calibri"/>
-                <a:cs typeface="Calibri"/>
-                <a:sym typeface="Calibri"/>
-              </a:rPr>
-              <a:t>www.devoxx4kids.com</a:t>
-            </a:r>
-          </a:p>
-        </p:txBody>
-      </p:sp>
-      <p:sp>
-        <p:nvSpPr>
-          <p:cNvPr id="35" name="Shape 35"/>
-          <p:cNvSpPr txBox="1"/>
-          <p:nvPr>
-            <p:ph type="title"/>
-          </p:nvPr>
-        </p:nvSpPr>
-        <p:spPr>
-          <a:xfrm>
-            <a:off y="2130425" x="685800"/>
-            <a:ext cy="1755774" cx="7772400"/>
-          </a:xfrm>
-          <a:prstGeom prst="rect">
-            <a:avLst/>
-          </a:prstGeom>
-          <a:noFill/>
-          <a:ln>
-            <a:noFill/>
-          </a:ln>
-        </p:spPr>
-        <p:txBody>
-          <a:bodyPr bIns="38100" rIns="38100" lIns="38100" tIns="38100" anchor="t" anchorCtr="0">
-            <a:noAutofit/>
-          </a:bodyPr>
-          <a:lstStyle/>
-          <a:p>
-            <a:pPr algn="ctr" rtl="0" lvl="0" marR="0" indent="0" marL="0">
-              <a:spcBef>
-                <a:spcPts val="0"/>
-              </a:spcBef>
-              <a:buSzPct val="25000"/>
-              <a:buNone/>
-            </a:pPr>
-            <a:r>
               <a:rPr strike="noStrike" u="none" b="0" cap="none" baseline="0" sz="4400" lang="en-US" i="0">
                 <a:latin typeface="Comic Sans MS"/>
                 <a:ea typeface="Comic Sans MS"/>
@@ -4517,7 +4509,7 @@
       </p:sp>
       <p:pic>
         <p:nvPicPr>
-          <p:cNvPr id="36" name="Shape 36"/>
+          <p:cNvPr id="35" name="Shape 35"/>
           <p:cNvPicPr preferRelativeResize="0"/>
           <p:nvPr/>
         </p:nvPicPr>
@@ -4542,7 +4534,7 @@
       </p:pic>
       <p:pic>
         <p:nvPicPr>
-          <p:cNvPr id="37" name="Shape 37"/>
+          <p:cNvPr id="36" name="Shape 36"/>
           <p:cNvPicPr preferRelativeResize="0"/>
           <p:nvPr/>
         </p:nvPicPr>
@@ -4567,7 +4559,7 @@
       </p:pic>
       <p:pic>
         <p:nvPicPr>
-          <p:cNvPr id="38" name="Shape 38"/>
+          <p:cNvPr id="37" name="Shape 37"/>
           <p:cNvPicPr preferRelativeResize="0"/>
           <p:nvPr/>
         </p:nvPicPr>
@@ -4606,7 +4598,7 @@
   <p:cSld>
     <p:spTree>
       <p:nvGrpSpPr>
-        <p:cNvPr id="150" name="Shape 150"/>
+        <p:cNvPr id="141" name="Shape 141"/>
         <p:cNvGrpSpPr/>
         <p:nvPr/>
       </p:nvGrpSpPr>
@@ -4620,7 +4612,7 @@
       </p:grpSpPr>
       <p:sp>
         <p:nvSpPr>
-          <p:cNvPr id="151" name="Shape 151"/>
+          <p:cNvPr id="142" name="Shape 142"/>
           <p:cNvSpPr txBox="1"/>
           <p:nvPr>
             <p:ph idx="1" type="body"/>
@@ -4779,7 +4771,7 @@
       </p:sp>
       <p:pic>
         <p:nvPicPr>
-          <p:cNvPr id="152" name="Shape 152"/>
+          <p:cNvPr id="143" name="Shape 143"/>
           <p:cNvPicPr preferRelativeResize="0"/>
           <p:nvPr/>
         </p:nvPicPr>
@@ -4804,7 +4796,7 @@
       </p:pic>
       <p:pic>
         <p:nvPicPr>
-          <p:cNvPr id="153" name="Shape 153"/>
+          <p:cNvPr id="144" name="Shape 144"/>
           <p:cNvPicPr preferRelativeResize="0"/>
           <p:nvPr/>
         </p:nvPicPr>
@@ -4829,14 +4821,16 @@
       </p:pic>
       <p:sp>
         <p:nvSpPr>
-          <p:cNvPr id="154" name="Shape 154"/>
-          <p:cNvSpPr/>
-          <p:nvPr/>
+          <p:cNvPr id="145" name="Shape 145"/>
+          <p:cNvSpPr txBox="1"/>
+          <p:nvPr>
+            <p:ph type="title"/>
+          </p:nvPr>
         </p:nvSpPr>
         <p:spPr>
           <a:xfrm>
-            <a:off y="6356350" x="457533"/>
-            <a:ext cy="342899" cx="2728366"/>
+            <a:off y="274637" x="2681190"/>
+            <a:ext cy="1325562" cx="6005609"/>
           </a:xfrm>
           <a:prstGeom prst="rect">
             <a:avLst/>
@@ -4860,66 +4854,20 @@
               <a:buNone/>
             </a:pPr>
             <a:r>
-              <a:rPr strike="noStrike" u="none" b="0" cap="none" baseline="0" sz="1800" lang="en-US" i="0">
-                <a:latin typeface="Calibri"/>
-                <a:ea typeface="Calibri"/>
-                <a:cs typeface="Calibri"/>
-                <a:sym typeface="Calibri"/>
-              </a:rPr>
-              <a:t>www.devoxx4kids.com</a:t>
+              <a:rPr strike="noStrike" u="none" b="0" cap="none" baseline="0" sz="4400" lang="en-US" i="0">
+                <a:latin typeface="Comic Sans MS"/>
+                <a:ea typeface="Comic Sans MS"/>
+                <a:cs typeface="Comic Sans MS"/>
+                <a:sym typeface="Comic Sans MS"/>
+              </a:rPr>
+              <a:t>Barra degli Strumenti</a:t>
             </a:r>
           </a:p>
         </p:txBody>
       </p:sp>
       <p:sp>
         <p:nvSpPr>
-          <p:cNvPr id="155" name="Shape 155"/>
-          <p:cNvSpPr txBox="1"/>
-          <p:nvPr>
-            <p:ph type="title"/>
-          </p:nvPr>
-        </p:nvSpPr>
-        <p:spPr>
-          <a:xfrm>
-            <a:off y="274637" x="2681190"/>
-            <a:ext cy="1325562" cx="6005609"/>
-          </a:xfrm>
-          <a:prstGeom prst="rect">
-            <a:avLst/>
-          </a:prstGeom>
-          <a:noFill/>
-          <a:ln>
-            <a:noFill/>
-          </a:ln>
-        </p:spPr>
-        <p:txBody>
-          <a:bodyPr bIns="38100" rIns="38100" lIns="38100" tIns="38100" anchor="t" anchorCtr="0">
-            <a:noAutofit/>
-          </a:bodyPr>
-          <a:lstStyle/>
-          <a:p>
-            <a:pPr algn="ctr" rtl="0" lvl="0" marR="0" indent="0" marL="0">
-              <a:spcBef>
-                <a:spcPts val="0"/>
-              </a:spcBef>
-              <a:buSzPct val="25000"/>
-              <a:buNone/>
-            </a:pPr>
-            <a:r>
-              <a:rPr strike="noStrike" u="none" b="0" cap="none" baseline="0" sz="4400" lang="en-US" i="0">
-                <a:latin typeface="Comic Sans MS"/>
-                <a:ea typeface="Comic Sans MS"/>
-                <a:cs typeface="Comic Sans MS"/>
-                <a:sym typeface="Comic Sans MS"/>
-              </a:rPr>
-              <a:t>Barra degli Strumenti</a:t>
-            </a:r>
-          </a:p>
-        </p:txBody>
-      </p:sp>
-      <p:sp>
-        <p:nvSpPr>
-          <p:cNvPr id="156" name="Shape 156"/>
+          <p:cNvPr id="146" name="Shape 146"/>
           <p:cNvSpPr txBox="1"/>
           <p:nvPr>
             <p:ph idx="12" type="sldNum"/>
@@ -4960,7 +4908,7 @@
       </p:sp>
       <p:grpSp>
         <p:nvGrpSpPr>
-          <p:cNvPr id="157" name="Shape 157"/>
+          <p:cNvPr id="147" name="Shape 147"/>
           <p:cNvGrpSpPr/>
           <p:nvPr/>
         </p:nvGrpSpPr>
@@ -4974,7 +4922,7 @@
         </p:grpSpPr>
         <p:sp>
           <p:nvSpPr>
-            <p:cNvPr id="158" name="Shape 158"/>
+            <p:cNvPr id="148" name="Shape 148"/>
             <p:cNvSpPr/>
             <p:nvPr/>
           </p:nvSpPr>
@@ -5037,7 +4985,7 @@
         </p:sp>
         <p:sp>
           <p:nvSpPr>
-            <p:cNvPr id="159" name="Shape 159"/>
+            <p:cNvPr id="149" name="Shape 149"/>
             <p:cNvSpPr/>
             <p:nvPr/>
           </p:nvSpPr>
@@ -5101,7 +5049,7 @@
       </p:grpSp>
       <p:pic>
         <p:nvPicPr>
-          <p:cNvPr id="160" name="Shape 160"/>
+          <p:cNvPr id="150" name="Shape 150"/>
           <p:cNvPicPr preferRelativeResize="0"/>
           <p:nvPr/>
         </p:nvPicPr>
@@ -5126,7 +5074,7 @@
       </p:pic>
       <p:pic>
         <p:nvPicPr>
-          <p:cNvPr id="161" name="Shape 161"/>
+          <p:cNvPr id="151" name="Shape 151"/>
           <p:cNvPicPr preferRelativeResize="0"/>
           <p:nvPr/>
         </p:nvPicPr>
@@ -5151,7 +5099,7 @@
       </p:pic>
       <p:pic>
         <p:nvPicPr>
-          <p:cNvPr id="162" name="Shape 162"/>
+          <p:cNvPr id="152" name="Shape 152"/>
           <p:cNvPicPr preferRelativeResize="0"/>
           <p:nvPr/>
         </p:nvPicPr>
@@ -5190,7 +5138,7 @@
   <p:cSld>
     <p:spTree>
       <p:nvGrpSpPr>
-        <p:cNvPr id="166" name="Shape 166"/>
+        <p:cNvPr id="156" name="Shape 156"/>
         <p:cNvGrpSpPr/>
         <p:nvPr/>
       </p:nvGrpSpPr>
@@ -5204,7 +5152,7 @@
       </p:grpSpPr>
       <p:pic>
         <p:nvPicPr>
-          <p:cNvPr id="167" name="Shape 167"/>
+          <p:cNvPr id="157" name="Shape 157"/>
           <p:cNvPicPr preferRelativeResize="0"/>
           <p:nvPr/>
         </p:nvPicPr>
@@ -5229,14 +5177,16 @@
       </p:pic>
       <p:sp>
         <p:nvSpPr>
-          <p:cNvPr id="168" name="Shape 168"/>
-          <p:cNvSpPr/>
-          <p:nvPr/>
+          <p:cNvPr id="158" name="Shape 158"/>
+          <p:cNvSpPr txBox="1"/>
+          <p:nvPr>
+            <p:ph type="title"/>
+          </p:nvPr>
         </p:nvSpPr>
         <p:spPr>
           <a:xfrm>
-            <a:off y="6356350" x="457533"/>
-            <a:ext cy="342899" cx="2728366"/>
+            <a:off y="274637" x="2681190"/>
+            <a:ext cy="1325562" cx="6005609"/>
           </a:xfrm>
           <a:prstGeom prst="rect">
             <a:avLst/>
@@ -5260,66 +5210,20 @@
               <a:buNone/>
             </a:pPr>
             <a:r>
-              <a:rPr strike="noStrike" u="none" b="0" cap="none" baseline="0" sz="1800" lang="en-US" i="0">
-                <a:latin typeface="Calibri"/>
-                <a:ea typeface="Calibri"/>
-                <a:cs typeface="Calibri"/>
-                <a:sym typeface="Calibri"/>
-              </a:rPr>
-              <a:t>www.devoxx4kids.com</a:t>
+              <a:rPr strike="noStrike" u="none" b="0" cap="none" baseline="0" sz="4400" lang="en-US" i="0">
+                <a:latin typeface="Comic Sans MS"/>
+                <a:ea typeface="Comic Sans MS"/>
+                <a:cs typeface="Comic Sans MS"/>
+                <a:sym typeface="Comic Sans MS"/>
+              </a:rPr>
+              <a:t>Costumi</a:t>
             </a:r>
           </a:p>
         </p:txBody>
       </p:sp>
       <p:sp>
         <p:nvSpPr>
-          <p:cNvPr id="169" name="Shape 169"/>
-          <p:cNvSpPr txBox="1"/>
-          <p:nvPr>
-            <p:ph type="title"/>
-          </p:nvPr>
-        </p:nvSpPr>
-        <p:spPr>
-          <a:xfrm>
-            <a:off y="274637" x="2681190"/>
-            <a:ext cy="1325562" cx="6005609"/>
-          </a:xfrm>
-          <a:prstGeom prst="rect">
-            <a:avLst/>
-          </a:prstGeom>
-          <a:noFill/>
-          <a:ln>
-            <a:noFill/>
-          </a:ln>
-        </p:spPr>
-        <p:txBody>
-          <a:bodyPr bIns="38100" rIns="38100" lIns="38100" tIns="38100" anchor="t" anchorCtr="0">
-            <a:noAutofit/>
-          </a:bodyPr>
-          <a:lstStyle/>
-          <a:p>
-            <a:pPr algn="ctr" rtl="0" lvl="0" marR="0" indent="0" marL="0">
-              <a:spcBef>
-                <a:spcPts val="0"/>
-              </a:spcBef>
-              <a:buSzPct val="25000"/>
-              <a:buNone/>
-            </a:pPr>
-            <a:r>
-              <a:rPr strike="noStrike" u="none" b="0" cap="none" baseline="0" sz="4400" lang="en-US" i="0">
-                <a:latin typeface="Comic Sans MS"/>
-                <a:ea typeface="Comic Sans MS"/>
-                <a:cs typeface="Comic Sans MS"/>
-                <a:sym typeface="Comic Sans MS"/>
-              </a:rPr>
-              <a:t>Costumi</a:t>
-            </a:r>
-          </a:p>
-        </p:txBody>
-      </p:sp>
-      <p:sp>
-        <p:nvSpPr>
-          <p:cNvPr id="170" name="Shape 170"/>
+          <p:cNvPr id="159" name="Shape 159"/>
           <p:cNvSpPr txBox="1"/>
           <p:nvPr>
             <p:ph idx="1" type="body"/>
@@ -5476,7 +5380,7 @@
       </p:sp>
       <p:sp>
         <p:nvSpPr>
-          <p:cNvPr id="171" name="Shape 171"/>
+          <p:cNvPr id="160" name="Shape 160"/>
           <p:cNvSpPr txBox="1"/>
           <p:nvPr>
             <p:ph idx="12" type="sldNum"/>
@@ -5517,7 +5421,7 @@
       </p:sp>
       <p:pic>
         <p:nvPicPr>
-          <p:cNvPr id="172" name="Shape 172"/>
+          <p:cNvPr id="161" name="Shape 161"/>
           <p:cNvPicPr preferRelativeResize="0"/>
           <p:nvPr/>
         </p:nvPicPr>
@@ -5542,7 +5446,7 @@
       </p:pic>
       <p:pic>
         <p:nvPicPr>
-          <p:cNvPr id="173" name="Shape 173"/>
+          <p:cNvPr id="162" name="Shape 162"/>
           <p:cNvPicPr preferRelativeResize="0"/>
           <p:nvPr/>
         </p:nvPicPr>
@@ -5567,7 +5471,7 @@
       </p:pic>
       <p:pic>
         <p:nvPicPr>
-          <p:cNvPr id="174" name="Shape 174"/>
+          <p:cNvPr id="163" name="Shape 163"/>
           <p:cNvPicPr preferRelativeResize="0"/>
           <p:nvPr/>
         </p:nvPicPr>
@@ -5592,7 +5496,7 @@
       </p:pic>
       <p:pic>
         <p:nvPicPr>
-          <p:cNvPr id="175" name="Shape 175"/>
+          <p:cNvPr id="164" name="Shape 164"/>
           <p:cNvPicPr preferRelativeResize="0"/>
           <p:nvPr/>
         </p:nvPicPr>
@@ -5617,7 +5521,7 @@
       </p:pic>
       <p:pic>
         <p:nvPicPr>
-          <p:cNvPr id="176" name="Shape 176"/>
+          <p:cNvPr id="165" name="Shape 165"/>
           <p:cNvPicPr preferRelativeResize="0"/>
           <p:nvPr/>
         </p:nvPicPr>
@@ -5642,7 +5546,7 @@
       </p:pic>
       <p:pic>
         <p:nvPicPr>
-          <p:cNvPr id="177" name="Shape 177"/>
+          <p:cNvPr id="166" name="Shape 166"/>
           <p:cNvPicPr preferRelativeResize="0"/>
           <p:nvPr/>
         </p:nvPicPr>
@@ -5667,7 +5571,7 @@
       </p:pic>
       <p:pic>
         <p:nvPicPr>
-          <p:cNvPr id="178" name="Shape 178"/>
+          <p:cNvPr id="167" name="Shape 167"/>
           <p:cNvPicPr preferRelativeResize="0"/>
           <p:nvPr/>
         </p:nvPicPr>
@@ -5702,6 +5606,410 @@
 </file>
 
 <file path=ppt/slides/slide12.xml><?xml version="1.0" encoding="utf-8"?>
+<p:sld xmlns:a="http://schemas.openxmlformats.org/drawingml/2006/main" xmlns:r="http://schemas.openxmlformats.org/officeDocument/2006/relationships" xmlns:mc="http://schemas.openxmlformats.org/markup-compatibility/2006" xmlns:mv="urn:schemas-microsoft-com:mac:vml" xmlns:p="http://schemas.openxmlformats.org/presentationml/2006/main" xmlns:c="http://schemas.openxmlformats.org/drawingml/2006/chart" xmlns:dgm="http://schemas.openxmlformats.org/drawingml/2006/diagram" xmlns:o="urn:schemas-microsoft-com:office:office" xmlns:v="urn:schemas-microsoft-com:vml" xmlns:pvml="urn:schemas-microsoft-com:office:powerpoint" xmlns:com="http://schemas.openxmlformats.org/drawingml/2006/compatibility" xmlns:p14="http://schemas.microsoft.com/office/powerpoint/2010/main">
+  <p:cSld>
+    <p:spTree>
+      <p:nvGrpSpPr>
+        <p:cNvPr id="171" name="Shape 171"/>
+        <p:cNvGrpSpPr/>
+        <p:nvPr/>
+      </p:nvGrpSpPr>
+      <p:grpSpPr>
+        <a:xfrm>
+          <a:off y="0" x="0"/>
+          <a:ext cy="0" cx="0"/>
+          <a:chOff y="0" x="0"/>
+          <a:chExt cy="0" cx="0"/>
+        </a:xfrm>
+      </p:grpSpPr>
+      <p:pic>
+        <p:nvPicPr>
+          <p:cNvPr id="172" name="Shape 172"/>
+          <p:cNvPicPr preferRelativeResize="0"/>
+          <p:nvPr/>
+        </p:nvPicPr>
+        <p:blipFill rotWithShape="1">
+          <a:blip r:embed="rId3"/>
+          <a:srcRect t="0" b="0" r="0" l="0"/>
+          <a:stretch/>
+        </p:blipFill>
+        <p:spPr>
+          <a:xfrm>
+            <a:off y="470624" x="457200"/>
+            <a:ext cy="751028" cx="2133599"/>
+          </a:xfrm>
+          <a:prstGeom prst="rect">
+            <a:avLst/>
+          </a:prstGeom>
+          <a:noFill/>
+          <a:ln>
+            <a:noFill/>
+          </a:ln>
+        </p:spPr>
+      </p:pic>
+      <p:sp>
+        <p:nvSpPr>
+          <p:cNvPr id="173" name="Shape 173"/>
+          <p:cNvSpPr txBox="1"/>
+          <p:nvPr>
+            <p:ph type="title"/>
+          </p:nvPr>
+        </p:nvSpPr>
+        <p:spPr>
+          <a:xfrm>
+            <a:off y="274637" x="2681190"/>
+            <a:ext cy="1325562" cx="6005609"/>
+          </a:xfrm>
+          <a:prstGeom prst="rect">
+            <a:avLst/>
+          </a:prstGeom>
+          <a:noFill/>
+          <a:ln>
+            <a:noFill/>
+          </a:ln>
+        </p:spPr>
+        <p:txBody>
+          <a:bodyPr bIns="38100" rIns="38100" lIns="38100" tIns="38100" anchor="t" anchorCtr="0">
+            <a:noAutofit/>
+          </a:bodyPr>
+          <a:lstStyle/>
+          <a:p>
+            <a:pPr algn="ctr" rtl="0" lvl="0" marR="0" indent="0" marL="0">
+              <a:spcBef>
+                <a:spcPts val="0"/>
+              </a:spcBef>
+              <a:buSzPct val="25000"/>
+              <a:buNone/>
+            </a:pPr>
+            <a:r>
+              <a:rPr strike="noStrike" u="none" b="0" cap="none" baseline="0" sz="4400" lang="en-US" i="0">
+                <a:latin typeface="Comic Sans MS"/>
+                <a:ea typeface="Comic Sans MS"/>
+                <a:cs typeface="Comic Sans MS"/>
+                <a:sym typeface="Comic Sans MS"/>
+              </a:rPr>
+              <a:t>Costumi</a:t>
+            </a:r>
+          </a:p>
+        </p:txBody>
+      </p:sp>
+      <p:sp>
+        <p:nvSpPr>
+          <p:cNvPr id="174" name="Shape 174"/>
+          <p:cNvSpPr txBox="1"/>
+          <p:nvPr>
+            <p:ph idx="1" type="body"/>
+          </p:nvPr>
+        </p:nvSpPr>
+        <p:spPr>
+          <a:xfrm>
+            <a:off y="1600199" x="457200"/>
+            <a:ext cy="4588500" cx="4154099"/>
+          </a:xfrm>
+          <a:prstGeom prst="rect">
+            <a:avLst/>
+          </a:prstGeom>
+          <a:noFill/>
+          <a:ln>
+            <a:noFill/>
+          </a:ln>
+        </p:spPr>
+        <p:txBody>
+          <a:bodyPr bIns="38100" rIns="38100" lIns="38100" tIns="38100" anchor="t" anchorCtr="0">
+            <a:noAutofit/>
+          </a:bodyPr>
+          <a:lstStyle/>
+          <a:p>
+            <a:pPr algn="l" rtl="0" lvl="0" marR="0" indent="-342900" marL="342900">
+              <a:spcBef>
+                <a:spcPts val="0"/>
+              </a:spcBef>
+              <a:buClr>
+                <a:srgbClr val="000000"/>
+              </a:buClr>
+              <a:buSzPct val="100000"/>
+              <a:buFont typeface="Comic Sans MS"/>
+              <a:buChar char="•"/>
+            </a:pPr>
+            <a:r>
+              <a:rPr strike="noStrike" u="none" b="0" cap="none" baseline="0" sz="3000" lang="en-US" i="0">
+                <a:latin typeface="Comic Sans MS"/>
+                <a:ea typeface="Comic Sans MS"/>
+                <a:cs typeface="Comic Sans MS"/>
+                <a:sym typeface="Comic Sans MS"/>
+              </a:rPr>
+              <a:t>Per vedere tutti i differenti </a:t>
+            </a:r>
+            <a:r>
+              <a:rPr strike="noStrike" u="none" b="0" cap="none" baseline="0" sz="3000" lang="en-US" i="0">
+                <a:solidFill>
+                  <a:srgbClr val="F39019"/>
+                </a:solidFill>
+                <a:latin typeface="Comic Sans MS"/>
+                <a:ea typeface="Comic Sans MS"/>
+                <a:cs typeface="Comic Sans MS"/>
+                <a:sym typeface="Comic Sans MS"/>
+              </a:rPr>
+              <a:t>costumi</a:t>
+            </a:r>
+            <a:r>
+              <a:rPr strike="noStrike" u="none" b="0" cap="none" baseline="0" sz="3000" lang="en-US" i="0">
+                <a:solidFill>
+                  <a:srgbClr val="FAA757"/>
+                </a:solidFill>
+                <a:latin typeface="Comic Sans MS"/>
+                <a:ea typeface="Comic Sans MS"/>
+                <a:cs typeface="Comic Sans MS"/>
+                <a:sym typeface="Comic Sans MS"/>
+              </a:rPr>
+              <a:t> </a:t>
+            </a:r>
+            <a:r>
+              <a:rPr strike="noStrike" u="none" b="0" cap="none" baseline="0" sz="3000" lang="en-US" i="0">
+                <a:latin typeface="Comic Sans MS"/>
+                <a:ea typeface="Comic Sans MS"/>
+                <a:cs typeface="Comic Sans MS"/>
+                <a:sym typeface="Comic Sans MS"/>
+              </a:rPr>
+              <a:t>di uno sprite, seleziona il </a:t>
+            </a:r>
+            <a:r>
+              <a:rPr strike="noStrike" u="none" b="0" cap="none" baseline="0" sz="3000" lang="en-US" i="0">
+                <a:solidFill>
+                  <a:srgbClr val="F39019"/>
+                </a:solidFill>
+                <a:latin typeface="Comic Sans MS"/>
+                <a:ea typeface="Comic Sans MS"/>
+                <a:cs typeface="Comic Sans MS"/>
+                <a:sym typeface="Comic Sans MS"/>
+              </a:rPr>
+              <a:t>pannello </a:t>
+            </a:r>
+            <a:r>
+              <a:rPr strike="noStrike" u="none" b="0" cap="none" baseline="0" sz="3000" lang="en-US" i="0">
+                <a:latin typeface="Comic Sans MS"/>
+                <a:ea typeface="Comic Sans MS"/>
+                <a:cs typeface="Comic Sans MS"/>
+                <a:sym typeface="Comic Sans MS"/>
+              </a:rPr>
+              <a:t>Costumi</a:t>
+            </a:r>
+          </a:p>
+          <a:p>
+            <a:pPr algn="l" rtl="0" lvl="0" marR="0" indent="-253999" marL="342899">
+              <a:spcBef>
+                <a:spcPts val="700"/>
+              </a:spcBef>
+              <a:buClr>
+                <a:srgbClr val="000000"/>
+              </a:buClr>
+              <a:buFont typeface="Calibri"/>
+              <a:buNone/>
+            </a:pPr>
+            <a:r>
+              <a:t/>
+            </a:r>
+            <a:endParaRPr strike="noStrike" u="none" b="0" cap="none" baseline="0" sz="1200" i="0">
+              <a:latin typeface="Comic Sans MS"/>
+              <a:ea typeface="Comic Sans MS"/>
+              <a:cs typeface="Comic Sans MS"/>
+              <a:sym typeface="Comic Sans MS"/>
+            </a:endParaRPr>
+          </a:p>
+          <a:p>
+            <a:pPr algn="l" rtl="0" lvl="0" marR="0" indent="-342900" marL="342900">
+              <a:spcBef>
+                <a:spcPts val="700"/>
+              </a:spcBef>
+              <a:buClr>
+                <a:srgbClr val="000000"/>
+              </a:buClr>
+              <a:buSzPct val="100000"/>
+              <a:buFont typeface="Comic Sans MS"/>
+              <a:buChar char="•"/>
+            </a:pPr>
+            <a:r>
+              <a:rPr strike="noStrike" u="none" b="0" cap="none" baseline="0" sz="3000" lang="en-US" i="0">
+                <a:latin typeface="Comic Sans MS"/>
+                <a:ea typeface="Comic Sans MS"/>
+                <a:cs typeface="Comic Sans MS"/>
+                <a:sym typeface="Comic Sans MS"/>
+              </a:rPr>
+              <a:t>Puoi anche </a:t>
+            </a:r>
+            <a:r>
+              <a:rPr strike="noStrike" u="none" b="0" cap="none" baseline="0" sz="3000" lang="en-US" i="0">
+                <a:solidFill>
+                  <a:srgbClr val="F39019"/>
+                </a:solidFill>
+                <a:latin typeface="Comic Sans MS"/>
+                <a:ea typeface="Comic Sans MS"/>
+                <a:cs typeface="Comic Sans MS"/>
+                <a:sym typeface="Comic Sans MS"/>
+              </a:rPr>
+              <a:t>disegnare</a:t>
+            </a:r>
+            <a:r>
+              <a:rPr strike="noStrike" u="none" b="0" cap="none" baseline="0" sz="3000" lang="en-US" i="0">
+                <a:latin typeface="Comic Sans MS"/>
+                <a:ea typeface="Comic Sans MS"/>
+                <a:cs typeface="Comic Sans MS"/>
+                <a:sym typeface="Comic Sans MS"/>
+              </a:rPr>
+              <a:t> e </a:t>
+            </a:r>
+            <a:r>
+              <a:rPr strike="noStrike" u="none" b="0" cap="none" baseline="0" sz="3000" lang="en-US" i="0">
+                <a:solidFill>
+                  <a:srgbClr val="F39019"/>
+                </a:solidFill>
+                <a:latin typeface="Comic Sans MS"/>
+                <a:ea typeface="Comic Sans MS"/>
+                <a:cs typeface="Comic Sans MS"/>
+                <a:sym typeface="Comic Sans MS"/>
+              </a:rPr>
+              <a:t>colorare</a:t>
+            </a:r>
+            <a:r>
+              <a:rPr strike="noStrike" u="none" b="0" cap="none" baseline="0" sz="3000" lang="en-US" i="0">
+                <a:latin typeface="Comic Sans MS"/>
+                <a:ea typeface="Comic Sans MS"/>
+                <a:cs typeface="Comic Sans MS"/>
+                <a:sym typeface="Comic Sans MS"/>
+              </a:rPr>
+              <a:t> altri costumi</a:t>
+            </a:r>
+          </a:p>
+        </p:txBody>
+      </p:sp>
+      <p:sp>
+        <p:nvSpPr>
+          <p:cNvPr id="175" name="Shape 175"/>
+          <p:cNvSpPr txBox="1"/>
+          <p:nvPr>
+            <p:ph idx="12" type="sldNum"/>
+          </p:nvPr>
+        </p:nvSpPr>
+        <p:spPr>
+          <a:xfrm>
+            <a:off y="6467475" x="8405167"/>
+            <a:ext cy="266699" cx="281632"/>
+          </a:xfrm>
+          <a:prstGeom prst="rect">
+            <a:avLst/>
+          </a:prstGeom>
+          <a:noFill/>
+          <a:ln>
+            <a:noFill/>
+          </a:ln>
+        </p:spPr>
+        <p:txBody>
+          <a:bodyPr bIns="38100" rIns="38100" lIns="38100" tIns="38100" anchor="t" anchorCtr="0">
+            <a:noAutofit/>
+          </a:bodyPr>
+          <a:lstStyle/>
+          <a:p>
+            <a:pPr algn="r" rtl="0" lvl="0" marR="0" indent="0" marL="0">
+              <a:spcBef>
+                <a:spcPts val="0"/>
+              </a:spcBef>
+              <a:buSzPct val="25000"/>
+              <a:buNone/>
+            </a:pPr>
+            <a:r>
+              <a:rPr lang="en-US"/>
+              <a:t> </a:t>
+            </a:r>
+          </a:p>
+        </p:txBody>
+      </p:sp>
+      <p:pic>
+        <p:nvPicPr>
+          <p:cNvPr id="176" name="Shape 176"/>
+          <p:cNvPicPr preferRelativeResize="0"/>
+          <p:nvPr/>
+        </p:nvPicPr>
+        <p:blipFill rotWithShape="1">
+          <a:blip r:embed="rId4"/>
+          <a:srcRect t="0" b="0" r="0" l="0"/>
+          <a:stretch/>
+        </p:blipFill>
+        <p:spPr>
+          <a:xfrm>
+            <a:off y="5049051" x="3602944"/>
+            <a:ext cy="1044576" cx="895350"/>
+          </a:xfrm>
+          <a:prstGeom prst="rect">
+            <a:avLst/>
+          </a:prstGeom>
+          <a:noFill/>
+          <a:ln>
+            <a:noFill/>
+          </a:ln>
+        </p:spPr>
+      </p:pic>
+      <p:pic>
+        <p:nvPicPr>
+          <p:cNvPr id="177" name="Shape 177"/>
+          <p:cNvPicPr preferRelativeResize="0"/>
+          <p:nvPr/>
+        </p:nvPicPr>
+        <p:blipFill rotWithShape="1">
+          <a:blip r:embed="rId5"/>
+          <a:srcRect t="0" b="0" r="0" l="0"/>
+          <a:stretch/>
+        </p:blipFill>
+        <p:spPr>
+          <a:xfrm>
+            <a:off y="6388100" x="7175500"/>
+            <a:ext cy="406399" cx="1130299"/>
+          </a:xfrm>
+          <a:prstGeom prst="rect">
+            <a:avLst/>
+          </a:prstGeom>
+          <a:noFill/>
+          <a:ln>
+            <a:noFill/>
+          </a:ln>
+        </p:spPr>
+      </p:pic>
+      <p:pic>
+        <p:nvPicPr>
+          <p:cNvPr id="178" name="Shape 178"/>
+          <p:cNvPicPr preferRelativeResize="0"/>
+          <p:nvPr/>
+        </p:nvPicPr>
+        <p:blipFill rotWithShape="1">
+          <a:blip r:embed="rId6"/>
+          <a:srcRect t="0" b="0" r="0" l="0"/>
+          <a:stretch/>
+        </p:blipFill>
+        <p:spPr>
+          <a:xfrm>
+            <a:off y="1668928" x="4862978"/>
+            <a:ext cy="4282142" cx="4097010"/>
+          </a:xfrm>
+          <a:prstGeom prst="rect">
+            <a:avLst/>
+          </a:prstGeom>
+          <a:noFill/>
+          <a:ln>
+            <a:noFill/>
+          </a:ln>
+        </p:spPr>
+      </p:pic>
+    </p:spTree>
+  </p:cSld>
+  <p:clrMapOvr>
+    <a:masterClrMapping/>
+  </p:clrMapOvr>
+  <p:transition spd="slow">
+    <p:cut/>
+  </p:transition>
+</p:sld>
+</file>
+
+<file path=ppt/slides/slide13.xml><?xml version="1.0" encoding="utf-8"?>
 <p:sld xmlns:a="http://schemas.openxmlformats.org/drawingml/2006/main" xmlns:r="http://schemas.openxmlformats.org/officeDocument/2006/relationships" xmlns:mc="http://schemas.openxmlformats.org/markup-compatibility/2006" xmlns:mv="urn:schemas-microsoft-com:mac:vml" xmlns:p="http://schemas.openxmlformats.org/presentationml/2006/main" xmlns:c="http://schemas.openxmlformats.org/drawingml/2006/chart" xmlns:dgm="http://schemas.openxmlformats.org/drawingml/2006/diagram" xmlns:o="urn:schemas-microsoft-com:office:office" xmlns:v="urn:schemas-microsoft-com:vml" xmlns:pvml="urn:schemas-microsoft-com:office:powerpoint" xmlns:com="http://schemas.openxmlformats.org/drawingml/2006/compatibility" xmlns:p14="http://schemas.microsoft.com/office/powerpoint/2010/main">
   <p:cSld>
     <p:spTree>
@@ -5731,6 +6039,31 @@
         </p:blipFill>
         <p:spPr>
           <a:xfrm>
+            <a:off y="1656316" x="1847583"/>
+            <a:ext cy="4535430" cx="6570276"/>
+          </a:xfrm>
+          <a:prstGeom prst="rect">
+            <a:avLst/>
+          </a:prstGeom>
+          <a:noFill/>
+          <a:ln>
+            <a:noFill/>
+          </a:ln>
+        </p:spPr>
+      </p:pic>
+      <p:pic>
+        <p:nvPicPr>
+          <p:cNvPr id="184" name="Shape 184"/>
+          <p:cNvPicPr preferRelativeResize="0"/>
+          <p:nvPr/>
+        </p:nvPicPr>
+        <p:blipFill rotWithShape="1">
+          <a:blip r:embed="rId4"/>
+          <a:srcRect t="0" b="0" r="0" l="0"/>
+          <a:stretch/>
+        </p:blipFill>
+        <p:spPr>
+          <a:xfrm>
             <a:off y="470624" x="457200"/>
             <a:ext cy="751028" cx="2133599"/>
           </a:xfrm>
@@ -5743,50 +6076,6 @@
           </a:ln>
         </p:spPr>
       </p:pic>
-      <p:sp>
-        <p:nvSpPr>
-          <p:cNvPr id="184" name="Shape 184"/>
-          <p:cNvSpPr/>
-          <p:nvPr/>
-        </p:nvSpPr>
-        <p:spPr>
-          <a:xfrm>
-            <a:off y="6356350" x="457533"/>
-            <a:ext cy="342899" cx="2728366"/>
-          </a:xfrm>
-          <a:prstGeom prst="rect">
-            <a:avLst/>
-          </a:prstGeom>
-          <a:noFill/>
-          <a:ln>
-            <a:noFill/>
-          </a:ln>
-        </p:spPr>
-        <p:txBody>
-          <a:bodyPr bIns="38100" rIns="38100" lIns="38100" tIns="38100" anchor="t" anchorCtr="0">
-            <a:noAutofit/>
-          </a:bodyPr>
-          <a:lstStyle/>
-          <a:p>
-            <a:pPr algn="ctr" rtl="0" lvl="0" marR="0" indent="0" marL="0">
-              <a:spcBef>
-                <a:spcPts val="0"/>
-              </a:spcBef>
-              <a:buSzPct val="25000"/>
-              <a:buNone/>
-            </a:pPr>
-            <a:r>
-              <a:rPr strike="noStrike" u="none" b="0" cap="none" baseline="0" sz="1800" lang="en-US" i="0">
-                <a:latin typeface="Calibri"/>
-                <a:ea typeface="Calibri"/>
-                <a:cs typeface="Calibri"/>
-                <a:sym typeface="Calibri"/>
-              </a:rPr>
-              <a:t>www.devoxx4kids.com</a:t>
-            </a:r>
-          </a:p>
-        </p:txBody>
-      </p:sp>
       <p:sp>
         <p:nvSpPr>
           <p:cNvPr id="185" name="Shape 185"/>
@@ -5822,13 +6111,30 @@
               <a:buNone/>
             </a:pPr>
             <a:r>
-              <a:rPr strike="noStrike" u="none" b="0" cap="none" baseline="0" sz="4400" lang="en-US" i="0">
-                <a:latin typeface="Comic Sans MS"/>
-                <a:ea typeface="Comic Sans MS"/>
-                <a:cs typeface="Comic Sans MS"/>
-                <a:sym typeface="Comic Sans MS"/>
-              </a:rPr>
-              <a:t>Costumi</a:t>
+              <a:rPr strike="noStrike" u="none" b="0" cap="none" baseline="0" sz="3600" lang="en-US" i="0">
+                <a:latin typeface="Comic Sans MS"/>
+                <a:ea typeface="Comic Sans MS"/>
+                <a:cs typeface="Comic Sans MS"/>
+                <a:sym typeface="Comic Sans MS"/>
+              </a:rPr>
+              <a:t>Area Blocchi </a:t>
+            </a:r>
+            <a:br>
+              <a:rPr strike="noStrike" u="none" b="0" cap="none" baseline="0" sz="3600" lang="en-US" i="0">
+                <a:latin typeface="Comic Sans MS"/>
+                <a:ea typeface="Comic Sans MS"/>
+                <a:cs typeface="Comic Sans MS"/>
+                <a:sym typeface="Comic Sans MS"/>
+              </a:rPr>
+            </a:br>
+            <a:r>
+              <a:rPr strike="noStrike" u="none" b="0" cap="none" baseline="0" sz="3600" lang="en-US" i="0">
+                <a:latin typeface="Comic Sans MS"/>
+                <a:ea typeface="Comic Sans MS"/>
+                <a:cs typeface="Comic Sans MS"/>
+                <a:sym typeface="Comic Sans MS"/>
+              </a:rPr>
+              <a:t>e Area degli Scripts</a:t>
             </a:r>
           </a:p>
         </p:txBody>
@@ -5838,195 +6144,6 @@
           <p:cNvPr id="186" name="Shape 186"/>
           <p:cNvSpPr txBox="1"/>
           <p:nvPr>
-            <p:ph idx="1" type="body"/>
-          </p:nvPr>
-        </p:nvSpPr>
-        <p:spPr>
-          <a:xfrm>
-            <a:off y="1600199" x="457200"/>
-            <a:ext cy="5257802" cx="4154101"/>
-          </a:xfrm>
-          <a:prstGeom prst="rect">
-            <a:avLst/>
-          </a:prstGeom>
-          <a:noFill/>
-          <a:ln>
-            <a:noFill/>
-          </a:ln>
-        </p:spPr>
-        <p:txBody>
-          <a:bodyPr bIns="38100" rIns="38100" lIns="38100" tIns="38100" anchor="t" anchorCtr="0">
-            <a:noAutofit/>
-          </a:bodyPr>
-          <a:lstStyle/>
-          <a:p>
-            <a:pPr algn="l" rtl="0" lvl="0" marR="0" indent="-342900" marL="342900">
-              <a:spcBef>
-                <a:spcPts val="0"/>
-              </a:spcBef>
-              <a:buClr>
-                <a:srgbClr val="000000"/>
-              </a:buClr>
-              <a:buSzPct val="100000"/>
-              <a:buFont typeface="Comic Sans MS"/>
-              <a:buChar char="•"/>
-            </a:pPr>
-            <a:r>
-              <a:rPr strike="noStrike" u="none" b="0" cap="none" baseline="0" sz="3000" lang="en-US" i="0">
-                <a:latin typeface="Comic Sans MS"/>
-                <a:ea typeface="Comic Sans MS"/>
-                <a:cs typeface="Comic Sans MS"/>
-                <a:sym typeface="Comic Sans MS"/>
-              </a:rPr>
-              <a:t>Per vedere tutti i differenti </a:t>
-            </a:r>
-            <a:r>
-              <a:rPr strike="noStrike" u="none" b="0" cap="none" baseline="0" sz="3000" lang="en-US" i="0">
-                <a:solidFill>
-                  <a:srgbClr val="F39019"/>
-                </a:solidFill>
-                <a:latin typeface="Comic Sans MS"/>
-                <a:ea typeface="Comic Sans MS"/>
-                <a:cs typeface="Comic Sans MS"/>
-                <a:sym typeface="Comic Sans MS"/>
-              </a:rPr>
-              <a:t>costumi</a:t>
-            </a:r>
-            <a:r>
-              <a:rPr strike="noStrike" u="none" b="0" cap="none" baseline="0" sz="3000" lang="en-US" i="0">
-                <a:solidFill>
-                  <a:srgbClr val="FAA757"/>
-                </a:solidFill>
-                <a:latin typeface="Comic Sans MS"/>
-                <a:ea typeface="Comic Sans MS"/>
-                <a:cs typeface="Comic Sans MS"/>
-                <a:sym typeface="Comic Sans MS"/>
-              </a:rPr>
-              <a:t> </a:t>
-            </a:r>
-            <a:r>
-              <a:rPr strike="noStrike" u="none" b="0" cap="none" baseline="0" sz="3000" lang="en-US" i="0">
-                <a:latin typeface="Comic Sans MS"/>
-                <a:ea typeface="Comic Sans MS"/>
-                <a:cs typeface="Comic Sans MS"/>
-                <a:sym typeface="Comic Sans MS"/>
-              </a:rPr>
-              <a:t>di uno sprite, seleziona il </a:t>
-            </a:r>
-            <a:r>
-              <a:rPr strike="noStrike" u="none" b="0" cap="none" baseline="0" sz="3000" lang="en-US" i="0">
-                <a:solidFill>
-                  <a:srgbClr val="F39019"/>
-                </a:solidFill>
-                <a:latin typeface="Comic Sans MS"/>
-                <a:ea typeface="Comic Sans MS"/>
-                <a:cs typeface="Comic Sans MS"/>
-                <a:sym typeface="Comic Sans MS"/>
-              </a:rPr>
-              <a:t>pannello </a:t>
-            </a:r>
-            <a:r>
-              <a:rPr strike="noStrike" u="none" b="0" cap="none" baseline="0" sz="3000" lang="en-US" i="0">
-                <a:latin typeface="Comic Sans MS"/>
-                <a:ea typeface="Comic Sans MS"/>
-                <a:cs typeface="Comic Sans MS"/>
-                <a:sym typeface="Comic Sans MS"/>
-              </a:rPr>
-              <a:t>Costumi</a:t>
-            </a:r>
-          </a:p>
-          <a:p>
-            <a:pPr algn="l" rtl="0" lvl="0" marR="0" indent="-253999" marL="342899">
-              <a:spcBef>
-                <a:spcPts val="700"/>
-              </a:spcBef>
-              <a:buClr>
-                <a:srgbClr val="000000"/>
-              </a:buClr>
-              <a:buFont typeface="Calibri"/>
-              <a:buNone/>
-            </a:pPr>
-            <a:r>
-              <a:t/>
-            </a:r>
-            <a:endParaRPr strike="noStrike" u="none" b="0" cap="none" baseline="0" sz="1200" i="0">
-              <a:latin typeface="Comic Sans MS"/>
-              <a:ea typeface="Comic Sans MS"/>
-              <a:cs typeface="Comic Sans MS"/>
-              <a:sym typeface="Comic Sans MS"/>
-            </a:endParaRPr>
-          </a:p>
-          <a:p>
-            <a:pPr algn="l" rtl="0" lvl="0" marR="0" indent="-342900" marL="342900">
-              <a:spcBef>
-                <a:spcPts val="700"/>
-              </a:spcBef>
-              <a:buClr>
-                <a:srgbClr val="000000"/>
-              </a:buClr>
-              <a:buSzPct val="100000"/>
-              <a:buFont typeface="Comic Sans MS"/>
-              <a:buChar char="•"/>
-            </a:pPr>
-            <a:r>
-              <a:rPr strike="noStrike" u="none" b="0" cap="none" baseline="0" sz="3000" lang="en-US" i="0">
-                <a:latin typeface="Comic Sans MS"/>
-                <a:ea typeface="Comic Sans MS"/>
-                <a:cs typeface="Comic Sans MS"/>
-                <a:sym typeface="Comic Sans MS"/>
-              </a:rPr>
-              <a:t>Puoi anche </a:t>
-            </a:r>
-            <a:r>
-              <a:rPr strike="noStrike" u="none" b="0" cap="none" baseline="0" sz="3000" lang="en-US" i="0">
-                <a:solidFill>
-                  <a:srgbClr val="F39019"/>
-                </a:solidFill>
-                <a:latin typeface="Comic Sans MS"/>
-                <a:ea typeface="Comic Sans MS"/>
-                <a:cs typeface="Comic Sans MS"/>
-                <a:sym typeface="Comic Sans MS"/>
-              </a:rPr>
-              <a:t>disegnare</a:t>
-            </a:r>
-            <a:r>
-              <a:rPr strike="noStrike" u="none" b="0" cap="none" baseline="0" sz="3000" lang="en-US" i="0">
-                <a:latin typeface="Comic Sans MS"/>
-                <a:ea typeface="Comic Sans MS"/>
-                <a:cs typeface="Comic Sans MS"/>
-                <a:sym typeface="Comic Sans MS"/>
-              </a:rPr>
-              <a:t> e </a:t>
-            </a:r>
-            <a:r>
-              <a:rPr strike="noStrike" u="none" b="0" cap="none" baseline="0" sz="3000" lang="en-US" i="0">
-                <a:solidFill>
-                  <a:srgbClr val="F39019"/>
-                </a:solidFill>
-                <a:latin typeface="Comic Sans MS"/>
-                <a:ea typeface="Comic Sans MS"/>
-                <a:cs typeface="Comic Sans MS"/>
-                <a:sym typeface="Comic Sans MS"/>
-              </a:rPr>
-              <a:t>colorare</a:t>
-            </a:r>
-            <a:r>
-              <a:rPr strike="noStrike" u="none" b="0" cap="none" baseline="0" sz="3000" lang="en-US" i="0">
-                <a:latin typeface="Comic Sans MS"/>
-                <a:ea typeface="Comic Sans MS"/>
-                <a:cs typeface="Comic Sans MS"/>
-                <a:sym typeface="Comic Sans MS"/>
-              </a:rPr>
-              <a:t> altri costumi</a:t>
-            </a:r>
-          </a:p>
-        </p:txBody>
-      </p:sp>
-      <p:sp>
-        <p:nvSpPr>
-          <p:cNvPr id="187" name="Shape 187"/>
-          <p:cNvSpPr txBox="1"/>
-          <p:nvPr>
             <p:ph idx="12" type="sldNum"/>
           </p:nvPr>
         </p:nvSpPr>
@@ -6063,310 +6180,9 @@
           </a:p>
         </p:txBody>
       </p:sp>
-      <p:pic>
-        <p:nvPicPr>
-          <p:cNvPr id="188" name="Shape 188"/>
-          <p:cNvPicPr preferRelativeResize="0"/>
-          <p:nvPr/>
-        </p:nvPicPr>
-        <p:blipFill rotWithShape="1">
-          <a:blip r:embed="rId4"/>
-          <a:srcRect t="0" b="0" r="0" l="0"/>
-          <a:stretch/>
-        </p:blipFill>
-        <p:spPr>
-          <a:xfrm>
-            <a:off y="5049051" x="3602944"/>
-            <a:ext cy="1044576" cx="895350"/>
-          </a:xfrm>
-          <a:prstGeom prst="rect">
-            <a:avLst/>
-          </a:prstGeom>
-          <a:noFill/>
-          <a:ln>
-            <a:noFill/>
-          </a:ln>
-        </p:spPr>
-      </p:pic>
-      <p:pic>
-        <p:nvPicPr>
-          <p:cNvPr id="189" name="Shape 189"/>
-          <p:cNvPicPr preferRelativeResize="0"/>
-          <p:nvPr/>
-        </p:nvPicPr>
-        <p:blipFill rotWithShape="1">
-          <a:blip r:embed="rId5"/>
-          <a:srcRect t="0" b="0" r="0" l="0"/>
-          <a:stretch/>
-        </p:blipFill>
-        <p:spPr>
-          <a:xfrm>
-            <a:off y="6388100" x="7175500"/>
-            <a:ext cy="406399" cx="1130299"/>
-          </a:xfrm>
-          <a:prstGeom prst="rect">
-            <a:avLst/>
-          </a:prstGeom>
-          <a:noFill/>
-          <a:ln>
-            <a:noFill/>
-          </a:ln>
-        </p:spPr>
-      </p:pic>
-      <p:pic>
-        <p:nvPicPr>
-          <p:cNvPr id="190" name="Shape 190"/>
-          <p:cNvPicPr preferRelativeResize="0"/>
-          <p:nvPr/>
-        </p:nvPicPr>
-        <p:blipFill rotWithShape="1">
-          <a:blip r:embed="rId6"/>
-          <a:srcRect t="0" b="0" r="0" l="0"/>
-          <a:stretch/>
-        </p:blipFill>
-        <p:spPr>
-          <a:xfrm>
-            <a:off y="1668928" x="4862978"/>
-            <a:ext cy="4282142" cx="4097010"/>
-          </a:xfrm>
-          <a:prstGeom prst="rect">
-            <a:avLst/>
-          </a:prstGeom>
-          <a:noFill/>
-          <a:ln>
-            <a:noFill/>
-          </a:ln>
-        </p:spPr>
-      </p:pic>
-    </p:spTree>
-  </p:cSld>
-  <p:clrMapOvr>
-    <a:masterClrMapping/>
-  </p:clrMapOvr>
-  <p:transition spd="slow">
-    <p:cut/>
-  </p:transition>
-</p:sld>
-</file>
-
-<file path=ppt/slides/slide13.xml><?xml version="1.0" encoding="utf-8"?>
-<p:sld xmlns:a="http://schemas.openxmlformats.org/drawingml/2006/main" xmlns:r="http://schemas.openxmlformats.org/officeDocument/2006/relationships" xmlns:mc="http://schemas.openxmlformats.org/markup-compatibility/2006" xmlns:mv="urn:schemas-microsoft-com:mac:vml" xmlns:p="http://schemas.openxmlformats.org/presentationml/2006/main" xmlns:c="http://schemas.openxmlformats.org/drawingml/2006/chart" xmlns:dgm="http://schemas.openxmlformats.org/drawingml/2006/diagram" xmlns:o="urn:schemas-microsoft-com:office:office" xmlns:v="urn:schemas-microsoft-com:vml" xmlns:pvml="urn:schemas-microsoft-com:office:powerpoint" xmlns:com="http://schemas.openxmlformats.org/drawingml/2006/compatibility" xmlns:p14="http://schemas.microsoft.com/office/powerpoint/2010/main">
-  <p:cSld>
-    <p:spTree>
-      <p:nvGrpSpPr>
-        <p:cNvPr id="194" name="Shape 194"/>
-        <p:cNvGrpSpPr/>
-        <p:nvPr/>
-      </p:nvGrpSpPr>
-      <p:grpSpPr>
-        <a:xfrm>
-          <a:off y="0" x="0"/>
-          <a:ext cy="0" cx="0"/>
-          <a:chOff y="0" x="0"/>
-          <a:chExt cy="0" cx="0"/>
-        </a:xfrm>
-      </p:grpSpPr>
-      <p:pic>
-        <p:nvPicPr>
-          <p:cNvPr id="195" name="Shape 195"/>
-          <p:cNvPicPr preferRelativeResize="0"/>
-          <p:nvPr/>
-        </p:nvPicPr>
-        <p:blipFill rotWithShape="1">
-          <a:blip r:embed="rId3"/>
-          <a:srcRect t="0" b="0" r="0" l="0"/>
-          <a:stretch/>
-        </p:blipFill>
-        <p:spPr>
-          <a:xfrm>
-            <a:off y="1656316" x="1847583"/>
-            <a:ext cy="4535430" cx="6570276"/>
-          </a:xfrm>
-          <a:prstGeom prst="rect">
-            <a:avLst/>
-          </a:prstGeom>
-          <a:noFill/>
-          <a:ln>
-            <a:noFill/>
-          </a:ln>
-        </p:spPr>
-      </p:pic>
-      <p:pic>
-        <p:nvPicPr>
-          <p:cNvPr id="196" name="Shape 196"/>
-          <p:cNvPicPr preferRelativeResize="0"/>
-          <p:nvPr/>
-        </p:nvPicPr>
-        <p:blipFill rotWithShape="1">
-          <a:blip r:embed="rId4"/>
-          <a:srcRect t="0" b="0" r="0" l="0"/>
-          <a:stretch/>
-        </p:blipFill>
-        <p:spPr>
-          <a:xfrm>
-            <a:off y="470624" x="457200"/>
-            <a:ext cy="751028" cx="2133599"/>
-          </a:xfrm>
-          <a:prstGeom prst="rect">
-            <a:avLst/>
-          </a:prstGeom>
-          <a:noFill/>
-          <a:ln>
-            <a:noFill/>
-          </a:ln>
-        </p:spPr>
-      </p:pic>
-      <p:sp>
-        <p:nvSpPr>
-          <p:cNvPr id="197" name="Shape 197"/>
-          <p:cNvSpPr/>
-          <p:nvPr/>
-        </p:nvSpPr>
-        <p:spPr>
-          <a:xfrm>
-            <a:off y="6356350" x="457533"/>
-            <a:ext cy="342899" cx="2728366"/>
-          </a:xfrm>
-          <a:prstGeom prst="rect">
-            <a:avLst/>
-          </a:prstGeom>
-          <a:noFill/>
-          <a:ln>
-            <a:noFill/>
-          </a:ln>
-        </p:spPr>
-        <p:txBody>
-          <a:bodyPr bIns="38100" rIns="38100" lIns="38100" tIns="38100" anchor="t" anchorCtr="0">
-            <a:noAutofit/>
-          </a:bodyPr>
-          <a:lstStyle/>
-          <a:p>
-            <a:pPr algn="ctr" rtl="0" lvl="0" marR="0" indent="0" marL="0">
-              <a:spcBef>
-                <a:spcPts val="0"/>
-              </a:spcBef>
-              <a:buSzPct val="25000"/>
-              <a:buNone/>
-            </a:pPr>
-            <a:r>
-              <a:rPr strike="noStrike" u="none" b="0" cap="none" baseline="0" sz="1800" lang="en-US" i="0">
-                <a:latin typeface="Calibri"/>
-                <a:ea typeface="Calibri"/>
-                <a:cs typeface="Calibri"/>
-                <a:sym typeface="Calibri"/>
-              </a:rPr>
-              <a:t>www.devoxx4kids.com</a:t>
-            </a:r>
-          </a:p>
-        </p:txBody>
-      </p:sp>
-      <p:sp>
-        <p:nvSpPr>
-          <p:cNvPr id="198" name="Shape 198"/>
-          <p:cNvSpPr txBox="1"/>
-          <p:nvPr>
-            <p:ph type="title"/>
-          </p:nvPr>
-        </p:nvSpPr>
-        <p:spPr>
-          <a:xfrm>
-            <a:off y="274637" x="2681190"/>
-            <a:ext cy="1325562" cx="6005609"/>
-          </a:xfrm>
-          <a:prstGeom prst="rect">
-            <a:avLst/>
-          </a:prstGeom>
-          <a:noFill/>
-          <a:ln>
-            <a:noFill/>
-          </a:ln>
-        </p:spPr>
-        <p:txBody>
-          <a:bodyPr bIns="38100" rIns="38100" lIns="38100" tIns="38100" anchor="t" anchorCtr="0">
-            <a:noAutofit/>
-          </a:bodyPr>
-          <a:lstStyle/>
-          <a:p>
-            <a:pPr algn="ctr" rtl="0" lvl="0" marR="0" indent="0" marL="0">
-              <a:spcBef>
-                <a:spcPts val="0"/>
-              </a:spcBef>
-              <a:buSzPct val="25000"/>
-              <a:buNone/>
-            </a:pPr>
-            <a:r>
-              <a:rPr strike="noStrike" u="none" b="0" cap="none" baseline="0" sz="3600" lang="en-US" i="0">
-                <a:latin typeface="Comic Sans MS"/>
-                <a:ea typeface="Comic Sans MS"/>
-                <a:cs typeface="Comic Sans MS"/>
-                <a:sym typeface="Comic Sans MS"/>
-              </a:rPr>
-              <a:t>Area Blocchi </a:t>
-            </a:r>
-            <a:br>
-              <a:rPr strike="noStrike" u="none" b="0" cap="none" baseline="0" sz="3600" lang="en-US" i="0">
-                <a:latin typeface="Comic Sans MS"/>
-                <a:ea typeface="Comic Sans MS"/>
-                <a:cs typeface="Comic Sans MS"/>
-                <a:sym typeface="Comic Sans MS"/>
-              </a:rPr>
-            </a:br>
-            <a:r>
-              <a:rPr strike="noStrike" u="none" b="0" cap="none" baseline="0" sz="3600" lang="en-US" i="0">
-                <a:latin typeface="Comic Sans MS"/>
-                <a:ea typeface="Comic Sans MS"/>
-                <a:cs typeface="Comic Sans MS"/>
-                <a:sym typeface="Comic Sans MS"/>
-              </a:rPr>
-              <a:t>e Area degli Scripts</a:t>
-            </a:r>
-          </a:p>
-        </p:txBody>
-      </p:sp>
-      <p:sp>
-        <p:nvSpPr>
-          <p:cNvPr id="199" name="Shape 199"/>
-          <p:cNvSpPr txBox="1"/>
-          <p:nvPr>
-            <p:ph idx="12" type="sldNum"/>
-          </p:nvPr>
-        </p:nvSpPr>
-        <p:spPr>
-          <a:xfrm>
-            <a:off y="6467475" x="8405167"/>
-            <a:ext cy="266699" cx="281632"/>
-          </a:xfrm>
-          <a:prstGeom prst="rect">
-            <a:avLst/>
-          </a:prstGeom>
-          <a:noFill/>
-          <a:ln>
-            <a:noFill/>
-          </a:ln>
-        </p:spPr>
-        <p:txBody>
-          <a:bodyPr bIns="38100" rIns="38100" lIns="38100" tIns="38100" anchor="t" anchorCtr="0">
-            <a:noAutofit/>
-          </a:bodyPr>
-          <a:lstStyle/>
-          <a:p>
-            <a:pPr algn="r" rtl="0" lvl="0" marR="0" indent="0" marL="0">
-              <a:spcBef>
-                <a:spcPts val="0"/>
-              </a:spcBef>
-              <a:buSzPct val="25000"/>
-              <a:buNone/>
-            </a:pPr>
-            <a:r>
-              <a:rPr lang="en-US"/>
-              <a:t> </a:t>
-            </a:r>
-          </a:p>
-        </p:txBody>
-      </p:sp>
       <p:grpSp>
         <p:nvGrpSpPr>
-          <p:cNvPr id="200" name="Shape 200"/>
+          <p:cNvPr id="187" name="Shape 187"/>
           <p:cNvGrpSpPr/>
           <p:nvPr/>
         </p:nvGrpSpPr>
@@ -6380,7 +6196,7 @@
         </p:grpSpPr>
         <p:sp>
           <p:nvSpPr>
-            <p:cNvPr id="201" name="Shape 201"/>
+            <p:cNvPr id="188" name="Shape 188"/>
             <p:cNvSpPr/>
             <p:nvPr/>
           </p:nvSpPr>
@@ -6443,7 +6259,7 @@
         </p:sp>
         <p:sp>
           <p:nvSpPr>
-            <p:cNvPr id="202" name="Shape 202"/>
+            <p:cNvPr id="189" name="Shape 189"/>
             <p:cNvSpPr/>
             <p:nvPr/>
           </p:nvSpPr>
@@ -6507,7 +6323,7 @@
       </p:grpSp>
       <p:grpSp>
         <p:nvGrpSpPr>
-          <p:cNvPr id="203" name="Shape 203"/>
+          <p:cNvPr id="190" name="Shape 190"/>
           <p:cNvGrpSpPr/>
           <p:nvPr/>
         </p:nvGrpSpPr>
@@ -6521,7 +6337,7 @@
         </p:grpSpPr>
         <p:sp>
           <p:nvSpPr>
-            <p:cNvPr id="204" name="Shape 204"/>
+            <p:cNvPr id="191" name="Shape 191"/>
             <p:cNvSpPr/>
             <p:nvPr/>
           </p:nvSpPr>
@@ -6584,7 +6400,7 @@
         </p:sp>
         <p:sp>
           <p:nvSpPr>
-            <p:cNvPr id="205" name="Shape 205"/>
+            <p:cNvPr id="192" name="Shape 192"/>
             <p:cNvSpPr/>
             <p:nvPr/>
           </p:nvSpPr>
@@ -6648,7 +6464,7 @@
       </p:grpSp>
       <p:pic>
         <p:nvPicPr>
-          <p:cNvPr id="206" name="Shape 206"/>
+          <p:cNvPr id="193" name="Shape 193"/>
           <p:cNvPicPr preferRelativeResize="0"/>
           <p:nvPr/>
         </p:nvPicPr>
@@ -6673,7 +6489,7 @@
       </p:pic>
       <p:pic>
         <p:nvPicPr>
-          <p:cNvPr id="207" name="Shape 207"/>
+          <p:cNvPr id="194" name="Shape 194"/>
           <p:cNvPicPr preferRelativeResize="0"/>
           <p:nvPr/>
         </p:nvPicPr>
@@ -6712,7 +6528,7 @@
   <p:cSld>
     <p:spTree>
       <p:nvGrpSpPr>
-        <p:cNvPr id="211" name="Shape 211"/>
+        <p:cNvPr id="198" name="Shape 198"/>
         <p:cNvGrpSpPr/>
         <p:nvPr/>
       </p:nvGrpSpPr>
@@ -6726,7 +6542,7 @@
       </p:grpSpPr>
       <p:sp>
         <p:nvSpPr>
-          <p:cNvPr id="212" name="Shape 212"/>
+          <p:cNvPr id="199" name="Shape 199"/>
           <p:cNvSpPr txBox="1"/>
           <p:nvPr>
             <p:ph idx="1" type="body"/>
@@ -6797,7 +6613,7 @@
       </p:sp>
       <p:sp>
         <p:nvSpPr>
-          <p:cNvPr id="213" name="Shape 213"/>
+          <p:cNvPr id="200" name="Shape 200"/>
           <p:cNvSpPr/>
           <p:nvPr/>
         </p:nvSpPr>
@@ -6866,7 +6682,7 @@
       </p:sp>
       <p:pic>
         <p:nvPicPr>
-          <p:cNvPr id="214" name="Shape 214"/>
+          <p:cNvPr id="201" name="Shape 201"/>
           <p:cNvPicPr preferRelativeResize="0"/>
           <p:nvPr/>
         </p:nvPicPr>
@@ -6891,7 +6707,7 @@
       </p:pic>
       <p:pic>
         <p:nvPicPr>
-          <p:cNvPr id="215" name="Shape 215"/>
+          <p:cNvPr id="202" name="Shape 202"/>
           <p:cNvPicPr preferRelativeResize="0"/>
           <p:nvPr/>
         </p:nvPicPr>
@@ -6916,14 +6732,16 @@
       </p:pic>
       <p:sp>
         <p:nvSpPr>
-          <p:cNvPr id="216" name="Shape 216"/>
-          <p:cNvSpPr/>
-          <p:nvPr/>
+          <p:cNvPr id="203" name="Shape 203"/>
+          <p:cNvSpPr txBox="1"/>
+          <p:nvPr>
+            <p:ph type="title"/>
+          </p:nvPr>
         </p:nvSpPr>
         <p:spPr>
           <a:xfrm>
-            <a:off y="6356350" x="457533"/>
-            <a:ext cy="342899" cx="2728366"/>
+            <a:off y="274637" x="2681190"/>
+            <a:ext cy="1325562" cx="6005609"/>
           </a:xfrm>
           <a:prstGeom prst="rect">
             <a:avLst/>
@@ -6947,83 +6765,37 @@
               <a:buNone/>
             </a:pPr>
             <a:r>
-              <a:rPr strike="noStrike" u="none" b="0" cap="none" baseline="0" sz="1800" lang="en-US" i="0">
-                <a:latin typeface="Calibri"/>
-                <a:ea typeface="Calibri"/>
-                <a:cs typeface="Calibri"/>
-                <a:sym typeface="Calibri"/>
-              </a:rPr>
-              <a:t>www.devoxx4kids.com</a:t>
+              <a:rPr strike="noStrike" u="none" b="0" cap="none" baseline="0" sz="3600" lang="en-US" i="0">
+                <a:latin typeface="Comic Sans MS"/>
+                <a:ea typeface="Comic Sans MS"/>
+                <a:cs typeface="Comic Sans MS"/>
+                <a:sym typeface="Comic Sans MS"/>
+              </a:rPr>
+              <a:t>Avvia e Ferma </a:t>
+            </a:r>
+            <a:br>
+              <a:rPr strike="noStrike" u="none" b="0" cap="none" baseline="0" sz="3600" lang="en-US" i="0">
+                <a:latin typeface="Comic Sans MS"/>
+                <a:ea typeface="Comic Sans MS"/>
+                <a:cs typeface="Comic Sans MS"/>
+                <a:sym typeface="Comic Sans MS"/>
+              </a:rPr>
+            </a:br>
+            <a:r>
+              <a:rPr strike="noStrike" u="none" b="0" cap="none" baseline="0" sz="3600" lang="en-US" i="0">
+                <a:latin typeface="Comic Sans MS"/>
+                <a:ea typeface="Comic Sans MS"/>
+                <a:cs typeface="Comic Sans MS"/>
+                <a:sym typeface="Comic Sans MS"/>
+              </a:rPr>
+              <a:t>il tuo programma</a:t>
             </a:r>
           </a:p>
         </p:txBody>
       </p:sp>
       <p:sp>
         <p:nvSpPr>
-          <p:cNvPr id="217" name="Shape 217"/>
-          <p:cNvSpPr txBox="1"/>
-          <p:nvPr>
-            <p:ph type="title"/>
-          </p:nvPr>
-        </p:nvSpPr>
-        <p:spPr>
-          <a:xfrm>
-            <a:off y="274637" x="2681190"/>
-            <a:ext cy="1325562" cx="6005609"/>
-          </a:xfrm>
-          <a:prstGeom prst="rect">
-            <a:avLst/>
-          </a:prstGeom>
-          <a:noFill/>
-          <a:ln>
-            <a:noFill/>
-          </a:ln>
-        </p:spPr>
-        <p:txBody>
-          <a:bodyPr bIns="38100" rIns="38100" lIns="38100" tIns="38100" anchor="t" anchorCtr="0">
-            <a:noAutofit/>
-          </a:bodyPr>
-          <a:lstStyle/>
-          <a:p>
-            <a:pPr algn="ctr" rtl="0" lvl="0" marR="0" indent="0" marL="0">
-              <a:spcBef>
-                <a:spcPts val="0"/>
-              </a:spcBef>
-              <a:buSzPct val="25000"/>
-              <a:buNone/>
-            </a:pPr>
-            <a:r>
-              <a:rPr strike="noStrike" u="none" b="0" cap="none" baseline="0" sz="3600" lang="en-US" i="0">
-                <a:latin typeface="Comic Sans MS"/>
-                <a:ea typeface="Comic Sans MS"/>
-                <a:cs typeface="Comic Sans MS"/>
-                <a:sym typeface="Comic Sans MS"/>
-              </a:rPr>
-              <a:t>Avvia e Ferma </a:t>
-            </a:r>
-            <a:br>
-              <a:rPr strike="noStrike" u="none" b="0" cap="none" baseline="0" sz="3600" lang="en-US" i="0">
-                <a:latin typeface="Comic Sans MS"/>
-                <a:ea typeface="Comic Sans MS"/>
-                <a:cs typeface="Comic Sans MS"/>
-                <a:sym typeface="Comic Sans MS"/>
-              </a:rPr>
-            </a:br>
-            <a:r>
-              <a:rPr strike="noStrike" u="none" b="0" cap="none" baseline="0" sz="3600" lang="en-US" i="0">
-                <a:latin typeface="Comic Sans MS"/>
-                <a:ea typeface="Comic Sans MS"/>
-                <a:cs typeface="Comic Sans MS"/>
-                <a:sym typeface="Comic Sans MS"/>
-              </a:rPr>
-              <a:t>il tuo programma</a:t>
-            </a:r>
-          </a:p>
-        </p:txBody>
-      </p:sp>
-      <p:sp>
-        <p:nvSpPr>
-          <p:cNvPr id="218" name="Shape 218"/>
+          <p:cNvPr id="204" name="Shape 204"/>
           <p:cNvSpPr txBox="1"/>
           <p:nvPr>
             <p:ph idx="12" type="sldNum"/>
@@ -7064,7 +6836,7 @@
       </p:sp>
       <p:grpSp>
         <p:nvGrpSpPr>
-          <p:cNvPr id="219" name="Shape 219"/>
+          <p:cNvPr id="205" name="Shape 205"/>
           <p:cNvGrpSpPr/>
           <p:nvPr/>
         </p:nvGrpSpPr>
@@ -7078,7 +6850,7 @@
         </p:grpSpPr>
         <p:sp>
           <p:nvSpPr>
-            <p:cNvPr id="220" name="Shape 220"/>
+            <p:cNvPr id="206" name="Shape 206"/>
             <p:cNvSpPr/>
             <p:nvPr/>
           </p:nvSpPr>
@@ -7141,7 +6913,7 @@
         </p:sp>
         <p:sp>
           <p:nvSpPr>
-            <p:cNvPr id="221" name="Shape 221"/>
+            <p:cNvPr id="207" name="Shape 207"/>
             <p:cNvSpPr/>
             <p:nvPr/>
           </p:nvSpPr>
@@ -7205,7 +6977,7 @@
       </p:grpSp>
       <p:pic>
         <p:nvPicPr>
-          <p:cNvPr id="222" name="Shape 222"/>
+          <p:cNvPr id="208" name="Shape 208"/>
           <p:cNvPicPr preferRelativeResize="0"/>
           <p:nvPr/>
         </p:nvPicPr>
@@ -7230,7 +7002,7 @@
       </p:pic>
       <p:pic>
         <p:nvPicPr>
-          <p:cNvPr id="223" name="Shape 223"/>
+          <p:cNvPr id="209" name="Shape 209"/>
           <p:cNvPicPr preferRelativeResize="0"/>
           <p:nvPr/>
         </p:nvPicPr>
@@ -7255,7 +7027,7 @@
       </p:pic>
       <p:pic>
         <p:nvPicPr>
-          <p:cNvPr id="224" name="Shape 224"/>
+          <p:cNvPr id="210" name="Shape 210"/>
           <p:cNvPicPr preferRelativeResize="0"/>
           <p:nvPr/>
         </p:nvPicPr>
@@ -7280,7 +7052,7 @@
       </p:pic>
       <p:grpSp>
         <p:nvGrpSpPr>
-          <p:cNvPr id="225" name="Shape 225"/>
+          <p:cNvPr id="211" name="Shape 211"/>
           <p:cNvGrpSpPr/>
           <p:nvPr/>
         </p:nvGrpSpPr>
@@ -7294,7 +7066,7 @@
         </p:grpSpPr>
         <p:sp>
           <p:nvSpPr>
-            <p:cNvPr id="226" name="Shape 226"/>
+            <p:cNvPr id="212" name="Shape 212"/>
             <p:cNvSpPr/>
             <p:nvPr/>
           </p:nvSpPr>
@@ -7357,7 +7129,7 @@
         </p:sp>
         <p:sp>
           <p:nvSpPr>
-            <p:cNvPr id="227" name="Shape 227"/>
+            <p:cNvPr id="213" name="Shape 213"/>
             <p:cNvSpPr/>
             <p:nvPr/>
           </p:nvSpPr>
@@ -7435,7 +7207,7 @@
   <p:cSld>
     <p:spTree>
       <p:nvGrpSpPr>
-        <p:cNvPr id="231" name="Shape 231"/>
+        <p:cNvPr id="217" name="Shape 217"/>
         <p:cNvGrpSpPr/>
         <p:nvPr/>
       </p:nvGrpSpPr>
@@ -7449,7 +7221,7 @@
       </p:grpSpPr>
       <p:sp>
         <p:nvSpPr>
-          <p:cNvPr id="232" name="Shape 232"/>
+          <p:cNvPr id="218" name="Shape 218"/>
           <p:cNvSpPr txBox="1"/>
           <p:nvPr>
             <p:ph type="title"/>
@@ -7495,7 +7267,7 @@
       </p:sp>
       <p:pic>
         <p:nvPicPr>
-          <p:cNvPr id="233" name="Shape 233"/>
+          <p:cNvPr id="219" name="Shape 219"/>
           <p:cNvPicPr preferRelativeResize="0"/>
           <p:nvPr/>
         </p:nvPicPr>
@@ -7520,7 +7292,7 @@
       </p:pic>
       <p:pic>
         <p:nvPicPr>
-          <p:cNvPr id="234" name="Shape 234"/>
+          <p:cNvPr id="220" name="Shape 220"/>
           <p:cNvPicPr preferRelativeResize="0"/>
           <p:nvPr/>
         </p:nvPicPr>
@@ -7533,6 +7305,31 @@
           <a:xfrm>
             <a:off y="3257926" x="3441053"/>
             <a:ext cy="889001" cx="2540000"/>
+          </a:xfrm>
+          <a:prstGeom prst="rect">
+            <a:avLst/>
+          </a:prstGeom>
+          <a:noFill/>
+          <a:ln>
+            <a:noFill/>
+          </a:ln>
+        </p:spPr>
+      </p:pic>
+      <p:pic>
+        <p:nvPicPr>
+          <p:cNvPr id="221" name="Shape 221"/>
+          <p:cNvPicPr preferRelativeResize="0"/>
+          <p:nvPr/>
+        </p:nvPicPr>
+        <p:blipFill rotWithShape="1">
+          <a:blip r:embed="rId5"/>
+          <a:srcRect t="0" b="0" r="0" l="0"/>
+          <a:stretch/>
+        </p:blipFill>
+        <p:spPr>
+          <a:xfrm>
+            <a:off y="6388100" x="7175500"/>
+            <a:ext cy="406499" cx="1130400"/>
           </a:xfrm>
           <a:prstGeom prst="rect">
             <a:avLst/>
@@ -7555,6 +7352,456 @@
 </file>
 
 <file path=ppt/slides/slide16.xml><?xml version="1.0" encoding="utf-8"?>
+<p:sld xmlns:a="http://schemas.openxmlformats.org/drawingml/2006/main" xmlns:r="http://schemas.openxmlformats.org/officeDocument/2006/relationships" xmlns:mc="http://schemas.openxmlformats.org/markup-compatibility/2006" xmlns:mv="urn:schemas-microsoft-com:mac:vml" xmlns:p="http://schemas.openxmlformats.org/presentationml/2006/main" xmlns:c="http://schemas.openxmlformats.org/drawingml/2006/chart" xmlns:dgm="http://schemas.openxmlformats.org/drawingml/2006/diagram" xmlns:o="urn:schemas-microsoft-com:office:office" xmlns:v="urn:schemas-microsoft-com:vml" xmlns:pvml="urn:schemas-microsoft-com:office:powerpoint" xmlns:com="http://schemas.openxmlformats.org/drawingml/2006/compatibility" xmlns:p14="http://schemas.microsoft.com/office/powerpoint/2010/main">
+  <p:cSld>
+    <p:spTree>
+      <p:nvGrpSpPr>
+        <p:cNvPr id="225" name="Shape 225"/>
+        <p:cNvGrpSpPr/>
+        <p:nvPr/>
+      </p:nvGrpSpPr>
+      <p:grpSpPr>
+        <a:xfrm>
+          <a:off y="0" x="0"/>
+          <a:ext cy="0" cx="0"/>
+          <a:chOff y="0" x="0"/>
+          <a:chExt cy="0" cx="0"/>
+        </a:xfrm>
+      </p:grpSpPr>
+      <p:sp>
+        <p:nvSpPr>
+          <p:cNvPr id="226" name="Shape 226"/>
+          <p:cNvSpPr txBox="1"/>
+          <p:nvPr>
+            <p:ph type="title"/>
+          </p:nvPr>
+        </p:nvSpPr>
+        <p:spPr>
+          <a:xfrm>
+            <a:off y="274637" x="2681190"/>
+            <a:ext cy="1143001" cx="6005609"/>
+          </a:xfrm>
+          <a:prstGeom prst="rect">
+            <a:avLst/>
+          </a:prstGeom>
+          <a:noFill/>
+          <a:ln>
+            <a:noFill/>
+          </a:ln>
+        </p:spPr>
+        <p:txBody>
+          <a:bodyPr bIns="45700" rIns="45700" lIns="45700" tIns="45700" anchor="t" anchorCtr="0">
+            <a:noAutofit/>
+          </a:bodyPr>
+          <a:lstStyle/>
+          <a:p>
+            <a:pPr algn="ctr" rtl="0" lvl="0" marR="0" indent="0" marL="0">
+              <a:spcBef>
+                <a:spcPts val="0"/>
+              </a:spcBef>
+              <a:buSzPct val="25000"/>
+              <a:buNone/>
+            </a:pPr>
+            <a:r>
+              <a:rPr strike="noStrike" u="none" b="0" cap="none" baseline="0" sz="2920" lang="en-US" i="0">
+                <a:latin typeface="Comic Sans MS"/>
+                <a:ea typeface="Comic Sans MS"/>
+                <a:cs typeface="Comic Sans MS"/>
+                <a:sym typeface="Comic Sans MS"/>
+              </a:rPr>
+              <a:t>Blocchi utili </a:t>
+            </a:r>
+            <a:br>
+              <a:rPr strike="noStrike" u="none" b="0" cap="none" baseline="0" sz="2920" lang="en-US" i="0">
+                <a:latin typeface="Comic Sans MS"/>
+                <a:ea typeface="Comic Sans MS"/>
+                <a:cs typeface="Comic Sans MS"/>
+                <a:sym typeface="Comic Sans MS"/>
+              </a:rPr>
+            </a:br>
+            <a:r>
+              <a:rPr strike="noStrike" u="none" b="0" cap="none" baseline="0" sz="2920" lang="en-US" i="0">
+                <a:latin typeface="Comic Sans MS"/>
+                <a:ea typeface="Comic Sans MS"/>
+                <a:cs typeface="Comic Sans MS"/>
+                <a:sym typeface="Comic Sans MS"/>
+              </a:rPr>
+              <a:t>per i giochi</a:t>
+            </a:r>
+          </a:p>
+        </p:txBody>
+      </p:sp>
+      <p:sp>
+        <p:nvSpPr>
+          <p:cNvPr id="227" name="Shape 227"/>
+          <p:cNvSpPr txBox="1"/>
+          <p:nvPr>
+            <p:ph idx="1" type="body"/>
+          </p:nvPr>
+        </p:nvSpPr>
+        <p:spPr>
+          <a:xfrm>
+            <a:off y="1600200" x="457200"/>
+            <a:ext cy="1533298" cx="8229600"/>
+          </a:xfrm>
+          <a:prstGeom prst="rect">
+            <a:avLst/>
+          </a:prstGeom>
+          <a:noFill/>
+          <a:ln>
+            <a:noFill/>
+          </a:ln>
+        </p:spPr>
+        <p:txBody>
+          <a:bodyPr bIns="45700" rIns="45700" lIns="45700" tIns="45700" anchor="t" anchorCtr="0">
+            <a:noAutofit/>
+          </a:bodyPr>
+          <a:lstStyle/>
+          <a:p>
+            <a:pPr algn="l" rtl="0" lvl="0" marR="0" indent="-214311" marL="214311">
+              <a:spcBef>
+                <a:spcPts val="0"/>
+              </a:spcBef>
+              <a:buClr>
+                <a:srgbClr val="000000"/>
+              </a:buClr>
+              <a:buSzPct val="100000"/>
+              <a:buFont typeface="Comic Sans MS"/>
+              <a:buChar char="•"/>
+            </a:pPr>
+            <a:r>
+              <a:rPr strike="noStrike" u="none" b="0" cap="none" baseline="0" sz="2000" lang="en-US" i="0">
+                <a:latin typeface="Comic Sans MS"/>
+                <a:ea typeface="Comic Sans MS"/>
+                <a:cs typeface="Comic Sans MS"/>
+                <a:sym typeface="Comic Sans MS"/>
+              </a:rPr>
+              <a:t>Programmare dei giochi offre molte opportunità per esplorare vari concetti e abilità computazionali.</a:t>
+            </a:r>
+          </a:p>
+          <a:p>
+            <a:pPr algn="l" rtl="0" lvl="0" marR="0" indent="-214311" marL="214311">
+              <a:spcBef>
+                <a:spcPts val="400"/>
+              </a:spcBef>
+              <a:buClr>
+                <a:srgbClr val="000000"/>
+              </a:buClr>
+              <a:buSzPct val="100000"/>
+              <a:buFont typeface="Comic Sans MS"/>
+              <a:buChar char="•"/>
+            </a:pPr>
+            <a:r>
+              <a:rPr strike="noStrike" u="none" b="0" cap="none" baseline="0" sz="2000" lang="en-US" i="0">
+                <a:latin typeface="Comic Sans MS"/>
+                <a:ea typeface="Comic Sans MS"/>
+                <a:cs typeface="Comic Sans MS"/>
+                <a:sym typeface="Comic Sans MS"/>
+              </a:rPr>
+              <a:t>Qui mostriamo alcuni blocchi che sono molto utilizzati per i giochi.</a:t>
+            </a:r>
+          </a:p>
+        </p:txBody>
+      </p:sp>
+      <p:sp>
+        <p:nvSpPr>
+          <p:cNvPr id="228" name="Shape 228"/>
+          <p:cNvSpPr txBox="1"/>
+          <p:nvPr>
+            <p:ph idx="12" type="sldNum"/>
+          </p:nvPr>
+        </p:nvSpPr>
+        <p:spPr>
+          <a:xfrm>
+            <a:off y="6356350" x="6553200"/>
+            <a:ext cy="358139" cx="898575"/>
+          </a:xfrm>
+          <a:prstGeom prst="rect">
+            <a:avLst/>
+          </a:prstGeom>
+          <a:noFill/>
+          <a:ln>
+            <a:noFill/>
+          </a:ln>
+        </p:spPr>
+        <p:txBody>
+          <a:bodyPr bIns="45700" rIns="45700" lIns="45700" tIns="45700" anchor="t" anchorCtr="0">
+            <a:noAutofit/>
+          </a:bodyPr>
+          <a:lstStyle/>
+          <a:p>
+            <a:pPr algn="r" rtl="0" lvl="0" marR="0" indent="0" marL="0">
+              <a:spcBef>
+                <a:spcPts val="0"/>
+              </a:spcBef>
+              <a:buSzPct val="25000"/>
+              <a:buNone/>
+            </a:pPr>
+            <a:r>
+              <a:rPr lang="en-US"/>
+              <a:t> </a:t>
+            </a:r>
+          </a:p>
+        </p:txBody>
+      </p:sp>
+      <p:sp>
+        <p:nvSpPr>
+          <p:cNvPr id="229" name="Shape 229"/>
+          <p:cNvSpPr/>
+          <p:nvPr/>
+        </p:nvSpPr>
+        <p:spPr>
+          <a:xfrm>
+            <a:off y="3171596" x="457199"/>
+            <a:ext cy="1372108" cx="3844224"/>
+          </a:xfrm>
+          <a:prstGeom prst="rect">
+            <a:avLst/>
+          </a:prstGeom>
+          <a:noFill/>
+          <a:ln>
+            <a:noFill/>
+          </a:ln>
+        </p:spPr>
+        <p:txBody>
+          <a:bodyPr bIns="45700" rIns="45700" lIns="45700" tIns="45700" anchor="t" anchorCtr="0">
+            <a:noAutofit/>
+          </a:bodyPr>
+          <a:lstStyle/>
+          <a:p>
+            <a:pPr algn="l" rtl="0" lvl="0" marR="0" indent="-214311" marL="214311">
+              <a:spcBef>
+                <a:spcPts val="0"/>
+              </a:spcBef>
+              <a:buClr>
+                <a:srgbClr val="FF9900"/>
+              </a:buClr>
+              <a:buSzPct val="100000"/>
+              <a:buFont typeface="Comic Sans MS"/>
+              <a:buChar char="•"/>
+            </a:pPr>
+            <a:r>
+              <a:rPr strike="noStrike" u="none" b="0" cap="none" baseline="0" sz="2000" lang="en-US" i="0">
+                <a:solidFill>
+                  <a:srgbClr val="FF9900"/>
+                </a:solidFill>
+                <a:latin typeface="Comic Sans MS"/>
+                <a:ea typeface="Comic Sans MS"/>
+                <a:cs typeface="Comic Sans MS"/>
+                <a:sym typeface="Comic Sans MS"/>
+              </a:rPr>
+              <a:t>Toccare</a:t>
+            </a:r>
+          </a:p>
+          <a:p>
+            <a:pPr algn="just" rtl="0" lvl="1" marR="0" indent="-163285" marL="620485">
+              <a:spcBef>
+                <a:spcPts val="300"/>
+              </a:spcBef>
+              <a:buClr>
+                <a:srgbClr val="000000"/>
+              </a:buClr>
+              <a:buSzPct val="100000"/>
+              <a:buFont typeface="Comic Sans MS"/>
+              <a:buChar char="–"/>
+            </a:pPr>
+            <a:r>
+              <a:rPr strike="noStrike" u="none" b="0" cap="none" baseline="0" sz="1600" lang="en-US" i="0">
+                <a:latin typeface="Comic Sans MS"/>
+                <a:ea typeface="Comic Sans MS"/>
+                <a:cs typeface="Comic Sans MS"/>
+                <a:sym typeface="Comic Sans MS"/>
+              </a:rPr>
+              <a:t>Verifica se 2 sprites si stanno toccando o e se uno sta toccando un colore.</a:t>
+            </a:r>
+          </a:p>
+        </p:txBody>
+      </p:sp>
+      <p:pic>
+        <p:nvPicPr>
+          <p:cNvPr id="230" name="Shape 230"/>
+          <p:cNvPicPr preferRelativeResize="0"/>
+          <p:nvPr/>
+        </p:nvPicPr>
+        <p:blipFill rotWithShape="1">
+          <a:blip r:embed="rId3"/>
+          <a:srcRect t="0" b="0" r="0" l="0"/>
+          <a:stretch/>
+        </p:blipFill>
+        <p:spPr>
+          <a:xfrm>
+            <a:off y="274637" x="7675270"/>
+            <a:ext cy="957053" cx="957053"/>
+          </a:xfrm>
+          <a:prstGeom prst="rect">
+            <a:avLst/>
+          </a:prstGeom>
+          <a:noFill/>
+          <a:ln>
+            <a:noFill/>
+          </a:ln>
+        </p:spPr>
+      </p:pic>
+      <p:sp>
+        <p:nvSpPr>
+          <p:cNvPr id="231" name="Shape 231"/>
+          <p:cNvSpPr/>
+          <p:nvPr/>
+        </p:nvSpPr>
+        <p:spPr>
+          <a:xfrm>
+            <a:off y="3133496" x="4549480"/>
+            <a:ext cy="1080008" cx="3844223"/>
+          </a:xfrm>
+          <a:prstGeom prst="rect">
+            <a:avLst/>
+          </a:prstGeom>
+          <a:noFill/>
+          <a:ln>
+            <a:noFill/>
+          </a:ln>
+        </p:spPr>
+        <p:txBody>
+          <a:bodyPr bIns="45700" rIns="45700" lIns="45700" tIns="45700" anchor="t" anchorCtr="0">
+            <a:noAutofit/>
+          </a:bodyPr>
+          <a:lstStyle/>
+          <a:p>
+            <a:pPr algn="l" rtl="0" lvl="0" marR="0" indent="-214311" marL="214311">
+              <a:spcBef>
+                <a:spcPts val="0"/>
+              </a:spcBef>
+              <a:buClr>
+                <a:srgbClr val="FF9900"/>
+              </a:buClr>
+              <a:buSzPct val="100000"/>
+              <a:buFont typeface="Comic Sans MS"/>
+              <a:buChar char="•"/>
+            </a:pPr>
+            <a:r>
+              <a:rPr strike="noStrike" u="none" b="0" cap="none" baseline="0" sz="2000" lang="en-US" i="0">
+                <a:solidFill>
+                  <a:srgbClr val="FF9900"/>
+                </a:solidFill>
+                <a:latin typeface="Comic Sans MS"/>
+                <a:ea typeface="Comic Sans MS"/>
+                <a:cs typeface="Comic Sans MS"/>
+                <a:sym typeface="Comic Sans MS"/>
+              </a:rPr>
+              <a:t>Visibilità</a:t>
+            </a:r>
+          </a:p>
+          <a:p>
+            <a:pPr algn="just" rtl="0" lvl="1" marR="0" indent="-163285" marL="620485">
+              <a:spcBef>
+                <a:spcPts val="300"/>
+              </a:spcBef>
+              <a:buClr>
+                <a:srgbClr val="000000"/>
+              </a:buClr>
+              <a:buSzPct val="100000"/>
+              <a:buFont typeface="Comic Sans MS"/>
+              <a:buChar char="–"/>
+            </a:pPr>
+            <a:r>
+              <a:rPr strike="noStrike" u="none" b="0" cap="none" baseline="0" sz="1600" lang="en-US" i="0">
+                <a:latin typeface="Comic Sans MS"/>
+                <a:ea typeface="Comic Sans MS"/>
+                <a:cs typeface="Comic Sans MS"/>
+                <a:sym typeface="Comic Sans MS"/>
+              </a:rPr>
+              <a:t>Fai apparire o sparire uno sprite</a:t>
+            </a:r>
+          </a:p>
+        </p:txBody>
+      </p:sp>
+      <p:pic>
+        <p:nvPicPr>
+          <p:cNvPr id="232" name="Shape 232"/>
+          <p:cNvPicPr preferRelativeResize="0"/>
+          <p:nvPr/>
+        </p:nvPicPr>
+        <p:blipFill rotWithShape="1">
+          <a:blip r:embed="rId4"/>
+          <a:srcRect t="0" b="0" r="0" l="0"/>
+          <a:stretch/>
+        </p:blipFill>
+        <p:spPr>
+          <a:xfrm>
+            <a:off y="4705401" x="781050"/>
+            <a:ext cy="1263600" cx="3488630"/>
+          </a:xfrm>
+          <a:prstGeom prst="rect">
+            <a:avLst/>
+          </a:prstGeom>
+          <a:noFill/>
+          <a:ln>
+            <a:noFill/>
+          </a:ln>
+        </p:spPr>
+      </p:pic>
+      <p:pic>
+        <p:nvPicPr>
+          <p:cNvPr id="233" name="Shape 233"/>
+          <p:cNvPicPr preferRelativeResize="0"/>
+          <p:nvPr/>
+        </p:nvPicPr>
+        <p:blipFill rotWithShape="1">
+          <a:blip r:embed="rId5"/>
+          <a:srcRect t="0" b="0" r="0" l="0"/>
+          <a:stretch/>
+        </p:blipFill>
+        <p:spPr>
+          <a:xfrm>
+            <a:off y="4765700" x="6346944"/>
+            <a:ext cy="1143001" cx="1311088"/>
+          </a:xfrm>
+          <a:prstGeom prst="rect">
+            <a:avLst/>
+          </a:prstGeom>
+          <a:noFill/>
+          <a:ln>
+            <a:noFill/>
+          </a:ln>
+        </p:spPr>
+      </p:pic>
+      <p:pic>
+        <p:nvPicPr>
+          <p:cNvPr id="234" name="Shape 234"/>
+          <p:cNvPicPr preferRelativeResize="0"/>
+          <p:nvPr/>
+        </p:nvPicPr>
+        <p:blipFill rotWithShape="1">
+          <a:blip r:embed="rId6"/>
+          <a:srcRect t="0" b="0" r="0" l="0"/>
+          <a:stretch/>
+        </p:blipFill>
+        <p:spPr>
+          <a:xfrm>
+            <a:off y="6388100" x="7175500"/>
+            <a:ext cy="406499" cx="1130400"/>
+          </a:xfrm>
+          <a:prstGeom prst="rect">
+            <a:avLst/>
+          </a:prstGeom>
+          <a:noFill/>
+          <a:ln>
+            <a:noFill/>
+          </a:ln>
+        </p:spPr>
+      </p:pic>
+    </p:spTree>
+  </p:cSld>
+  <p:clrMapOvr>
+    <a:masterClrMapping/>
+  </p:clrMapOvr>
+  <p:transition spd="slow">
+    <p:cut/>
+  </p:transition>
+</p:sld>
+</file>
+
+<file path=ppt/slides/slide17.xml><?xml version="1.0" encoding="utf-8"?>
 <p:sld xmlns:a="http://schemas.openxmlformats.org/drawingml/2006/main" xmlns:r="http://schemas.openxmlformats.org/officeDocument/2006/relationships" xmlns:mc="http://schemas.openxmlformats.org/markup-compatibility/2006" xmlns:mv="urn:schemas-microsoft-com:mac:vml" xmlns:p="http://schemas.openxmlformats.org/presentationml/2006/main" xmlns:c="http://schemas.openxmlformats.org/drawingml/2006/chart" xmlns:dgm="http://schemas.openxmlformats.org/drawingml/2006/diagram" xmlns:o="urn:schemas-microsoft-com:office:office" xmlns:v="urn:schemas-microsoft-com:vml" xmlns:pvml="urn:schemas-microsoft-com:office:powerpoint" xmlns:com="http://schemas.openxmlformats.org/drawingml/2006/compatibility" xmlns:p14="http://schemas.microsoft.com/office/powerpoint/2010/main">
   <p:cSld>
     <p:spTree>
@@ -7639,13 +7886,52 @@
           <p:cNvPr id="240" name="Shape 240"/>
           <p:cNvSpPr txBox="1"/>
           <p:nvPr>
-            <p:ph idx="1" type="body"/>
+            <p:ph idx="12" type="sldNum"/>
           </p:nvPr>
         </p:nvSpPr>
         <p:spPr>
           <a:xfrm>
-            <a:off y="1600200" x="457200"/>
-            <a:ext cy="1533298" cx="8229600"/>
+            <a:off y="6356350" x="6553200"/>
+            <a:ext cy="358139" cx="898575"/>
+          </a:xfrm>
+          <a:prstGeom prst="rect">
+            <a:avLst/>
+          </a:prstGeom>
+          <a:noFill/>
+          <a:ln>
+            <a:noFill/>
+          </a:ln>
+        </p:spPr>
+        <p:txBody>
+          <a:bodyPr bIns="45700" rIns="45700" lIns="45700" tIns="45700" anchor="t" anchorCtr="0">
+            <a:noAutofit/>
+          </a:bodyPr>
+          <a:lstStyle/>
+          <a:p>
+            <a:pPr algn="r" rtl="0" lvl="0" marR="0" indent="0" marL="0">
+              <a:spcBef>
+                <a:spcPts val="0"/>
+              </a:spcBef>
+              <a:buSzPct val="25000"/>
+              <a:buNone/>
+            </a:pPr>
+            <a:r>
+              <a:rPr lang="en-US"/>
+              <a:t> </a:t>
+            </a:r>
+          </a:p>
+        </p:txBody>
+      </p:sp>
+      <p:sp>
+        <p:nvSpPr>
+          <p:cNvPr id="241" name="Shape 241"/>
+          <p:cNvSpPr/>
+          <p:nvPr/>
+        </p:nvSpPr>
+        <p:spPr>
+          <a:xfrm>
+            <a:off y="1751028" x="457199"/>
+            <a:ext cy="1372108" cx="3844224"/>
           </a:xfrm>
           <a:prstGeom prst="rect">
             <a:avLst/>
@@ -7666,117 +7952,6 @@
                 <a:spcPts val="0"/>
               </a:spcBef>
               <a:buClr>
-                <a:srgbClr val="000000"/>
-              </a:buClr>
-              <a:buSzPct val="100000"/>
-              <a:buFont typeface="Comic Sans MS"/>
-              <a:buChar char="•"/>
-            </a:pPr>
-            <a:r>
-              <a:rPr strike="noStrike" u="none" b="0" cap="none" baseline="0" sz="2000" lang="en-US" i="0">
-                <a:latin typeface="Comic Sans MS"/>
-                <a:ea typeface="Comic Sans MS"/>
-                <a:cs typeface="Comic Sans MS"/>
-                <a:sym typeface="Comic Sans MS"/>
-              </a:rPr>
-              <a:t>Programmare dei giochi offre molte opportunità per esplorare vari concetti e abilità computazionali.</a:t>
-            </a:r>
-          </a:p>
-          <a:p>
-            <a:pPr algn="l" rtl="0" lvl="0" marR="0" indent="-214311" marL="214311">
-              <a:spcBef>
-                <a:spcPts val="400"/>
-              </a:spcBef>
-              <a:buClr>
-                <a:srgbClr val="000000"/>
-              </a:buClr>
-              <a:buSzPct val="100000"/>
-              <a:buFont typeface="Comic Sans MS"/>
-              <a:buChar char="•"/>
-            </a:pPr>
-            <a:r>
-              <a:rPr strike="noStrike" u="none" b="0" cap="none" baseline="0" sz="2000" lang="en-US" i="0">
-                <a:latin typeface="Comic Sans MS"/>
-                <a:ea typeface="Comic Sans MS"/>
-                <a:cs typeface="Comic Sans MS"/>
-                <a:sym typeface="Comic Sans MS"/>
-              </a:rPr>
-              <a:t>Qui mostriamo alcuni blocchi che sono molto utilizzati per i giochi.</a:t>
-            </a:r>
-          </a:p>
-        </p:txBody>
-      </p:sp>
-      <p:sp>
-        <p:nvSpPr>
-          <p:cNvPr id="241" name="Shape 241"/>
-          <p:cNvSpPr txBox="1"/>
-          <p:nvPr>
-            <p:ph idx="12" type="sldNum"/>
-          </p:nvPr>
-        </p:nvSpPr>
-        <p:spPr>
-          <a:xfrm>
-            <a:off y="6356350" x="6553200"/>
-            <a:ext cy="358139" cx="898575"/>
-          </a:xfrm>
-          <a:prstGeom prst="rect">
-            <a:avLst/>
-          </a:prstGeom>
-          <a:noFill/>
-          <a:ln>
-            <a:noFill/>
-          </a:ln>
-        </p:spPr>
-        <p:txBody>
-          <a:bodyPr bIns="45700" rIns="45700" lIns="45700" tIns="45700" anchor="t" anchorCtr="0">
-            <a:noAutofit/>
-          </a:bodyPr>
-          <a:lstStyle/>
-          <a:p>
-            <a:pPr algn="r" rtl="0" lvl="0" marR="0" indent="0" marL="0">
-              <a:spcBef>
-                <a:spcPts val="0"/>
-              </a:spcBef>
-              <a:buSzPct val="25000"/>
-              <a:buNone/>
-            </a:pPr>
-            <a:r>
-              <a:rPr lang="en-US"/>
-              <a:t> </a:t>
-            </a:r>
-          </a:p>
-        </p:txBody>
-      </p:sp>
-      <p:sp>
-        <p:nvSpPr>
-          <p:cNvPr id="242" name="Shape 242"/>
-          <p:cNvSpPr/>
-          <p:nvPr/>
-        </p:nvSpPr>
-        <p:spPr>
-          <a:xfrm>
-            <a:off y="3171596" x="457199"/>
-            <a:ext cy="1372108" cx="3844224"/>
-          </a:xfrm>
-          <a:prstGeom prst="rect">
-            <a:avLst/>
-          </a:prstGeom>
-          <a:noFill/>
-          <a:ln>
-            <a:noFill/>
-          </a:ln>
-        </p:spPr>
-        <p:txBody>
-          <a:bodyPr bIns="45700" rIns="45700" lIns="45700" tIns="45700" anchor="t" anchorCtr="0">
-            <a:noAutofit/>
-          </a:bodyPr>
-          <a:lstStyle/>
-          <a:p>
-            <a:pPr algn="l" rtl="0" lvl="0" marR="0" indent="-214311" marL="214311">
-              <a:spcBef>
-                <a:spcPts val="0"/>
-              </a:spcBef>
-              <a:buClr>
                 <a:srgbClr val="FF9900"/>
               </a:buClr>
               <a:buSzPct val="100000"/>
@@ -7793,7 +7968,7 @@
                 <a:cs typeface="Comic Sans MS"/>
                 <a:sym typeface="Comic Sans MS"/>
               </a:rPr>
-              <a:t>Toccare</a:t>
+              <a:t>Casuale</a:t>
             </a:r>
           </a:p>
           <a:p>
@@ -7815,14 +7990,14 @@
                 <a:cs typeface="Comic Sans MS"/>
                 <a:sym typeface="Comic Sans MS"/>
               </a:rPr>
-              <a:t>Verifica se 2 sprites si stanno toccando o e se uno sta toccando un colore.</a:t>
+              <a:t>Ricevi un numero casuale generato dal computer all’interno dell’intervallo </a:t>
             </a:r>
           </a:p>
         </p:txBody>
       </p:sp>
       <p:pic>
         <p:nvPicPr>
-          <p:cNvPr id="243" name="Shape 243"/>
+          <p:cNvPr id="242" name="Shape 242"/>
           <p:cNvPicPr preferRelativeResize="0"/>
           <p:nvPr/>
         </p:nvPicPr>
@@ -7833,8 +8008,8 @@
         </p:blipFill>
         <p:spPr>
           <a:xfrm>
-            <a:off y="274637" x="7675270"/>
-            <a:ext cy="957053" cx="957053"/>
+            <a:off y="4847094" x="4226716"/>
+            <a:ext cy="957054" cx="957053"/>
           </a:xfrm>
           <a:prstGeom prst="rect">
             <a:avLst/>
@@ -7847,13 +8022,13 @@
       </p:pic>
       <p:sp>
         <p:nvSpPr>
-          <p:cNvPr id="244" name="Shape 244"/>
+          <p:cNvPr id="243" name="Shape 243"/>
           <p:cNvSpPr/>
           <p:nvPr/>
         </p:nvSpPr>
         <p:spPr>
           <a:xfrm>
-            <a:off y="3133496" x="4549480"/>
+            <a:off y="1751028" x="4549480"/>
             <a:ext cy="1080008" cx="3844223"/>
           </a:xfrm>
           <a:prstGeom prst="rect">
@@ -7891,7 +8066,7 @@
                 <a:cs typeface="Comic Sans MS"/>
                 <a:sym typeface="Comic Sans MS"/>
               </a:rPr>
-              <a:t>Visibilità</a:t>
+              <a:t>Cronometro</a:t>
             </a:r>
           </a:p>
           <a:p>
@@ -7913,14 +8088,178 @@
                 <a:cs typeface="Comic Sans MS"/>
                 <a:sym typeface="Comic Sans MS"/>
               </a:rPr>
-              <a:t>Fai apparire o sparire uno sprite</a:t>
+              <a:t>Il computer può cronometrare il tempo per te</a:t>
+            </a:r>
+          </a:p>
+        </p:txBody>
+      </p:sp>
+      <p:sp>
+        <p:nvSpPr>
+          <p:cNvPr id="244" name="Shape 244"/>
+          <p:cNvSpPr/>
+          <p:nvPr/>
+        </p:nvSpPr>
+        <p:spPr>
+          <a:xfrm>
+            <a:off y="3643703" x="457199"/>
+            <a:ext cy="1080008" cx="3844224"/>
+          </a:xfrm>
+          <a:prstGeom prst="rect">
+            <a:avLst/>
+          </a:prstGeom>
+          <a:noFill/>
+          <a:ln>
+            <a:noFill/>
+          </a:ln>
+        </p:spPr>
+        <p:txBody>
+          <a:bodyPr bIns="45700" rIns="45700" lIns="45700" tIns="45700" anchor="t" anchorCtr="0">
+            <a:noAutofit/>
+          </a:bodyPr>
+          <a:lstStyle/>
+          <a:p>
+            <a:pPr algn="l" rtl="0" lvl="0" marR="0" indent="-214311" marL="214311">
+              <a:spcBef>
+                <a:spcPts val="0"/>
+              </a:spcBef>
+              <a:buClr>
+                <a:srgbClr val="FF9900"/>
+              </a:buClr>
+              <a:buSzPct val="100000"/>
+              <a:buFont typeface="Comic Sans MS"/>
+              <a:buChar char="•"/>
+            </a:pPr>
+            <a:r>
+              <a:rPr sz="2000" lang="en-US">
+                <a:solidFill>
+                  <a:srgbClr val="FF9900"/>
+                </a:solidFill>
+                <a:latin typeface="Comic Sans MS"/>
+                <a:ea typeface="Comic Sans MS"/>
+                <a:cs typeface="Comic Sans MS"/>
+                <a:sym typeface="Comic Sans MS"/>
+              </a:rPr>
+              <a:t>Testi</a:t>
+            </a:r>
+          </a:p>
+          <a:p>
+            <a:pPr algn="just" rtl="0" lvl="1" marR="0" indent="-163285" marL="620485">
+              <a:spcBef>
+                <a:spcPts val="300"/>
+              </a:spcBef>
+              <a:buClr>
+                <a:srgbClr val="000000"/>
+              </a:buClr>
+              <a:buSzPct val="100000"/>
+              <a:buFont typeface="Comic Sans MS"/>
+              <a:buChar char="–"/>
+            </a:pPr>
+            <a:r>
+              <a:rPr strike="noStrike" u="none" b="0" cap="none" baseline="0" sz="1600" lang="en-US" i="0">
+                <a:latin typeface="Comic Sans MS"/>
+                <a:ea typeface="Comic Sans MS"/>
+                <a:cs typeface="Comic Sans MS"/>
+                <a:sym typeface="Comic Sans MS"/>
+              </a:rPr>
+              <a:t>Confronta, leggi e cambia parole e frasi</a:t>
+            </a:r>
+          </a:p>
+        </p:txBody>
+      </p:sp>
+      <p:sp>
+        <p:nvSpPr>
+          <p:cNvPr id="245" name="Shape 245"/>
+          <p:cNvSpPr/>
+          <p:nvPr/>
+        </p:nvSpPr>
+        <p:spPr>
+          <a:xfrm>
+            <a:off y="3497653" x="4549480"/>
+            <a:ext cy="1372108" cx="3844223"/>
+          </a:xfrm>
+          <a:prstGeom prst="rect">
+            <a:avLst/>
+          </a:prstGeom>
+          <a:noFill/>
+          <a:ln>
+            <a:noFill/>
+          </a:ln>
+        </p:spPr>
+        <p:txBody>
+          <a:bodyPr bIns="45700" rIns="45700" lIns="45700" tIns="45700" anchor="t" anchorCtr="0">
+            <a:noAutofit/>
+          </a:bodyPr>
+          <a:lstStyle/>
+          <a:p>
+            <a:pPr algn="l" rtl="0" lvl="0" marR="0" indent="-214311" marL="214311">
+              <a:spcBef>
+                <a:spcPts val="0"/>
+              </a:spcBef>
+              <a:buClr>
+                <a:srgbClr val="FF9900"/>
+              </a:buClr>
+              <a:buSzPct val="100000"/>
+              <a:buFont typeface="Comic Sans MS"/>
+              <a:buChar char="•"/>
+            </a:pPr>
+            <a:r>
+              <a:rPr strike="noStrike" u="none" b="0" cap="none" baseline="0" sz="2000" lang="en-US" i="0">
+                <a:solidFill>
+                  <a:srgbClr val="FF9900"/>
+                </a:solidFill>
+                <a:latin typeface="Comic Sans MS"/>
+                <a:ea typeface="Comic Sans MS"/>
+                <a:cs typeface="Comic Sans MS"/>
+                <a:sym typeface="Comic Sans MS"/>
+              </a:rPr>
+              <a:t>Variabili</a:t>
+            </a:r>
+          </a:p>
+          <a:p>
+            <a:pPr algn="just" rtl="0" lvl="1" marR="0" indent="-163285" marL="620485">
+              <a:spcBef>
+                <a:spcPts val="300"/>
+              </a:spcBef>
+              <a:buClr>
+                <a:srgbClr val="000000"/>
+              </a:buClr>
+              <a:buSzPct val="100000"/>
+              <a:buFont typeface="Comic Sans MS"/>
+              <a:buChar char="–"/>
+            </a:pPr>
+            <a:r>
+              <a:rPr strike="noStrike" u="none" b="0" cap="none" baseline="0" sz="1600" lang="en-US" i="0">
+                <a:latin typeface="Comic Sans MS"/>
+                <a:ea typeface="Comic Sans MS"/>
+                <a:cs typeface="Comic Sans MS"/>
+                <a:sym typeface="Comic Sans MS"/>
+              </a:rPr>
+              <a:t>Registra un numero o una </a:t>
+            </a:r>
+            <a:r>
+              <a:rPr sz="1600" lang="en-US">
+                <a:latin typeface="Comic Sans MS"/>
+                <a:ea typeface="Comic Sans MS"/>
+                <a:cs typeface="Comic Sans MS"/>
+                <a:sym typeface="Comic Sans MS"/>
+              </a:rPr>
+              <a:t>testo</a:t>
+            </a:r>
+            <a:r>
+              <a:rPr strike="noStrike" u="none" b="0" cap="none" baseline="0" sz="1600" lang="en-US" i="0">
+                <a:latin typeface="Comic Sans MS"/>
+                <a:ea typeface="Comic Sans MS"/>
+                <a:cs typeface="Comic Sans MS"/>
+                <a:sym typeface="Comic Sans MS"/>
+              </a:rPr>
+              <a:t> in un contenitore per leggerlo dopo</a:t>
             </a:r>
           </a:p>
         </p:txBody>
       </p:sp>
       <p:pic>
         <p:nvPicPr>
-          <p:cNvPr id="245" name="Shape 245"/>
+          <p:cNvPr id="246" name="Shape 246"/>
           <p:cNvPicPr preferRelativeResize="0"/>
           <p:nvPr/>
         </p:nvPicPr>
@@ -7931,8 +8270,8 @@
         </p:blipFill>
         <p:spPr>
           <a:xfrm>
-            <a:off y="4705401" x="781050"/>
-            <a:ext cy="1263600" cx="3488630"/>
+            <a:off y="3178723" x="1417220"/>
+            <a:ext cy="341595" cx="2686181"/>
           </a:xfrm>
           <a:prstGeom prst="rect">
             <a:avLst/>
@@ -7945,7 +8284,7 @@
       </p:pic>
       <p:pic>
         <p:nvPicPr>
-          <p:cNvPr id="246" name="Shape 246"/>
+          <p:cNvPr id="247" name="Shape 247"/>
           <p:cNvPicPr preferRelativeResize="0"/>
           <p:nvPr/>
         </p:nvPicPr>
@@ -7956,500 +8295,8 @@
         </p:blipFill>
         <p:spPr>
           <a:xfrm>
-            <a:off y="4765700" x="6346944"/>
-            <a:ext cy="1143001" cx="1311088"/>
-          </a:xfrm>
-          <a:prstGeom prst="rect">
-            <a:avLst/>
-          </a:prstGeom>
-          <a:noFill/>
-          <a:ln>
-            <a:noFill/>
-          </a:ln>
-        </p:spPr>
-      </p:pic>
-    </p:spTree>
-  </p:cSld>
-  <p:clrMapOvr>
-    <a:masterClrMapping/>
-  </p:clrMapOvr>
-  <p:transition spd="slow">
-    <p:cut/>
-  </p:transition>
-</p:sld>
-</file>
-
-<file path=ppt/slides/slide17.xml><?xml version="1.0" encoding="utf-8"?>
-<p:sld xmlns:a="http://schemas.openxmlformats.org/drawingml/2006/main" xmlns:r="http://schemas.openxmlformats.org/officeDocument/2006/relationships" xmlns:mc="http://schemas.openxmlformats.org/markup-compatibility/2006" xmlns:mv="urn:schemas-microsoft-com:mac:vml" xmlns:p="http://schemas.openxmlformats.org/presentationml/2006/main" xmlns:c="http://schemas.openxmlformats.org/drawingml/2006/chart" xmlns:dgm="http://schemas.openxmlformats.org/drawingml/2006/diagram" xmlns:o="urn:schemas-microsoft-com:office:office" xmlns:v="urn:schemas-microsoft-com:vml" xmlns:pvml="urn:schemas-microsoft-com:office:powerpoint" xmlns:com="http://schemas.openxmlformats.org/drawingml/2006/compatibility" xmlns:p14="http://schemas.microsoft.com/office/powerpoint/2010/main">
-  <p:cSld>
-    <p:spTree>
-      <p:nvGrpSpPr>
-        <p:cNvPr id="250" name="Shape 250"/>
-        <p:cNvGrpSpPr/>
-        <p:nvPr/>
-      </p:nvGrpSpPr>
-      <p:grpSpPr>
-        <a:xfrm>
-          <a:off y="0" x="0"/>
-          <a:ext cy="0" cx="0"/>
-          <a:chOff y="0" x="0"/>
-          <a:chExt cy="0" cx="0"/>
-        </a:xfrm>
-      </p:grpSpPr>
-      <p:sp>
-        <p:nvSpPr>
-          <p:cNvPr id="251" name="Shape 251"/>
-          <p:cNvSpPr txBox="1"/>
-          <p:nvPr>
-            <p:ph type="title"/>
-          </p:nvPr>
-        </p:nvSpPr>
-        <p:spPr>
-          <a:xfrm>
-            <a:off y="274637" x="2681190"/>
-            <a:ext cy="1143001" cx="6005609"/>
-          </a:xfrm>
-          <a:prstGeom prst="rect">
-            <a:avLst/>
-          </a:prstGeom>
-          <a:noFill/>
-          <a:ln>
-            <a:noFill/>
-          </a:ln>
-        </p:spPr>
-        <p:txBody>
-          <a:bodyPr bIns="45700" rIns="45700" lIns="45700" tIns="45700" anchor="t" anchorCtr="0">
-            <a:noAutofit/>
-          </a:bodyPr>
-          <a:lstStyle/>
-          <a:p>
-            <a:pPr algn="ctr" rtl="0" lvl="0" marR="0" indent="0" marL="0">
-              <a:spcBef>
-                <a:spcPts val="0"/>
-              </a:spcBef>
-              <a:buSzPct val="25000"/>
-              <a:buNone/>
-            </a:pPr>
-            <a:r>
-              <a:rPr strike="noStrike" u="none" b="0" cap="none" baseline="0" sz="2920" lang="en-US" i="0">
-                <a:latin typeface="Comic Sans MS"/>
-                <a:ea typeface="Comic Sans MS"/>
-                <a:cs typeface="Comic Sans MS"/>
-                <a:sym typeface="Comic Sans MS"/>
-              </a:rPr>
-              <a:t>Blocchi utili </a:t>
-            </a:r>
-            <a:br>
-              <a:rPr strike="noStrike" u="none" b="0" cap="none" baseline="0" sz="2920" lang="en-US" i="0">
-                <a:latin typeface="Comic Sans MS"/>
-                <a:ea typeface="Comic Sans MS"/>
-                <a:cs typeface="Comic Sans MS"/>
-                <a:sym typeface="Comic Sans MS"/>
-              </a:rPr>
-            </a:br>
-            <a:r>
-              <a:rPr strike="noStrike" u="none" b="0" cap="none" baseline="0" sz="2920" lang="en-US" i="0">
-                <a:latin typeface="Comic Sans MS"/>
-                <a:ea typeface="Comic Sans MS"/>
-                <a:cs typeface="Comic Sans MS"/>
-                <a:sym typeface="Comic Sans MS"/>
-              </a:rPr>
-              <a:t>per i giochi</a:t>
-            </a:r>
-          </a:p>
-        </p:txBody>
-      </p:sp>
-      <p:sp>
-        <p:nvSpPr>
-          <p:cNvPr id="252" name="Shape 252"/>
-          <p:cNvSpPr txBox="1"/>
-          <p:nvPr>
-            <p:ph idx="12" type="sldNum"/>
-          </p:nvPr>
-        </p:nvSpPr>
-        <p:spPr>
-          <a:xfrm>
-            <a:off y="6356350" x="6553200"/>
-            <a:ext cy="358139" cx="898575"/>
-          </a:xfrm>
-          <a:prstGeom prst="rect">
-            <a:avLst/>
-          </a:prstGeom>
-          <a:noFill/>
-          <a:ln>
-            <a:noFill/>
-          </a:ln>
-        </p:spPr>
-        <p:txBody>
-          <a:bodyPr bIns="45700" rIns="45700" lIns="45700" tIns="45700" anchor="t" anchorCtr="0">
-            <a:noAutofit/>
-          </a:bodyPr>
-          <a:lstStyle/>
-          <a:p>
-            <a:pPr algn="r" rtl="0" lvl="0" marR="0" indent="0" marL="0">
-              <a:spcBef>
-                <a:spcPts val="0"/>
-              </a:spcBef>
-              <a:buSzPct val="25000"/>
-              <a:buNone/>
-            </a:pPr>
-            <a:r>
-              <a:rPr lang="en-US"/>
-              <a:t> </a:t>
-            </a:r>
-          </a:p>
-        </p:txBody>
-      </p:sp>
-      <p:sp>
-        <p:nvSpPr>
-          <p:cNvPr id="253" name="Shape 253"/>
-          <p:cNvSpPr/>
-          <p:nvPr/>
-        </p:nvSpPr>
-        <p:spPr>
-          <a:xfrm>
-            <a:off y="1751028" x="457199"/>
-            <a:ext cy="1372108" cx="3844224"/>
-          </a:xfrm>
-          <a:prstGeom prst="rect">
-            <a:avLst/>
-          </a:prstGeom>
-          <a:noFill/>
-          <a:ln>
-            <a:noFill/>
-          </a:ln>
-        </p:spPr>
-        <p:txBody>
-          <a:bodyPr bIns="45700" rIns="45700" lIns="45700" tIns="45700" anchor="t" anchorCtr="0">
-            <a:noAutofit/>
-          </a:bodyPr>
-          <a:lstStyle/>
-          <a:p>
-            <a:pPr algn="l" rtl="0" lvl="0" marR="0" indent="-214311" marL="214311">
-              <a:spcBef>
-                <a:spcPts val="0"/>
-              </a:spcBef>
-              <a:buClr>
-                <a:srgbClr val="FF9900"/>
-              </a:buClr>
-              <a:buSzPct val="100000"/>
-              <a:buFont typeface="Comic Sans MS"/>
-              <a:buChar char="•"/>
-            </a:pPr>
-            <a:r>
-              <a:rPr strike="noStrike" u="none" b="0" cap="none" baseline="0" sz="2000" lang="en-US" i="0">
-                <a:solidFill>
-                  <a:srgbClr val="FF9900"/>
-                </a:solidFill>
-                <a:latin typeface="Comic Sans MS"/>
-                <a:ea typeface="Comic Sans MS"/>
-                <a:cs typeface="Comic Sans MS"/>
-                <a:sym typeface="Comic Sans MS"/>
-              </a:rPr>
-              <a:t>Casuale</a:t>
-            </a:r>
-          </a:p>
-          <a:p>
-            <a:pPr algn="just" rtl="0" lvl="1" marR="0" indent="-163285" marL="620485">
-              <a:spcBef>
-                <a:spcPts val="300"/>
-              </a:spcBef>
-              <a:buClr>
-                <a:srgbClr val="000000"/>
-              </a:buClr>
-              <a:buSzPct val="100000"/>
-              <a:buFont typeface="Comic Sans MS"/>
-              <a:buChar char="–"/>
-            </a:pPr>
-            <a:r>
-              <a:rPr strike="noStrike" u="none" b="0" cap="none" baseline="0" sz="1600" lang="en-US" i="0">
-                <a:latin typeface="Comic Sans MS"/>
-                <a:ea typeface="Comic Sans MS"/>
-                <a:cs typeface="Comic Sans MS"/>
-                <a:sym typeface="Comic Sans MS"/>
-              </a:rPr>
-              <a:t>Ricevi un numero casuale generato dal computer all’interno dell’intervallo </a:t>
-            </a:r>
-          </a:p>
-        </p:txBody>
-      </p:sp>
-      <p:pic>
-        <p:nvPicPr>
-          <p:cNvPr id="254" name="Shape 254"/>
-          <p:cNvPicPr preferRelativeResize="0"/>
-          <p:nvPr/>
-        </p:nvPicPr>
-        <p:blipFill rotWithShape="1">
-          <a:blip r:embed="rId3"/>
-          <a:srcRect t="0" b="0" r="0" l="0"/>
-          <a:stretch/>
-        </p:blipFill>
-        <p:spPr>
-          <a:xfrm>
-            <a:off y="4847094" x="4226716"/>
-            <a:ext cy="957054" cx="957053"/>
-          </a:xfrm>
-          <a:prstGeom prst="rect">
-            <a:avLst/>
-          </a:prstGeom>
-          <a:noFill/>
-          <a:ln>
-            <a:noFill/>
-          </a:ln>
-        </p:spPr>
-      </p:pic>
-      <p:sp>
-        <p:nvSpPr>
-          <p:cNvPr id="255" name="Shape 255"/>
-          <p:cNvSpPr/>
-          <p:nvPr/>
-        </p:nvSpPr>
-        <p:spPr>
-          <a:xfrm>
-            <a:off y="1751028" x="4549480"/>
-            <a:ext cy="1080008" cx="3844223"/>
-          </a:xfrm>
-          <a:prstGeom prst="rect">
-            <a:avLst/>
-          </a:prstGeom>
-          <a:noFill/>
-          <a:ln>
-            <a:noFill/>
-          </a:ln>
-        </p:spPr>
-        <p:txBody>
-          <a:bodyPr bIns="45700" rIns="45700" lIns="45700" tIns="45700" anchor="t" anchorCtr="0">
-            <a:noAutofit/>
-          </a:bodyPr>
-          <a:lstStyle/>
-          <a:p>
-            <a:pPr algn="l" rtl="0" lvl="0" marR="0" indent="-214311" marL="214311">
-              <a:spcBef>
-                <a:spcPts val="0"/>
-              </a:spcBef>
-              <a:buClr>
-                <a:srgbClr val="FF9900"/>
-              </a:buClr>
-              <a:buSzPct val="100000"/>
-              <a:buFont typeface="Comic Sans MS"/>
-              <a:buChar char="•"/>
-            </a:pPr>
-            <a:r>
-              <a:rPr strike="noStrike" u="none" b="0" cap="none" baseline="0" sz="2000" lang="en-US" i="0">
-                <a:solidFill>
-                  <a:srgbClr val="FF9900"/>
-                </a:solidFill>
-                <a:latin typeface="Comic Sans MS"/>
-                <a:ea typeface="Comic Sans MS"/>
-                <a:cs typeface="Comic Sans MS"/>
-                <a:sym typeface="Comic Sans MS"/>
-              </a:rPr>
-              <a:t>Cronometro</a:t>
-            </a:r>
-          </a:p>
-          <a:p>
-            <a:pPr algn="just" rtl="0" lvl="1" marR="0" indent="-163285" marL="620485">
-              <a:spcBef>
-                <a:spcPts val="300"/>
-              </a:spcBef>
-              <a:buClr>
-                <a:srgbClr val="000000"/>
-              </a:buClr>
-              <a:buSzPct val="100000"/>
-              <a:buFont typeface="Comic Sans MS"/>
-              <a:buChar char="–"/>
-            </a:pPr>
-            <a:r>
-              <a:rPr strike="noStrike" u="none" b="0" cap="none" baseline="0" sz="1600" lang="en-US" i="0">
-                <a:latin typeface="Comic Sans MS"/>
-                <a:ea typeface="Comic Sans MS"/>
-                <a:cs typeface="Comic Sans MS"/>
-                <a:sym typeface="Comic Sans MS"/>
-              </a:rPr>
-              <a:t>Il computer può cronometrare il tempo per te</a:t>
-            </a:r>
-          </a:p>
-        </p:txBody>
-      </p:sp>
-      <p:sp>
-        <p:nvSpPr>
-          <p:cNvPr id="256" name="Shape 256"/>
-          <p:cNvSpPr/>
-          <p:nvPr/>
-        </p:nvSpPr>
-        <p:spPr>
-          <a:xfrm>
-            <a:off y="3643703" x="457199"/>
-            <a:ext cy="1080008" cx="3844224"/>
-          </a:xfrm>
-          <a:prstGeom prst="rect">
-            <a:avLst/>
-          </a:prstGeom>
-          <a:noFill/>
-          <a:ln>
-            <a:noFill/>
-          </a:ln>
-        </p:spPr>
-        <p:txBody>
-          <a:bodyPr bIns="45700" rIns="45700" lIns="45700" tIns="45700" anchor="t" anchorCtr="0">
-            <a:noAutofit/>
-          </a:bodyPr>
-          <a:lstStyle/>
-          <a:p>
-            <a:pPr algn="l" rtl="0" lvl="0" marR="0" indent="-214311" marL="214311">
-              <a:spcBef>
-                <a:spcPts val="0"/>
-              </a:spcBef>
-              <a:buClr>
-                <a:srgbClr val="FF9900"/>
-              </a:buClr>
-              <a:buSzPct val="100000"/>
-              <a:buFont typeface="Comic Sans MS"/>
-              <a:buChar char="•"/>
-            </a:pPr>
-            <a:r>
-              <a:rPr sz="2000" lang="en-US">
-                <a:solidFill>
-                  <a:srgbClr val="FF9900"/>
-                </a:solidFill>
-                <a:latin typeface="Comic Sans MS"/>
-                <a:ea typeface="Comic Sans MS"/>
-                <a:cs typeface="Comic Sans MS"/>
-                <a:sym typeface="Comic Sans MS"/>
-              </a:rPr>
-              <a:t>Testi</a:t>
-            </a:r>
-          </a:p>
-          <a:p>
-            <a:pPr algn="just" rtl="0" lvl="1" marR="0" indent="-163285" marL="620485">
-              <a:spcBef>
-                <a:spcPts val="300"/>
-              </a:spcBef>
-              <a:buClr>
-                <a:srgbClr val="000000"/>
-              </a:buClr>
-              <a:buSzPct val="100000"/>
-              <a:buFont typeface="Comic Sans MS"/>
-              <a:buChar char="–"/>
-            </a:pPr>
-            <a:r>
-              <a:rPr strike="noStrike" u="none" b="0" cap="none" baseline="0" sz="1600" lang="en-US" i="0">
-                <a:latin typeface="Comic Sans MS"/>
-                <a:ea typeface="Comic Sans MS"/>
-                <a:cs typeface="Comic Sans MS"/>
-                <a:sym typeface="Comic Sans MS"/>
-              </a:rPr>
-              <a:t>Confronta, leggi e cambia parole e frasi</a:t>
-            </a:r>
-          </a:p>
-        </p:txBody>
-      </p:sp>
-      <p:sp>
-        <p:nvSpPr>
-          <p:cNvPr id="257" name="Shape 257"/>
-          <p:cNvSpPr/>
-          <p:nvPr/>
-        </p:nvSpPr>
-        <p:spPr>
-          <a:xfrm>
-            <a:off y="3497653" x="4549480"/>
-            <a:ext cy="1372108" cx="3844223"/>
-          </a:xfrm>
-          <a:prstGeom prst="rect">
-            <a:avLst/>
-          </a:prstGeom>
-          <a:noFill/>
-          <a:ln>
-            <a:noFill/>
-          </a:ln>
-        </p:spPr>
-        <p:txBody>
-          <a:bodyPr bIns="45700" rIns="45700" lIns="45700" tIns="45700" anchor="t" anchorCtr="0">
-            <a:noAutofit/>
-          </a:bodyPr>
-          <a:lstStyle/>
-          <a:p>
-            <a:pPr algn="l" rtl="0" lvl="0" marR="0" indent="-214311" marL="214311">
-              <a:spcBef>
-                <a:spcPts val="0"/>
-              </a:spcBef>
-              <a:buClr>
-                <a:srgbClr val="FF9900"/>
-              </a:buClr>
-              <a:buSzPct val="100000"/>
-              <a:buFont typeface="Comic Sans MS"/>
-              <a:buChar char="•"/>
-            </a:pPr>
-            <a:r>
-              <a:rPr strike="noStrike" u="none" b="0" cap="none" baseline="0" sz="2000" lang="en-US" i="0">
-                <a:solidFill>
-                  <a:srgbClr val="FF9900"/>
-                </a:solidFill>
-                <a:latin typeface="Comic Sans MS"/>
-                <a:ea typeface="Comic Sans MS"/>
-                <a:cs typeface="Comic Sans MS"/>
-                <a:sym typeface="Comic Sans MS"/>
-              </a:rPr>
-              <a:t>Variabili</a:t>
-            </a:r>
-          </a:p>
-          <a:p>
-            <a:pPr algn="just" rtl="0" lvl="1" marR="0" indent="-163285" marL="620485">
-              <a:spcBef>
-                <a:spcPts val="300"/>
-              </a:spcBef>
-              <a:buClr>
-                <a:srgbClr val="000000"/>
-              </a:buClr>
-              <a:buSzPct val="100000"/>
-              <a:buFont typeface="Comic Sans MS"/>
-              <a:buChar char="–"/>
-            </a:pPr>
-            <a:r>
-              <a:rPr strike="noStrike" u="none" b="0" cap="none" baseline="0" sz="1600" lang="en-US" i="0">
-                <a:latin typeface="Comic Sans MS"/>
-                <a:ea typeface="Comic Sans MS"/>
-                <a:cs typeface="Comic Sans MS"/>
-                <a:sym typeface="Comic Sans MS"/>
-              </a:rPr>
-              <a:t>Registra un numero o una </a:t>
-            </a:r>
-            <a:r>
-              <a:rPr sz="1600" lang="en-US">
-                <a:latin typeface="Comic Sans MS"/>
-                <a:ea typeface="Comic Sans MS"/>
-                <a:cs typeface="Comic Sans MS"/>
-                <a:sym typeface="Comic Sans MS"/>
-              </a:rPr>
-              <a:t>testo</a:t>
-            </a:r>
-            <a:r>
-              <a:rPr strike="noStrike" u="none" b="0" cap="none" baseline="0" sz="1600" lang="en-US" i="0">
-                <a:latin typeface="Comic Sans MS"/>
-                <a:ea typeface="Comic Sans MS"/>
-                <a:cs typeface="Comic Sans MS"/>
-                <a:sym typeface="Comic Sans MS"/>
-              </a:rPr>
-              <a:t> in un contenitore per leggerlo dopo</a:t>
-            </a:r>
-          </a:p>
-        </p:txBody>
-      </p:sp>
-      <p:pic>
-        <p:nvPicPr>
-          <p:cNvPr id="258" name="Shape 258"/>
-          <p:cNvPicPr preferRelativeResize="0"/>
-          <p:nvPr/>
-        </p:nvPicPr>
-        <p:blipFill rotWithShape="1">
-          <a:blip r:embed="rId4"/>
-          <a:srcRect t="0" b="0" r="0" l="0"/>
-          <a:stretch/>
-        </p:blipFill>
-        <p:spPr>
-          <a:xfrm>
-            <a:off y="3178723" x="1417220"/>
-            <a:ext cy="341595" cx="2686181"/>
+            <a:off y="5038380" x="1562100"/>
+            <a:ext cy="1003301" cx="1930399"/>
           </a:xfrm>
           <a:prstGeom prst="rect">
             <a:avLst/>
@@ -8462,32 +8309,7 @@
       </p:pic>
       <p:pic>
         <p:nvPicPr>
-          <p:cNvPr id="259" name="Shape 259"/>
-          <p:cNvPicPr preferRelativeResize="0"/>
-          <p:nvPr/>
-        </p:nvPicPr>
-        <p:blipFill rotWithShape="1">
-          <a:blip r:embed="rId5"/>
-          <a:srcRect t="0" b="0" r="0" l="0"/>
-          <a:stretch/>
-        </p:blipFill>
-        <p:spPr>
-          <a:xfrm>
-            <a:off y="5038380" x="1562100"/>
-            <a:ext cy="1003301" cx="1930399"/>
-          </a:xfrm>
-          <a:prstGeom prst="rect">
-            <a:avLst/>
-          </a:prstGeom>
-          <a:noFill/>
-          <a:ln>
-            <a:noFill/>
-          </a:ln>
-        </p:spPr>
-      </p:pic>
-      <p:pic>
-        <p:nvPicPr>
-          <p:cNvPr id="260" name="Shape 260"/>
+          <p:cNvPr id="248" name="Shape 248"/>
           <p:cNvPicPr preferRelativeResize="0"/>
           <p:nvPr/>
         </p:nvPicPr>
@@ -8512,7 +8334,7 @@
       </p:pic>
       <p:pic>
         <p:nvPicPr>
-          <p:cNvPr id="261" name="Shape 261"/>
+          <p:cNvPr id="249" name="Shape 249"/>
           <p:cNvPicPr preferRelativeResize="0"/>
           <p:nvPr/>
         </p:nvPicPr>
@@ -8537,7 +8359,7 @@
       </p:pic>
       <p:pic>
         <p:nvPicPr>
-          <p:cNvPr id="262" name="Shape 262"/>
+          <p:cNvPr id="250" name="Shape 250"/>
           <p:cNvPicPr preferRelativeResize="0"/>
           <p:nvPr/>
         </p:nvPicPr>
@@ -8550,6 +8372,31 @@
           <a:xfrm>
             <a:off y="4564883" x="6709571"/>
             <a:ext cy="1764038" cx="2250278"/>
+          </a:xfrm>
+          <a:prstGeom prst="rect">
+            <a:avLst/>
+          </a:prstGeom>
+          <a:noFill/>
+          <a:ln>
+            <a:noFill/>
+          </a:ln>
+        </p:spPr>
+      </p:pic>
+      <p:pic>
+        <p:nvPicPr>
+          <p:cNvPr id="251" name="Shape 251"/>
+          <p:cNvPicPr preferRelativeResize="0"/>
+          <p:nvPr/>
+        </p:nvPicPr>
+        <p:blipFill rotWithShape="1">
+          <a:blip r:embed="rId9"/>
+          <a:srcRect t="0" b="0" r="0" l="0"/>
+          <a:stretch/>
+        </p:blipFill>
+        <p:spPr>
+          <a:xfrm>
+            <a:off y="6388100" x="7175500"/>
+            <a:ext cy="406499" cx="1130400"/>
           </a:xfrm>
           <a:prstGeom prst="rect">
             <a:avLst/>
@@ -8576,7 +8423,7 @@
   <p:cSld>
     <p:spTree>
       <p:nvGrpSpPr>
-        <p:cNvPr id="266" name="Shape 266"/>
+        <p:cNvPr id="255" name="Shape 255"/>
         <p:cNvGrpSpPr/>
         <p:nvPr/>
       </p:nvGrpSpPr>
@@ -8590,7 +8437,7 @@
       </p:grpSpPr>
       <p:sp>
         <p:nvSpPr>
-          <p:cNvPr id="267" name="Shape 267"/>
+          <p:cNvPr id="256" name="Shape 256"/>
           <p:cNvSpPr txBox="1"/>
           <p:nvPr>
             <p:ph type="title"/>
@@ -8653,7 +8500,7 @@
       </p:sp>
       <p:sp>
         <p:nvSpPr>
-          <p:cNvPr id="268" name="Shape 268"/>
+          <p:cNvPr id="257" name="Shape 257"/>
           <p:cNvSpPr txBox="1"/>
           <p:nvPr>
             <p:ph idx="12" type="sldNum"/>
@@ -8694,7 +8541,7 @@
       </p:sp>
       <p:sp>
         <p:nvSpPr>
-          <p:cNvPr id="269" name="Shape 269"/>
+          <p:cNvPr id="258" name="Shape 258"/>
           <p:cNvSpPr/>
           <p:nvPr/>
         </p:nvSpPr>
@@ -8767,7 +8614,7 @@
       </p:sp>
       <p:pic>
         <p:nvPicPr>
-          <p:cNvPr id="270" name="Shape 270"/>
+          <p:cNvPr id="259" name="Shape 259"/>
           <p:cNvPicPr preferRelativeResize="0"/>
           <p:nvPr/>
         </p:nvPicPr>
@@ -8792,7 +8639,7 @@
       </p:pic>
       <p:sp>
         <p:nvSpPr>
-          <p:cNvPr id="271" name="Shape 271"/>
+          <p:cNvPr id="260" name="Shape 260"/>
           <p:cNvSpPr/>
           <p:nvPr/>
         </p:nvSpPr>
@@ -8883,7 +8730,7 @@
       </p:sp>
       <p:pic>
         <p:nvPicPr>
-          <p:cNvPr id="272" name="Shape 272"/>
+          <p:cNvPr id="261" name="Shape 261"/>
           <p:cNvPicPr preferRelativeResize="0"/>
           <p:nvPr/>
         </p:nvPicPr>
@@ -8908,7 +8755,7 @@
       </p:pic>
       <p:pic>
         <p:nvPicPr>
-          <p:cNvPr id="273" name="Shape 273"/>
+          <p:cNvPr id="262" name="Shape 262"/>
           <p:cNvPicPr preferRelativeResize="0"/>
           <p:nvPr/>
         </p:nvPicPr>
@@ -8921,6 +8768,31 @@
           <a:xfrm>
             <a:off y="3341758" x="5105510"/>
             <a:ext cy="2013209" cx="3468914"/>
+          </a:xfrm>
+          <a:prstGeom prst="rect">
+            <a:avLst/>
+          </a:prstGeom>
+          <a:noFill/>
+          <a:ln>
+            <a:noFill/>
+          </a:ln>
+        </p:spPr>
+      </p:pic>
+      <p:pic>
+        <p:nvPicPr>
+          <p:cNvPr id="263" name="Shape 263"/>
+          <p:cNvPicPr preferRelativeResize="0"/>
+          <p:nvPr/>
+        </p:nvPicPr>
+        <p:blipFill rotWithShape="1">
+          <a:blip r:embed="rId6"/>
+          <a:srcRect t="0" b="0" r="0" l="0"/>
+          <a:stretch/>
+        </p:blipFill>
+        <p:spPr>
+          <a:xfrm>
+            <a:off y="6388100" x="7175500"/>
+            <a:ext cy="406499" cx="1130400"/>
           </a:xfrm>
           <a:prstGeom prst="rect">
             <a:avLst/>
@@ -8947,7 +8819,7 @@
   <p:cSld>
     <p:spTree>
       <p:nvGrpSpPr>
-        <p:cNvPr id="277" name="Shape 277"/>
+        <p:cNvPr id="267" name="Shape 267"/>
         <p:cNvGrpSpPr/>
         <p:nvPr/>
       </p:nvGrpSpPr>
@@ -8961,7 +8833,7 @@
       </p:grpSpPr>
       <p:pic>
         <p:nvPicPr>
-          <p:cNvPr id="278" name="Shape 278"/>
+          <p:cNvPr id="268" name="Shape 268"/>
           <p:cNvPicPr preferRelativeResize="0"/>
           <p:nvPr/>
         </p:nvPicPr>
@@ -8986,7 +8858,7 @@
       </p:pic>
       <p:sp>
         <p:nvSpPr>
-          <p:cNvPr id="279" name="Shape 279"/>
+          <p:cNvPr id="269" name="Shape 269"/>
           <p:cNvSpPr/>
           <p:nvPr/>
         </p:nvSpPr>
@@ -9030,7 +8902,7 @@
       </p:sp>
       <p:sp>
         <p:nvSpPr>
-          <p:cNvPr id="280" name="Shape 280"/>
+          <p:cNvPr id="270" name="Shape 270"/>
           <p:cNvSpPr txBox="1"/>
           <p:nvPr>
             <p:ph type="title"/>
@@ -9076,7 +8948,7 @@
       </p:sp>
       <p:sp>
         <p:nvSpPr>
-          <p:cNvPr id="281" name="Shape 281"/>
+          <p:cNvPr id="271" name="Shape 271"/>
           <p:cNvSpPr txBox="1"/>
           <p:nvPr>
             <p:ph idx="1" type="body"/>
@@ -9208,7 +9080,7 @@
       </p:sp>
       <p:sp>
         <p:nvSpPr>
-          <p:cNvPr id="282" name="Shape 282"/>
+          <p:cNvPr id="272" name="Shape 272"/>
           <p:cNvSpPr txBox="1"/>
           <p:nvPr>
             <p:ph idx="12" type="sldNum"/>
@@ -9249,7 +9121,7 @@
       </p:sp>
       <p:pic>
         <p:nvPicPr>
-          <p:cNvPr id="283" name="Shape 283"/>
+          <p:cNvPr id="273" name="Shape 273"/>
           <p:cNvPicPr preferRelativeResize="0"/>
           <p:nvPr/>
         </p:nvPicPr>
@@ -9274,7 +9146,7 @@
       </p:pic>
       <p:pic>
         <p:nvPicPr>
-          <p:cNvPr id="284" name="Shape 284"/>
+          <p:cNvPr id="274" name="Shape 274"/>
           <p:cNvPicPr preferRelativeResize="0"/>
           <p:nvPr/>
         </p:nvPicPr>
@@ -9299,7 +9171,7 @@
       </p:pic>
       <p:pic>
         <p:nvPicPr>
-          <p:cNvPr id="285" name="Shape 285"/>
+          <p:cNvPr id="275" name="Shape 275"/>
           <p:cNvPicPr preferRelativeResize="0"/>
           <p:nvPr/>
         </p:nvPicPr>
@@ -9338,7 +9210,7 @@
   <p:cSld>
     <p:spTree>
       <p:nvGrpSpPr>
-        <p:cNvPr id="42" name="Shape 42"/>
+        <p:cNvPr id="41" name="Shape 41"/>
         <p:cNvGrpSpPr/>
         <p:nvPr/>
       </p:nvGrpSpPr>
@@ -9352,7 +9224,7 @@
       </p:grpSpPr>
       <p:pic>
         <p:nvPicPr>
-          <p:cNvPr id="43" name="Shape 43"/>
+          <p:cNvPr id="42" name="Shape 42"/>
           <p:cNvPicPr preferRelativeResize="0"/>
           <p:nvPr/>
         </p:nvPicPr>
@@ -9377,51 +9249,7 @@
       </p:pic>
       <p:sp>
         <p:nvSpPr>
-          <p:cNvPr id="44" name="Shape 44"/>
-          <p:cNvSpPr/>
-          <p:nvPr/>
-        </p:nvSpPr>
-        <p:spPr>
-          <a:xfrm>
-            <a:off y="6356350" x="457533"/>
-            <a:ext cy="342899" cx="2728366"/>
-          </a:xfrm>
-          <a:prstGeom prst="rect">
-            <a:avLst/>
-          </a:prstGeom>
-          <a:noFill/>
-          <a:ln>
-            <a:noFill/>
-          </a:ln>
-        </p:spPr>
-        <p:txBody>
-          <a:bodyPr bIns="38100" rIns="38100" lIns="38100" tIns="38100" anchor="t" anchorCtr="0">
-            <a:noAutofit/>
-          </a:bodyPr>
-          <a:lstStyle/>
-          <a:p>
-            <a:pPr algn="ctr" rtl="0" lvl="0" marR="0" indent="0" marL="0">
-              <a:spcBef>
-                <a:spcPts val="0"/>
-              </a:spcBef>
-              <a:buSzPct val="25000"/>
-              <a:buNone/>
-            </a:pPr>
-            <a:r>
-              <a:rPr strike="noStrike" u="none" b="0" cap="none" baseline="0" sz="1800" lang="en-US" i="0">
-                <a:latin typeface="Calibri"/>
-                <a:ea typeface="Calibri"/>
-                <a:cs typeface="Calibri"/>
-                <a:sym typeface="Calibri"/>
-              </a:rPr>
-              <a:t>www.devoxx4kids.com</a:t>
-            </a:r>
-          </a:p>
-        </p:txBody>
-      </p:sp>
-      <p:sp>
-        <p:nvSpPr>
-          <p:cNvPr id="45" name="Shape 45"/>
+          <p:cNvPr id="43" name="Shape 43"/>
           <p:cNvSpPr txBox="1"/>
           <p:nvPr>
             <p:ph type="title"/>
@@ -9467,7 +9295,7 @@
       </p:sp>
       <p:sp>
         <p:nvSpPr>
-          <p:cNvPr id="46" name="Shape 46"/>
+          <p:cNvPr id="44" name="Shape 44"/>
           <p:cNvSpPr txBox="1"/>
           <p:nvPr>
             <p:ph idx="1" type="body"/>
@@ -9594,7 +9422,7 @@
       </p:sp>
       <p:sp>
         <p:nvSpPr>
-          <p:cNvPr id="47" name="Shape 47"/>
+          <p:cNvPr id="45" name="Shape 45"/>
           <p:cNvSpPr txBox="1"/>
           <p:nvPr>
             <p:ph idx="12" type="sldNum"/>
@@ -9635,7 +9463,7 @@
       </p:sp>
       <p:pic>
         <p:nvPicPr>
-          <p:cNvPr id="48" name="Shape 48"/>
+          <p:cNvPr id="46" name="Shape 46"/>
           <p:cNvPicPr preferRelativeResize="0"/>
           <p:nvPr/>
         </p:nvPicPr>
@@ -9660,7 +9488,7 @@
       </p:pic>
       <p:pic>
         <p:nvPicPr>
-          <p:cNvPr id="49" name="Shape 49"/>
+          <p:cNvPr id="47" name="Shape 47"/>
           <p:cNvPicPr preferRelativeResize="0"/>
           <p:nvPr/>
         </p:nvPicPr>
@@ -9685,7 +9513,7 @@
       </p:pic>
       <p:pic>
         <p:nvPicPr>
-          <p:cNvPr id="50" name="Shape 50"/>
+          <p:cNvPr id="48" name="Shape 48"/>
           <p:cNvPicPr preferRelativeResize="0"/>
           <p:nvPr/>
         </p:nvPicPr>
@@ -9710,7 +9538,7 @@
       </p:pic>
       <p:pic>
         <p:nvPicPr>
-          <p:cNvPr id="51" name="Shape 51"/>
+          <p:cNvPr id="49" name="Shape 49"/>
           <p:cNvPicPr preferRelativeResize="0"/>
           <p:nvPr/>
         </p:nvPicPr>
@@ -9749,7 +9577,7 @@
   <p:cSld>
     <p:spTree>
       <p:nvGrpSpPr>
-        <p:cNvPr id="289" name="Shape 289"/>
+        <p:cNvPr id="279" name="Shape 279"/>
         <p:cNvGrpSpPr/>
         <p:nvPr/>
       </p:nvGrpSpPr>
@@ -9763,7 +9591,7 @@
       </p:grpSpPr>
       <p:pic>
         <p:nvPicPr>
-          <p:cNvPr id="290" name="Shape 290"/>
+          <p:cNvPr id="280" name="Shape 280"/>
           <p:cNvPicPr preferRelativeResize="0"/>
           <p:nvPr/>
         </p:nvPicPr>
@@ -9788,14 +9616,16 @@
       </p:pic>
       <p:sp>
         <p:nvSpPr>
-          <p:cNvPr id="291" name="Shape 291"/>
-          <p:cNvSpPr/>
-          <p:nvPr/>
+          <p:cNvPr id="281" name="Shape 281"/>
+          <p:cNvSpPr txBox="1"/>
+          <p:nvPr>
+            <p:ph type="title"/>
+          </p:nvPr>
         </p:nvSpPr>
         <p:spPr>
           <a:xfrm>
-            <a:off y="6356350" x="3285082"/>
-            <a:ext cy="342899" cx="2644429"/>
+            <a:off y="2130425" x="685800"/>
+            <a:ext cy="1755774" cx="7772400"/>
           </a:xfrm>
           <a:prstGeom prst="rect">
             <a:avLst/>
@@ -9819,52 +9649,6 @@
               <a:buNone/>
             </a:pPr>
             <a:r>
-              <a:rPr strike="noStrike" u="none" b="0" cap="none" baseline="0" sz="1800" lang="en-US" i="0">
-                <a:latin typeface="Calibri"/>
-                <a:ea typeface="Calibri"/>
-                <a:cs typeface="Calibri"/>
-                <a:sym typeface="Calibri"/>
-              </a:rPr>
-              <a:t>www.devoxx4kids.com</a:t>
-            </a:r>
-          </a:p>
-        </p:txBody>
-      </p:sp>
-      <p:sp>
-        <p:nvSpPr>
-          <p:cNvPr id="292" name="Shape 292"/>
-          <p:cNvSpPr txBox="1"/>
-          <p:nvPr>
-            <p:ph type="title"/>
-          </p:nvPr>
-        </p:nvSpPr>
-        <p:spPr>
-          <a:xfrm>
-            <a:off y="2130425" x="685800"/>
-            <a:ext cy="1755774" cx="7772400"/>
-          </a:xfrm>
-          <a:prstGeom prst="rect">
-            <a:avLst/>
-          </a:prstGeom>
-          <a:noFill/>
-          <a:ln>
-            <a:noFill/>
-          </a:ln>
-        </p:spPr>
-        <p:txBody>
-          <a:bodyPr bIns="38100" rIns="38100" lIns="38100" tIns="38100" anchor="t" anchorCtr="0">
-            <a:noAutofit/>
-          </a:bodyPr>
-          <a:lstStyle/>
-          <a:p>
-            <a:pPr algn="ctr" rtl="0" lvl="0" marR="0" indent="0" marL="0">
-              <a:spcBef>
-                <a:spcPts val="0"/>
-              </a:spcBef>
-              <a:buSzPct val="25000"/>
-              <a:buNone/>
-            </a:pPr>
-            <a:r>
               <a:rPr strike="noStrike" u="none" b="0" cap="none" baseline="0" sz="4400" lang="en-US" i="0">
                 <a:latin typeface="Comic Sans MS"/>
                 <a:ea typeface="Comic Sans MS"/>
@@ -9878,7 +9662,7 @@
       </p:sp>
       <p:pic>
         <p:nvPicPr>
-          <p:cNvPr id="293" name="Shape 293"/>
+          <p:cNvPr id="282" name="Shape 282"/>
           <p:cNvPicPr preferRelativeResize="0"/>
           <p:nvPr/>
         </p:nvPicPr>
@@ -9903,7 +9687,7 @@
       </p:pic>
       <p:pic>
         <p:nvPicPr>
-          <p:cNvPr id="294" name="Shape 294"/>
+          <p:cNvPr id="283" name="Shape 283"/>
           <p:cNvPicPr preferRelativeResize="0"/>
           <p:nvPr/>
         </p:nvPicPr>
@@ -9928,7 +9712,7 @@
       </p:pic>
       <p:pic>
         <p:nvPicPr>
-          <p:cNvPr id="295" name="Shape 295"/>
+          <p:cNvPr id="284" name="Shape 284"/>
           <p:cNvPicPr preferRelativeResize="0"/>
           <p:nvPr/>
         </p:nvPicPr>
@@ -9967,7 +9751,7 @@
   <p:cSld>
     <p:spTree>
       <p:nvGrpSpPr>
-        <p:cNvPr id="55" name="Shape 55"/>
+        <p:cNvPr id="53" name="Shape 53"/>
         <p:cNvGrpSpPr/>
         <p:nvPr/>
       </p:nvGrpSpPr>
@@ -9981,7 +9765,7 @@
       </p:grpSpPr>
       <p:pic>
         <p:nvPicPr>
-          <p:cNvPr id="56" name="Shape 56"/>
+          <p:cNvPr id="54" name="Shape 54"/>
           <p:cNvPicPr preferRelativeResize="0"/>
           <p:nvPr/>
         </p:nvPicPr>
@@ -10006,51 +9790,7 @@
       </p:pic>
       <p:sp>
         <p:nvSpPr>
-          <p:cNvPr id="57" name="Shape 57"/>
-          <p:cNvSpPr/>
-          <p:nvPr/>
-        </p:nvSpPr>
-        <p:spPr>
-          <a:xfrm>
-            <a:off y="6356350" x="457533"/>
-            <a:ext cy="342899" cx="2728366"/>
-          </a:xfrm>
-          <a:prstGeom prst="rect">
-            <a:avLst/>
-          </a:prstGeom>
-          <a:noFill/>
-          <a:ln>
-            <a:noFill/>
-          </a:ln>
-        </p:spPr>
-        <p:txBody>
-          <a:bodyPr bIns="38100" rIns="38100" lIns="38100" tIns="38100" anchor="t" anchorCtr="0">
-            <a:noAutofit/>
-          </a:bodyPr>
-          <a:lstStyle/>
-          <a:p>
-            <a:pPr algn="ctr" rtl="0" lvl="0" marR="0" indent="0" marL="0">
-              <a:spcBef>
-                <a:spcPts val="0"/>
-              </a:spcBef>
-              <a:buSzPct val="25000"/>
-              <a:buNone/>
-            </a:pPr>
-            <a:r>
-              <a:rPr strike="noStrike" u="none" b="0" cap="none" baseline="0" sz="1800" lang="en-US" i="0">
-                <a:latin typeface="Calibri"/>
-                <a:ea typeface="Calibri"/>
-                <a:cs typeface="Calibri"/>
-                <a:sym typeface="Calibri"/>
-              </a:rPr>
-              <a:t>www.devoxx4kids.com</a:t>
-            </a:r>
-          </a:p>
-        </p:txBody>
-      </p:sp>
-      <p:sp>
-        <p:nvSpPr>
-          <p:cNvPr id="58" name="Shape 58"/>
+          <p:cNvPr id="55" name="Shape 55"/>
           <p:cNvSpPr txBox="1"/>
           <p:nvPr>
             <p:ph idx="1" type="body"/>
@@ -10250,7 +9990,7 @@
       </p:sp>
       <p:sp>
         <p:nvSpPr>
-          <p:cNvPr id="59" name="Shape 59"/>
+          <p:cNvPr id="56" name="Shape 56"/>
           <p:cNvSpPr txBox="1"/>
           <p:nvPr>
             <p:ph idx="12" type="sldNum"/>
@@ -10291,7 +10031,7 @@
       </p:sp>
       <p:pic>
         <p:nvPicPr>
-          <p:cNvPr id="60" name="Shape 60"/>
+          <p:cNvPr id="57" name="Shape 57"/>
           <p:cNvPicPr preferRelativeResize="0"/>
           <p:nvPr/>
         </p:nvPicPr>
@@ -10316,7 +10056,7 @@
       </p:pic>
       <p:pic>
         <p:nvPicPr>
-          <p:cNvPr id="61" name="Shape 61"/>
+          <p:cNvPr id="58" name="Shape 58"/>
           <p:cNvPicPr preferRelativeResize="0"/>
           <p:nvPr/>
         </p:nvPicPr>
@@ -10341,7 +10081,7 @@
       </p:pic>
       <p:pic>
         <p:nvPicPr>
-          <p:cNvPr id="62" name="Shape 62"/>
+          <p:cNvPr id="59" name="Shape 59"/>
           <p:cNvPicPr preferRelativeResize="0"/>
           <p:nvPr/>
         </p:nvPicPr>
@@ -10366,7 +10106,7 @@
       </p:pic>
       <p:sp>
         <p:nvSpPr>
-          <p:cNvPr id="63" name="Shape 63"/>
+          <p:cNvPr id="60" name="Shape 60"/>
           <p:cNvSpPr txBox="1"/>
           <p:nvPr>
             <p:ph type="title"/>
@@ -10412,7 +10152,7 @@
       </p:sp>
       <p:pic>
         <p:nvPicPr>
-          <p:cNvPr id="64" name="Shape 64"/>
+          <p:cNvPr id="61" name="Shape 61"/>
           <p:cNvPicPr preferRelativeResize="0"/>
           <p:nvPr/>
         </p:nvPicPr>
@@ -10451,7 +10191,7 @@
   <p:cSld>
     <p:spTree>
       <p:nvGrpSpPr>
-        <p:cNvPr id="68" name="Shape 68"/>
+        <p:cNvPr id="65" name="Shape 65"/>
         <p:cNvGrpSpPr/>
         <p:nvPr/>
       </p:nvGrpSpPr>
@@ -10465,7 +10205,7 @@
       </p:grpSpPr>
       <p:pic>
         <p:nvPicPr>
-          <p:cNvPr id="69" name="Shape 69"/>
+          <p:cNvPr id="66" name="Shape 66"/>
           <p:cNvPicPr preferRelativeResize="0"/>
           <p:nvPr/>
         </p:nvPicPr>
@@ -10490,51 +10230,7 @@
       </p:pic>
       <p:sp>
         <p:nvSpPr>
-          <p:cNvPr id="70" name="Shape 70"/>
-          <p:cNvSpPr/>
-          <p:nvPr/>
-        </p:nvSpPr>
-        <p:spPr>
-          <a:xfrm>
-            <a:off y="6356350" x="457533"/>
-            <a:ext cy="342899" cx="2728366"/>
-          </a:xfrm>
-          <a:prstGeom prst="rect">
-            <a:avLst/>
-          </a:prstGeom>
-          <a:noFill/>
-          <a:ln>
-            <a:noFill/>
-          </a:ln>
-        </p:spPr>
-        <p:txBody>
-          <a:bodyPr bIns="38100" rIns="38100" lIns="38100" tIns="38100" anchor="t" anchorCtr="0">
-            <a:noAutofit/>
-          </a:bodyPr>
-          <a:lstStyle/>
-          <a:p>
-            <a:pPr algn="ctr" rtl="0" lvl="0" marR="0" indent="0" marL="0">
-              <a:spcBef>
-                <a:spcPts val="0"/>
-              </a:spcBef>
-              <a:buSzPct val="25000"/>
-              <a:buNone/>
-            </a:pPr>
-            <a:r>
-              <a:rPr strike="noStrike" u="none" b="0" cap="none" baseline="0" sz="1800" lang="en-US" i="0">
-                <a:latin typeface="Calibri"/>
-                <a:ea typeface="Calibri"/>
-                <a:cs typeface="Calibri"/>
-                <a:sym typeface="Calibri"/>
-              </a:rPr>
-              <a:t>www.devoxx4kids.com</a:t>
-            </a:r>
-          </a:p>
-        </p:txBody>
-      </p:sp>
-      <p:sp>
-        <p:nvSpPr>
-          <p:cNvPr id="71" name="Shape 71"/>
+          <p:cNvPr id="67" name="Shape 67"/>
           <p:cNvSpPr txBox="1"/>
           <p:nvPr>
             <p:ph type="title"/>
@@ -10580,185 +10276,7 @@
       </p:sp>
       <p:sp>
         <p:nvSpPr>
-          <p:cNvPr id="72" name="Shape 72"/>
-          <p:cNvSpPr txBox="1"/>
-          <p:nvPr>
-            <p:ph idx="1" type="body"/>
-          </p:nvPr>
-        </p:nvSpPr>
-        <p:spPr>
-          <a:xfrm>
-            <a:off y="1807550" x="457200"/>
-            <a:ext cy="4809299" cx="8307899"/>
-          </a:xfrm>
-          <a:prstGeom prst="rect">
-            <a:avLst/>
-          </a:prstGeom>
-          <a:noFill/>
-          <a:ln>
-            <a:noFill/>
-          </a:ln>
-        </p:spPr>
-        <p:txBody>
-          <a:bodyPr bIns="38100" rIns="38100" lIns="38100" tIns="38100" anchor="t" anchorCtr="0">
-            <a:noAutofit/>
-          </a:bodyPr>
-          <a:lstStyle/>
-          <a:p>
-            <a:pPr algn="l" rtl="0" lvl="0" marR="0" indent="-342899" marL="342899">
-              <a:spcBef>
-                <a:spcPts val="0"/>
-              </a:spcBef>
-              <a:buClr>
-                <a:srgbClr val="FAA757"/>
-              </a:buClr>
-              <a:buSzPct val="100000"/>
-              <a:buFont typeface="Comic Sans MS"/>
-              <a:buChar char="•"/>
-            </a:pPr>
-            <a:r>
-              <a:rPr strike="noStrike" u="none" b="0" cap="none" baseline="0" sz="2900" lang="en-US" i="0">
-                <a:latin typeface="Comic Sans MS"/>
-                <a:ea typeface="Comic Sans MS"/>
-                <a:cs typeface="Comic Sans MS"/>
-                <a:sym typeface="Comic Sans MS"/>
-              </a:rPr>
-              <a:t>La </a:t>
-            </a:r>
-            <a:r>
-              <a:rPr strike="noStrike" u="none" b="0" cap="none" baseline="0" sz="2900" lang="en-US" i="0">
-                <a:solidFill>
-                  <a:srgbClr val="FAA757"/>
-                </a:solidFill>
-                <a:latin typeface="Comic Sans MS"/>
-                <a:ea typeface="Comic Sans MS"/>
-                <a:cs typeface="Comic Sans MS"/>
-                <a:sym typeface="Comic Sans MS"/>
-              </a:rPr>
-              <a:t>programmazione</a:t>
-            </a:r>
-            <a:r>
-              <a:rPr strike="noStrike" u="none" b="0" cap="none" baseline="0" sz="2900" lang="en-US" i="0">
-                <a:latin typeface="Comic Sans MS"/>
-                <a:ea typeface="Comic Sans MS"/>
-                <a:cs typeface="Comic Sans MS"/>
-                <a:sym typeface="Comic Sans MS"/>
-              </a:rPr>
-              <a:t> è l’</a:t>
-            </a:r>
-            <a:r>
-              <a:rPr strike="noStrike" u="none" b="0" cap="none" baseline="0" sz="2900" lang="en-US" i="0">
-                <a:solidFill>
-                  <a:srgbClr val="FAA757"/>
-                </a:solidFill>
-                <a:latin typeface="Comic Sans MS"/>
-                <a:ea typeface="Comic Sans MS"/>
-                <a:cs typeface="Comic Sans MS"/>
-                <a:sym typeface="Comic Sans MS"/>
-              </a:rPr>
-              <a:t>arte</a:t>
-            </a:r>
-            <a:r>
-              <a:rPr strike="noStrike" u="none" b="0" cap="none" baseline="0" sz="2900" lang="en-US" i="0">
-                <a:latin typeface="Comic Sans MS"/>
-                <a:ea typeface="Comic Sans MS"/>
-                <a:cs typeface="Comic Sans MS"/>
-                <a:sym typeface="Comic Sans MS"/>
-              </a:rPr>
-              <a:t> di far fare a un computer quello che vuoi tu.</a:t>
-            </a:r>
-          </a:p>
-          <a:p>
-            <a:pPr algn="l" rtl="0" lvl="0" marR="0" indent="-342899" marL="342899">
-              <a:spcBef>
-                <a:spcPts val="700"/>
-              </a:spcBef>
-              <a:buClr>
-                <a:srgbClr val="000000"/>
-              </a:buClr>
-              <a:buSzPct val="100000"/>
-              <a:buFont typeface="Comic Sans MS"/>
-              <a:buChar char="•"/>
-            </a:pPr>
-            <a:r>
-              <a:rPr strike="noStrike" u="none" b="0" cap="none" baseline="0" sz="2900" lang="en-US" i="0">
-                <a:latin typeface="Comic Sans MS"/>
-                <a:ea typeface="Comic Sans MS"/>
-                <a:cs typeface="Comic Sans MS"/>
-                <a:sym typeface="Comic Sans MS"/>
-              </a:rPr>
-              <a:t>Un programma per computer è semplicemente </a:t>
-            </a:r>
-            <a:r>
-              <a:rPr strike="noStrike" u="none" b="0" cap="none" baseline="0" sz="2900" lang="en-US" i="0">
-                <a:solidFill>
-                  <a:srgbClr val="FAA757"/>
-                </a:solidFill>
-                <a:latin typeface="Comic Sans MS"/>
-                <a:ea typeface="Comic Sans MS"/>
-                <a:cs typeface="Comic Sans MS"/>
-                <a:sym typeface="Comic Sans MS"/>
-              </a:rPr>
-              <a:t>un insieme di istruzioni</a:t>
-            </a:r>
-            <a:r>
-              <a:rPr strike="noStrike" u="none" b="0" cap="none" baseline="0" sz="2900" lang="en-US" i="0">
-                <a:latin typeface="Comic Sans MS"/>
-                <a:ea typeface="Comic Sans MS"/>
-                <a:cs typeface="Comic Sans MS"/>
-                <a:sym typeface="Comic Sans MS"/>
-              </a:rPr>
-              <a:t> per dire al computer</a:t>
-            </a:r>
-            <a:r>
-              <a:rPr strike="noStrike" u="none" b="0" cap="none" baseline="0" sz="2900" lang="en-US" i="0">
-                <a:solidFill>
-                  <a:srgbClr val="FAA757"/>
-                </a:solidFill>
-                <a:latin typeface="Comic Sans MS"/>
-                <a:ea typeface="Comic Sans MS"/>
-                <a:cs typeface="Comic Sans MS"/>
-                <a:sym typeface="Comic Sans MS"/>
-              </a:rPr>
-              <a:t> come eseguire un compito</a:t>
-            </a:r>
-            <a:r>
-              <a:rPr strike="noStrike" u="none" b="0" cap="none" baseline="0" sz="2900" lang="en-US" i="0">
-                <a:latin typeface="Comic Sans MS"/>
-                <a:ea typeface="Comic Sans MS"/>
-                <a:cs typeface="Comic Sans MS"/>
-                <a:sym typeface="Comic Sans MS"/>
-              </a:rPr>
-              <a:t>.</a:t>
-            </a:r>
-          </a:p>
-          <a:p>
-            <a:pPr algn="l" rtl="0" lvl="0" marR="0" indent="-342899" marL="342899">
-              <a:spcBef>
-                <a:spcPts val="700"/>
-              </a:spcBef>
-              <a:buClr>
-                <a:srgbClr val="000000"/>
-              </a:buClr>
-              <a:buSzPct val="100000"/>
-              <a:buFont typeface="Comic Sans MS"/>
-              <a:buChar char="•"/>
-            </a:pPr>
-            <a:r>
-              <a:rPr strike="noStrike" u="none" b="0" cap="none" baseline="0" sz="2900" lang="en-US" i="0">
-                <a:latin typeface="Comic Sans MS"/>
-                <a:ea typeface="Comic Sans MS"/>
-                <a:cs typeface="Comic Sans MS"/>
-                <a:sym typeface="Comic Sans MS"/>
-              </a:rPr>
-              <a:t>È come una ricetta: un insieme di istruzioni che spiegano al cuoco come fare un piatto.</a:t>
-            </a:r>
-          </a:p>
-        </p:txBody>
-      </p:sp>
-      <p:sp>
-        <p:nvSpPr>
-          <p:cNvPr id="73" name="Shape 73"/>
+          <p:cNvPr id="68" name="Shape 68"/>
           <p:cNvSpPr txBox="1"/>
           <p:nvPr>
             <p:ph idx="12" type="sldNum"/>
@@ -10799,7 +10317,7 @@
       </p:sp>
       <p:pic>
         <p:nvPicPr>
-          <p:cNvPr id="74" name="Shape 74"/>
+          <p:cNvPr id="69" name="Shape 69"/>
           <p:cNvPicPr preferRelativeResize="0"/>
           <p:nvPr/>
         </p:nvPicPr>
@@ -10824,7 +10342,7 @@
       </p:pic>
       <p:pic>
         <p:nvPicPr>
-          <p:cNvPr id="75" name="Shape 75"/>
+          <p:cNvPr id="70" name="Shape 70"/>
           <p:cNvPicPr preferRelativeResize="0"/>
           <p:nvPr/>
         </p:nvPicPr>
@@ -10847,6 +10365,184 @@
           </a:ln>
         </p:spPr>
       </p:pic>
+      <p:sp>
+        <p:nvSpPr>
+          <p:cNvPr id="71" name="Shape 71"/>
+          <p:cNvSpPr txBox="1"/>
+          <p:nvPr>
+            <p:ph idx="1" type="body"/>
+          </p:nvPr>
+        </p:nvSpPr>
+        <p:spPr>
+          <a:xfrm>
+            <a:off y="1807550" x="457200"/>
+            <a:ext cy="4659900" cx="8307899"/>
+          </a:xfrm>
+          <a:prstGeom prst="rect">
+            <a:avLst/>
+          </a:prstGeom>
+          <a:noFill/>
+          <a:ln>
+            <a:noFill/>
+          </a:ln>
+        </p:spPr>
+        <p:txBody>
+          <a:bodyPr bIns="38100" rIns="38100" lIns="38100" tIns="38100" anchor="t" anchorCtr="0">
+            <a:noAutofit/>
+          </a:bodyPr>
+          <a:lstStyle/>
+          <a:p>
+            <a:pPr algn="l" rtl="0" lvl="0" marR="0" indent="-342898" marL="342898">
+              <a:spcBef>
+                <a:spcPts val="0"/>
+              </a:spcBef>
+              <a:buClr>
+                <a:srgbClr val="FAA757"/>
+              </a:buClr>
+              <a:buSzPct val="100000"/>
+              <a:buFont typeface="Comic Sans MS"/>
+              <a:buChar char="•"/>
+            </a:pPr>
+            <a:r>
+              <a:rPr strike="noStrike" u="none" b="0" cap="none" baseline="0" sz="2900" lang="en-US" i="0">
+                <a:latin typeface="Comic Sans MS"/>
+                <a:ea typeface="Comic Sans MS"/>
+                <a:cs typeface="Comic Sans MS"/>
+                <a:sym typeface="Comic Sans MS"/>
+              </a:rPr>
+              <a:t>La </a:t>
+            </a:r>
+            <a:r>
+              <a:rPr strike="noStrike" u="none" b="0" cap="none" baseline="0" sz="2900" lang="en-US" i="0">
+                <a:solidFill>
+                  <a:srgbClr val="FAA757"/>
+                </a:solidFill>
+                <a:latin typeface="Comic Sans MS"/>
+                <a:ea typeface="Comic Sans MS"/>
+                <a:cs typeface="Comic Sans MS"/>
+                <a:sym typeface="Comic Sans MS"/>
+              </a:rPr>
+              <a:t>programmazione</a:t>
+            </a:r>
+            <a:r>
+              <a:rPr strike="noStrike" u="none" b="0" cap="none" baseline="0" sz="2900" lang="en-US" i="0">
+                <a:latin typeface="Comic Sans MS"/>
+                <a:ea typeface="Comic Sans MS"/>
+                <a:cs typeface="Comic Sans MS"/>
+                <a:sym typeface="Comic Sans MS"/>
+              </a:rPr>
+              <a:t> è l’</a:t>
+            </a:r>
+            <a:r>
+              <a:rPr strike="noStrike" u="none" b="0" cap="none" baseline="0" sz="2900" lang="en-US" i="0">
+                <a:solidFill>
+                  <a:srgbClr val="FAA757"/>
+                </a:solidFill>
+                <a:latin typeface="Comic Sans MS"/>
+                <a:ea typeface="Comic Sans MS"/>
+                <a:cs typeface="Comic Sans MS"/>
+                <a:sym typeface="Comic Sans MS"/>
+              </a:rPr>
+              <a:t>arte</a:t>
+            </a:r>
+            <a:r>
+              <a:rPr strike="noStrike" u="none" b="0" cap="none" baseline="0" sz="2900" lang="en-US" i="0">
+                <a:latin typeface="Comic Sans MS"/>
+                <a:ea typeface="Comic Sans MS"/>
+                <a:cs typeface="Comic Sans MS"/>
+                <a:sym typeface="Comic Sans MS"/>
+              </a:rPr>
+              <a:t> di far fare a un computer quello che vuoi tu.</a:t>
+            </a:r>
+          </a:p>
+          <a:p>
+            <a:pPr algn="l" rtl="0" lvl="0" marR="0" indent="-342898" marL="342898">
+              <a:spcBef>
+                <a:spcPts val="700"/>
+              </a:spcBef>
+              <a:buClr>
+                <a:srgbClr val="000000"/>
+              </a:buClr>
+              <a:buSzPct val="100000"/>
+              <a:buFont typeface="Comic Sans MS"/>
+              <a:buChar char="•"/>
+            </a:pPr>
+            <a:r>
+              <a:rPr strike="noStrike" u="none" b="0" cap="none" baseline="0" sz="2900" lang="en-US" i="0">
+                <a:latin typeface="Comic Sans MS"/>
+                <a:ea typeface="Comic Sans MS"/>
+                <a:cs typeface="Comic Sans MS"/>
+                <a:sym typeface="Comic Sans MS"/>
+              </a:rPr>
+              <a:t>Un programma per computer è semplicemente </a:t>
+            </a:r>
+            <a:r>
+              <a:rPr strike="noStrike" u="none" b="0" cap="none" baseline="0" sz="2900" lang="en-US" i="0">
+                <a:solidFill>
+                  <a:srgbClr val="FAA757"/>
+                </a:solidFill>
+                <a:latin typeface="Comic Sans MS"/>
+                <a:ea typeface="Comic Sans MS"/>
+                <a:cs typeface="Comic Sans MS"/>
+                <a:sym typeface="Comic Sans MS"/>
+              </a:rPr>
+              <a:t>un insieme di istruzioni</a:t>
+            </a:r>
+            <a:r>
+              <a:rPr strike="noStrike" u="none" b="0" cap="none" baseline="0" sz="2900" lang="en-US" i="0">
+                <a:latin typeface="Comic Sans MS"/>
+                <a:ea typeface="Comic Sans MS"/>
+                <a:cs typeface="Comic Sans MS"/>
+                <a:sym typeface="Comic Sans MS"/>
+              </a:rPr>
+              <a:t> per dire al computer</a:t>
+            </a:r>
+            <a:r>
+              <a:rPr strike="noStrike" u="none" b="0" cap="none" baseline="0" sz="2900" lang="en-US" i="0">
+                <a:solidFill>
+                  <a:srgbClr val="FAA757"/>
+                </a:solidFill>
+                <a:latin typeface="Comic Sans MS"/>
+                <a:ea typeface="Comic Sans MS"/>
+                <a:cs typeface="Comic Sans MS"/>
+                <a:sym typeface="Comic Sans MS"/>
+              </a:rPr>
+              <a:t> come eseguire un compito</a:t>
+            </a:r>
+            <a:r>
+              <a:rPr strike="noStrike" u="none" b="0" cap="none" baseline="0" sz="2900" lang="en-US" i="0">
+                <a:latin typeface="Comic Sans MS"/>
+                <a:ea typeface="Comic Sans MS"/>
+                <a:cs typeface="Comic Sans MS"/>
+                <a:sym typeface="Comic Sans MS"/>
+              </a:rPr>
+              <a:t>.</a:t>
+            </a:r>
+          </a:p>
+          <a:p>
+            <a:pPr algn="l" rtl="0" lvl="0" marR="0" indent="-342898" marL="342898">
+              <a:spcBef>
+                <a:spcPts val="700"/>
+              </a:spcBef>
+              <a:buClr>
+                <a:srgbClr val="000000"/>
+              </a:buClr>
+              <a:buSzPct val="100000"/>
+              <a:buFont typeface="Comic Sans MS"/>
+              <a:buChar char="•"/>
+            </a:pPr>
+            <a:r>
+              <a:rPr strike="noStrike" u="none" b="0" cap="none" baseline="0" sz="2900" lang="en-US" i="0">
+                <a:latin typeface="Comic Sans MS"/>
+                <a:ea typeface="Comic Sans MS"/>
+                <a:cs typeface="Comic Sans MS"/>
+                <a:sym typeface="Comic Sans MS"/>
+              </a:rPr>
+              <a:t>È come una ricetta: un insieme di istruzioni che spiegano al cuoco come fare un piatto.</a:t>
+            </a:r>
+          </a:p>
+        </p:txBody>
+      </p:sp>
     </p:spTree>
   </p:cSld>
   <p:clrMapOvr>
@@ -10863,7 +10559,7 @@
   <p:cSld>
     <p:spTree>
       <p:nvGrpSpPr>
-        <p:cNvPr id="79" name="Shape 79"/>
+        <p:cNvPr id="75" name="Shape 75"/>
         <p:cNvGrpSpPr/>
         <p:nvPr/>
       </p:nvGrpSpPr>
@@ -10877,7 +10573,7 @@
       </p:grpSpPr>
       <p:pic>
         <p:nvPicPr>
-          <p:cNvPr id="80" name="Shape 80"/>
+          <p:cNvPr id="76" name="Shape 76"/>
           <p:cNvPicPr preferRelativeResize="0"/>
           <p:nvPr/>
         </p:nvPicPr>
@@ -10902,14 +10598,16 @@
       </p:pic>
       <p:sp>
         <p:nvSpPr>
-          <p:cNvPr id="81" name="Shape 81"/>
-          <p:cNvSpPr/>
-          <p:nvPr/>
+          <p:cNvPr id="77" name="Shape 77"/>
+          <p:cNvSpPr txBox="1"/>
+          <p:nvPr>
+            <p:ph type="title"/>
+          </p:nvPr>
         </p:nvSpPr>
         <p:spPr>
           <a:xfrm>
-            <a:off y="6356350" x="457533"/>
-            <a:ext cy="342899" cx="2728366"/>
+            <a:off y="274637" x="2681190"/>
+            <a:ext cy="1822152" cx="6005609"/>
           </a:xfrm>
           <a:prstGeom prst="rect">
             <a:avLst/>
@@ -10933,83 +10631,37 @@
               <a:buNone/>
             </a:pPr>
             <a:r>
-              <a:rPr strike="noStrike" u="none" b="0" cap="none" baseline="0" sz="1800" lang="en-US" i="0">
-                <a:latin typeface="Calibri"/>
-                <a:ea typeface="Calibri"/>
-                <a:cs typeface="Calibri"/>
-                <a:sym typeface="Calibri"/>
-              </a:rPr>
-              <a:t>www.devoxx4kids.com</a:t>
+              <a:rPr strike="noStrike" u="none" b="0" cap="none" baseline="0" sz="3600" lang="en-US" i="0">
+                <a:latin typeface="Comic Sans MS"/>
+                <a:ea typeface="Comic Sans MS"/>
+                <a:cs typeface="Comic Sans MS"/>
+                <a:sym typeface="Comic Sans MS"/>
+              </a:rPr>
+              <a:t>Ingredienti base di </a:t>
+            </a:r>
+            <a:br>
+              <a:rPr strike="noStrike" u="none" b="0" cap="none" baseline="0" sz="3600" lang="en-US" i="0">
+                <a:latin typeface="Comic Sans MS"/>
+                <a:ea typeface="Comic Sans MS"/>
+                <a:cs typeface="Comic Sans MS"/>
+                <a:sym typeface="Comic Sans MS"/>
+              </a:rPr>
+            </a:br>
+            <a:r>
+              <a:rPr strike="noStrike" u="none" b="0" cap="none" baseline="0" sz="3600" lang="en-US" i="0">
+                <a:latin typeface="Comic Sans MS"/>
+                <a:ea typeface="Comic Sans MS"/>
+                <a:cs typeface="Comic Sans MS"/>
+                <a:sym typeface="Comic Sans MS"/>
+              </a:rPr>
+              <a:t>un progetto Scratch</a:t>
             </a:r>
           </a:p>
         </p:txBody>
       </p:sp>
       <p:sp>
         <p:nvSpPr>
-          <p:cNvPr id="82" name="Shape 82"/>
-          <p:cNvSpPr txBox="1"/>
-          <p:nvPr>
-            <p:ph type="title"/>
-          </p:nvPr>
-        </p:nvSpPr>
-        <p:spPr>
-          <a:xfrm>
-            <a:off y="274637" x="2681190"/>
-            <a:ext cy="1822152" cx="6005609"/>
-          </a:xfrm>
-          <a:prstGeom prst="rect">
-            <a:avLst/>
-          </a:prstGeom>
-          <a:noFill/>
-          <a:ln>
-            <a:noFill/>
-          </a:ln>
-        </p:spPr>
-        <p:txBody>
-          <a:bodyPr bIns="38100" rIns="38100" lIns="38100" tIns="38100" anchor="t" anchorCtr="0">
-            <a:noAutofit/>
-          </a:bodyPr>
-          <a:lstStyle/>
-          <a:p>
-            <a:pPr algn="ctr" rtl="0" lvl="0" marR="0" indent="0" marL="0">
-              <a:spcBef>
-                <a:spcPts val="0"/>
-              </a:spcBef>
-              <a:buSzPct val="25000"/>
-              <a:buNone/>
-            </a:pPr>
-            <a:r>
-              <a:rPr strike="noStrike" u="none" b="0" cap="none" baseline="0" sz="3600" lang="en-US" i="0">
-                <a:latin typeface="Comic Sans MS"/>
-                <a:ea typeface="Comic Sans MS"/>
-                <a:cs typeface="Comic Sans MS"/>
-                <a:sym typeface="Comic Sans MS"/>
-              </a:rPr>
-              <a:t>Ingredienti base di </a:t>
-            </a:r>
-            <a:br>
-              <a:rPr strike="noStrike" u="none" b="0" cap="none" baseline="0" sz="3600" lang="en-US" i="0">
-                <a:latin typeface="Comic Sans MS"/>
-                <a:ea typeface="Comic Sans MS"/>
-                <a:cs typeface="Comic Sans MS"/>
-                <a:sym typeface="Comic Sans MS"/>
-              </a:rPr>
-            </a:br>
-            <a:r>
-              <a:rPr strike="noStrike" u="none" b="0" cap="none" baseline="0" sz="3600" lang="en-US" i="0">
-                <a:latin typeface="Comic Sans MS"/>
-                <a:ea typeface="Comic Sans MS"/>
-                <a:cs typeface="Comic Sans MS"/>
-                <a:sym typeface="Comic Sans MS"/>
-              </a:rPr>
-              <a:t>un progetto Scratch</a:t>
-            </a:r>
-          </a:p>
-        </p:txBody>
-      </p:sp>
-      <p:sp>
-        <p:nvSpPr>
-          <p:cNvPr id="83" name="Shape 83"/>
+          <p:cNvPr id="78" name="Shape 78"/>
           <p:cNvSpPr txBox="1"/>
           <p:nvPr>
             <p:ph idx="1" type="body"/>
@@ -11017,8 +10669,8 @@
         </p:nvSpPr>
         <p:spPr>
           <a:xfrm>
-            <a:off y="2096790" x="457200"/>
-            <a:ext cy="4761209" cx="8229600"/>
+            <a:off y="2096800" x="457200"/>
+            <a:ext cy="4697699" cx="8229600"/>
           </a:xfrm>
           <a:prstGeom prst="rect">
             <a:avLst/>
@@ -11101,7 +10753,7 @@
       </p:sp>
       <p:sp>
         <p:nvSpPr>
-          <p:cNvPr id="84" name="Shape 84"/>
+          <p:cNvPr id="79" name="Shape 79"/>
           <p:cNvSpPr txBox="1"/>
           <p:nvPr>
             <p:ph idx="12" type="sldNum"/>
@@ -11142,7 +10794,7 @@
       </p:sp>
       <p:pic>
         <p:nvPicPr>
-          <p:cNvPr id="85" name="Shape 85"/>
+          <p:cNvPr id="80" name="Shape 80"/>
           <p:cNvPicPr preferRelativeResize="0"/>
           <p:nvPr/>
         </p:nvPicPr>
@@ -11167,7 +10819,7 @@
       </p:pic>
       <p:pic>
         <p:nvPicPr>
-          <p:cNvPr id="86" name="Shape 86"/>
+          <p:cNvPr id="81" name="Shape 81"/>
           <p:cNvPicPr preferRelativeResize="0"/>
           <p:nvPr/>
         </p:nvPicPr>
@@ -11206,7 +10858,7 @@
   <p:cSld>
     <p:spTree>
       <p:nvGrpSpPr>
-        <p:cNvPr id="90" name="Shape 90"/>
+        <p:cNvPr id="85" name="Shape 85"/>
         <p:cNvGrpSpPr/>
         <p:nvPr/>
       </p:nvGrpSpPr>
@@ -11220,7 +10872,7 @@
       </p:grpSpPr>
       <p:pic>
         <p:nvPicPr>
-          <p:cNvPr id="91" name="Shape 91"/>
+          <p:cNvPr id="86" name="Shape 86"/>
           <p:cNvPicPr preferRelativeResize="0"/>
           <p:nvPr/>
         </p:nvPicPr>
@@ -11245,7 +10897,7 @@
       </p:pic>
       <p:pic>
         <p:nvPicPr>
-          <p:cNvPr id="92" name="Shape 92"/>
+          <p:cNvPr id="87" name="Shape 87"/>
           <p:cNvPicPr preferRelativeResize="0"/>
           <p:nvPr/>
         </p:nvPicPr>
@@ -11270,14 +10922,16 @@
       </p:pic>
       <p:sp>
         <p:nvSpPr>
-          <p:cNvPr id="93" name="Shape 93"/>
-          <p:cNvSpPr/>
-          <p:nvPr/>
+          <p:cNvPr id="88" name="Shape 88"/>
+          <p:cNvSpPr txBox="1"/>
+          <p:nvPr>
+            <p:ph type="title"/>
+          </p:nvPr>
         </p:nvSpPr>
         <p:spPr>
           <a:xfrm>
-            <a:off y="6356350" x="457533"/>
-            <a:ext cy="342899" cx="2728366"/>
+            <a:off y="274637" x="2681190"/>
+            <a:ext cy="1325562" cx="6005609"/>
           </a:xfrm>
           <a:prstGeom prst="rect">
             <a:avLst/>
@@ -11301,66 +10955,20 @@
               <a:buNone/>
             </a:pPr>
             <a:r>
-              <a:rPr strike="noStrike" u="none" b="0" cap="none" baseline="0" sz="1800" lang="en-US" i="0">
-                <a:latin typeface="Calibri"/>
-                <a:ea typeface="Calibri"/>
-                <a:cs typeface="Calibri"/>
-                <a:sym typeface="Calibri"/>
-              </a:rPr>
-              <a:t>www.devoxx4kids.com</a:t>
+              <a:rPr strike="noStrike" u="none" b="0" cap="none" baseline="0" sz="4400" lang="en-US" i="0">
+                <a:latin typeface="Comic Sans MS"/>
+                <a:ea typeface="Comic Sans MS"/>
+                <a:cs typeface="Comic Sans MS"/>
+                <a:sym typeface="Comic Sans MS"/>
+              </a:rPr>
+              <a:t>Stage e sprites</a:t>
             </a:r>
           </a:p>
         </p:txBody>
       </p:sp>
       <p:sp>
         <p:nvSpPr>
-          <p:cNvPr id="94" name="Shape 94"/>
-          <p:cNvSpPr txBox="1"/>
-          <p:nvPr>
-            <p:ph type="title"/>
-          </p:nvPr>
-        </p:nvSpPr>
-        <p:spPr>
-          <a:xfrm>
-            <a:off y="274637" x="2681190"/>
-            <a:ext cy="1325562" cx="6005609"/>
-          </a:xfrm>
-          <a:prstGeom prst="rect">
-            <a:avLst/>
-          </a:prstGeom>
-          <a:noFill/>
-          <a:ln>
-            <a:noFill/>
-          </a:ln>
-        </p:spPr>
-        <p:txBody>
-          <a:bodyPr bIns="38100" rIns="38100" lIns="38100" tIns="38100" anchor="t" anchorCtr="0">
-            <a:noAutofit/>
-          </a:bodyPr>
-          <a:lstStyle/>
-          <a:p>
-            <a:pPr algn="ctr" rtl="0" lvl="0" marR="0" indent="0" marL="0">
-              <a:spcBef>
-                <a:spcPts val="0"/>
-              </a:spcBef>
-              <a:buSzPct val="25000"/>
-              <a:buNone/>
-            </a:pPr>
-            <a:r>
-              <a:rPr strike="noStrike" u="none" b="0" cap="none" baseline="0" sz="4400" lang="en-US" i="0">
-                <a:latin typeface="Comic Sans MS"/>
-                <a:ea typeface="Comic Sans MS"/>
-                <a:cs typeface="Comic Sans MS"/>
-                <a:sym typeface="Comic Sans MS"/>
-              </a:rPr>
-              <a:t>Stage e sprites</a:t>
-            </a:r>
-          </a:p>
-        </p:txBody>
-      </p:sp>
-      <p:sp>
-        <p:nvSpPr>
-          <p:cNvPr id="95" name="Shape 95"/>
+          <p:cNvPr id="89" name="Shape 89"/>
           <p:cNvSpPr txBox="1"/>
           <p:nvPr>
             <p:ph idx="1" type="body"/>
@@ -11368,8 +10976,8 @@
         </p:nvSpPr>
         <p:spPr>
           <a:xfrm>
-            <a:off y="1602145" x="457200"/>
-            <a:ext cy="5257800" cx="4107313"/>
+            <a:off y="1602149" x="457200"/>
+            <a:ext cy="4907400" cx="4107299"/>
           </a:xfrm>
           <a:prstGeom prst="rect">
             <a:avLst/>
@@ -11495,7 +11103,7 @@
       </p:sp>
       <p:sp>
         <p:nvSpPr>
-          <p:cNvPr id="96" name="Shape 96"/>
+          <p:cNvPr id="90" name="Shape 90"/>
           <p:cNvSpPr txBox="1"/>
           <p:nvPr>
             <p:ph idx="12" type="sldNum"/>
@@ -11536,7 +11144,7 @@
       </p:sp>
       <p:cxnSp>
         <p:nvCxnSpPr>
-          <p:cNvPr id="97" name="Shape 97"/>
+          <p:cNvPr id="91" name="Shape 91"/>
           <p:cNvCxnSpPr/>
           <p:nvPr/>
         </p:nvCxnSpPr>
@@ -11562,7 +11170,7 @@
       </p:cxnSp>
       <p:cxnSp>
         <p:nvCxnSpPr>
-          <p:cNvPr id="98" name="Shape 98"/>
+          <p:cNvPr id="92" name="Shape 92"/>
           <p:cNvCxnSpPr/>
           <p:nvPr/>
         </p:nvCxnSpPr>
@@ -11588,7 +11196,7 @@
       </p:cxnSp>
       <p:pic>
         <p:nvPicPr>
-          <p:cNvPr id="99" name="Shape 99"/>
+          <p:cNvPr id="93" name="Shape 93"/>
           <p:cNvPicPr preferRelativeResize="0"/>
           <p:nvPr/>
         </p:nvPicPr>
@@ -11613,7 +11221,7 @@
       </p:pic>
       <p:pic>
         <p:nvPicPr>
-          <p:cNvPr id="100" name="Shape 100"/>
+          <p:cNvPr id="94" name="Shape 94"/>
           <p:cNvPicPr preferRelativeResize="0"/>
           <p:nvPr/>
         </p:nvPicPr>
@@ -11652,7 +11260,7 @@
   <p:cSld>
     <p:spTree>
       <p:nvGrpSpPr>
-        <p:cNvPr id="104" name="Shape 104"/>
+        <p:cNvPr id="98" name="Shape 98"/>
         <p:cNvGrpSpPr/>
         <p:nvPr/>
       </p:nvGrpSpPr>
@@ -11666,7 +11274,7 @@
       </p:grpSpPr>
       <p:sp>
         <p:nvSpPr>
-          <p:cNvPr id="105" name="Shape 105"/>
+          <p:cNvPr id="99" name="Shape 99"/>
           <p:cNvSpPr txBox="1"/>
           <p:nvPr>
             <p:ph idx="1" type="body"/>
@@ -11737,7 +11345,7 @@
       </p:sp>
       <p:pic>
         <p:nvPicPr>
-          <p:cNvPr id="106" name="Shape 106"/>
+          <p:cNvPr id="100" name="Shape 100"/>
           <p:cNvPicPr preferRelativeResize="0"/>
           <p:nvPr/>
         </p:nvPicPr>
@@ -11762,14 +11370,16 @@
       </p:pic>
       <p:sp>
         <p:nvSpPr>
-          <p:cNvPr id="107" name="Shape 107"/>
-          <p:cNvSpPr/>
-          <p:nvPr/>
+          <p:cNvPr id="101" name="Shape 101"/>
+          <p:cNvSpPr txBox="1"/>
+          <p:nvPr>
+            <p:ph type="title"/>
+          </p:nvPr>
         </p:nvSpPr>
         <p:spPr>
           <a:xfrm>
-            <a:off y="6356350" x="457533"/>
-            <a:ext cy="342899" cx="2728366"/>
+            <a:off y="274637" x="2681190"/>
+            <a:ext cy="1325562" cx="6005609"/>
           </a:xfrm>
           <a:prstGeom prst="rect">
             <a:avLst/>
@@ -11793,66 +11403,20 @@
               <a:buNone/>
             </a:pPr>
             <a:r>
-              <a:rPr strike="noStrike" u="none" b="0" cap="none" baseline="0" sz="1800" lang="en-US" i="0">
-                <a:latin typeface="Calibri"/>
-                <a:ea typeface="Calibri"/>
-                <a:cs typeface="Calibri"/>
-                <a:sym typeface="Calibri"/>
-              </a:rPr>
-              <a:t>www.devoxx4kids.com</a:t>
+              <a:rPr strike="noStrike" u="none" b="0" cap="none" baseline="0" sz="4400" lang="en-US" i="0">
+                <a:latin typeface="Comic Sans MS"/>
+                <a:ea typeface="Comic Sans MS"/>
+                <a:cs typeface="Comic Sans MS"/>
+                <a:sym typeface="Comic Sans MS"/>
+              </a:rPr>
+              <a:t>Stage</a:t>
             </a:r>
           </a:p>
         </p:txBody>
       </p:sp>
       <p:sp>
         <p:nvSpPr>
-          <p:cNvPr id="108" name="Shape 108"/>
-          <p:cNvSpPr txBox="1"/>
-          <p:nvPr>
-            <p:ph type="title"/>
-          </p:nvPr>
-        </p:nvSpPr>
-        <p:spPr>
-          <a:xfrm>
-            <a:off y="274637" x="2681190"/>
-            <a:ext cy="1325562" cx="6005609"/>
-          </a:xfrm>
-          <a:prstGeom prst="rect">
-            <a:avLst/>
-          </a:prstGeom>
-          <a:noFill/>
-          <a:ln>
-            <a:noFill/>
-          </a:ln>
-        </p:spPr>
-        <p:txBody>
-          <a:bodyPr bIns="38100" rIns="38100" lIns="38100" tIns="38100" anchor="t" anchorCtr="0">
-            <a:noAutofit/>
-          </a:bodyPr>
-          <a:lstStyle/>
-          <a:p>
-            <a:pPr algn="ctr" rtl="0" lvl="0" marR="0" indent="0" marL="0">
-              <a:spcBef>
-                <a:spcPts val="0"/>
-              </a:spcBef>
-              <a:buSzPct val="25000"/>
-              <a:buNone/>
-            </a:pPr>
-            <a:r>
-              <a:rPr strike="noStrike" u="none" b="0" cap="none" baseline="0" sz="4400" lang="en-US" i="0">
-                <a:latin typeface="Comic Sans MS"/>
-                <a:ea typeface="Comic Sans MS"/>
-                <a:cs typeface="Comic Sans MS"/>
-                <a:sym typeface="Comic Sans MS"/>
-              </a:rPr>
-              <a:t>Stage</a:t>
-            </a:r>
-          </a:p>
-        </p:txBody>
-      </p:sp>
-      <p:sp>
-        <p:nvSpPr>
-          <p:cNvPr id="109" name="Shape 109"/>
+          <p:cNvPr id="102" name="Shape 102"/>
           <p:cNvSpPr txBox="1"/>
           <p:nvPr>
             <p:ph idx="12" type="sldNum"/>
@@ -11893,7 +11457,7 @@
       </p:sp>
       <p:pic>
         <p:nvPicPr>
-          <p:cNvPr id="110" name="Shape 110"/>
+          <p:cNvPr id="103" name="Shape 103"/>
           <p:cNvPicPr preferRelativeResize="0"/>
           <p:nvPr/>
         </p:nvPicPr>
@@ -11918,7 +11482,7 @@
       </p:pic>
       <p:pic>
         <p:nvPicPr>
-          <p:cNvPr id="111" name="Shape 111"/>
+          <p:cNvPr id="104" name="Shape 104"/>
           <p:cNvPicPr preferRelativeResize="0"/>
           <p:nvPr/>
         </p:nvPicPr>
@@ -11943,7 +11507,7 @@
       </p:pic>
       <p:grpSp>
         <p:nvGrpSpPr>
-          <p:cNvPr id="112" name="Shape 112"/>
+          <p:cNvPr id="105" name="Shape 105"/>
           <p:cNvGrpSpPr/>
           <p:nvPr/>
         </p:nvGrpSpPr>
@@ -11957,7 +11521,7 @@
         </p:grpSpPr>
         <p:pic>
           <p:nvPicPr>
-            <p:cNvPr id="113" name="Shape 113"/>
+            <p:cNvPr id="106" name="Shape 106"/>
             <p:cNvPicPr preferRelativeResize="0"/>
             <p:nvPr/>
           </p:nvPicPr>
@@ -11982,7 +11546,7 @@
         </p:pic>
         <p:sp>
           <p:nvSpPr>
-            <p:cNvPr id="114" name="Shape 114"/>
+            <p:cNvPr id="107" name="Shape 107"/>
             <p:cNvSpPr/>
             <p:nvPr/>
           </p:nvSpPr>
@@ -12072,7 +11636,7 @@
   <p:cSld>
     <p:spTree>
       <p:nvGrpSpPr>
-        <p:cNvPr id="118" name="Shape 118"/>
+        <p:cNvPr id="111" name="Shape 111"/>
         <p:cNvGrpSpPr/>
         <p:nvPr/>
       </p:nvGrpSpPr>
@@ -12086,7 +11650,7 @@
       </p:grpSpPr>
       <p:sp>
         <p:nvSpPr>
-          <p:cNvPr id="119" name="Shape 119"/>
+          <p:cNvPr id="112" name="Shape 112"/>
           <p:cNvSpPr txBox="1"/>
           <p:nvPr>
             <p:ph idx="1" type="body"/>
@@ -12169,7 +11733,7 @@
       </p:sp>
       <p:pic>
         <p:nvPicPr>
-          <p:cNvPr id="120" name="Shape 120"/>
+          <p:cNvPr id="113" name="Shape 113"/>
           <p:cNvPicPr preferRelativeResize="0"/>
           <p:nvPr/>
         </p:nvPicPr>
@@ -12194,7 +11758,7 @@
       </p:pic>
       <p:pic>
         <p:nvPicPr>
-          <p:cNvPr id="121" name="Shape 121"/>
+          <p:cNvPr id="114" name="Shape 114"/>
           <p:cNvPicPr preferRelativeResize="0"/>
           <p:nvPr/>
         </p:nvPicPr>
@@ -12219,14 +11783,16 @@
       </p:pic>
       <p:sp>
         <p:nvSpPr>
-          <p:cNvPr id="122" name="Shape 122"/>
-          <p:cNvSpPr/>
-          <p:nvPr/>
+          <p:cNvPr id="115" name="Shape 115"/>
+          <p:cNvSpPr txBox="1"/>
+          <p:nvPr>
+            <p:ph type="title"/>
+          </p:nvPr>
         </p:nvSpPr>
         <p:spPr>
           <a:xfrm>
-            <a:off y="6356350" x="457533"/>
-            <a:ext cy="342899" cx="2728366"/>
+            <a:off y="274637" x="2681190"/>
+            <a:ext cy="1325562" cx="6005609"/>
           </a:xfrm>
           <a:prstGeom prst="rect">
             <a:avLst/>
@@ -12250,66 +11816,20 @@
               <a:buNone/>
             </a:pPr>
             <a:r>
-              <a:rPr strike="noStrike" u="none" b="0" cap="none" baseline="0" sz="1800" lang="en-US" i="0">
-                <a:latin typeface="Calibri"/>
-                <a:ea typeface="Calibri"/>
-                <a:cs typeface="Calibri"/>
-                <a:sym typeface="Calibri"/>
-              </a:rPr>
-              <a:t>www.devoxx4kids.com</a:t>
+              <a:rPr strike="noStrike" u="none" b="0" cap="none" baseline="0" sz="4400" lang="en-US" i="0">
+                <a:latin typeface="Comic Sans MS"/>
+                <a:ea typeface="Comic Sans MS"/>
+                <a:cs typeface="Comic Sans MS"/>
+                <a:sym typeface="Comic Sans MS"/>
+              </a:rPr>
+              <a:t>Sprites</a:t>
             </a:r>
           </a:p>
         </p:txBody>
       </p:sp>
       <p:sp>
         <p:nvSpPr>
-          <p:cNvPr id="123" name="Shape 123"/>
-          <p:cNvSpPr txBox="1"/>
-          <p:nvPr>
-            <p:ph type="title"/>
-          </p:nvPr>
-        </p:nvSpPr>
-        <p:spPr>
-          <a:xfrm>
-            <a:off y="274637" x="2681190"/>
-            <a:ext cy="1325562" cx="6005609"/>
-          </a:xfrm>
-          <a:prstGeom prst="rect">
-            <a:avLst/>
-          </a:prstGeom>
-          <a:noFill/>
-          <a:ln>
-            <a:noFill/>
-          </a:ln>
-        </p:spPr>
-        <p:txBody>
-          <a:bodyPr bIns="38100" rIns="38100" lIns="38100" tIns="38100" anchor="t" anchorCtr="0">
-            <a:noAutofit/>
-          </a:bodyPr>
-          <a:lstStyle/>
-          <a:p>
-            <a:pPr algn="ctr" rtl="0" lvl="0" marR="0" indent="0" marL="0">
-              <a:spcBef>
-                <a:spcPts val="0"/>
-              </a:spcBef>
-              <a:buSzPct val="25000"/>
-              <a:buNone/>
-            </a:pPr>
-            <a:r>
-              <a:rPr strike="noStrike" u="none" b="0" cap="none" baseline="0" sz="4400" lang="en-US" i="0">
-                <a:latin typeface="Comic Sans MS"/>
-                <a:ea typeface="Comic Sans MS"/>
-                <a:cs typeface="Comic Sans MS"/>
-                <a:sym typeface="Comic Sans MS"/>
-              </a:rPr>
-              <a:t>Sprites</a:t>
-            </a:r>
-          </a:p>
-        </p:txBody>
-      </p:sp>
-      <p:sp>
-        <p:nvSpPr>
-          <p:cNvPr id="124" name="Shape 124"/>
+          <p:cNvPr id="116" name="Shape 116"/>
           <p:cNvSpPr txBox="1"/>
           <p:nvPr>
             <p:ph idx="12" type="sldNum"/>
@@ -12350,7 +11870,7 @@
       </p:sp>
       <p:grpSp>
         <p:nvGrpSpPr>
-          <p:cNvPr id="125" name="Shape 125"/>
+          <p:cNvPr id="117" name="Shape 117"/>
           <p:cNvGrpSpPr/>
           <p:nvPr/>
         </p:nvGrpSpPr>
@@ -12364,7 +11884,7 @@
         </p:grpSpPr>
         <p:sp>
           <p:nvSpPr>
-            <p:cNvPr id="126" name="Shape 126"/>
+            <p:cNvPr id="118" name="Shape 118"/>
             <p:cNvSpPr/>
             <p:nvPr/>
           </p:nvSpPr>
@@ -12427,7 +11947,7 @@
         </p:sp>
         <p:sp>
           <p:nvSpPr>
-            <p:cNvPr id="127" name="Shape 127"/>
+            <p:cNvPr id="119" name="Shape 119"/>
             <p:cNvSpPr/>
             <p:nvPr/>
           </p:nvSpPr>
@@ -12491,7 +12011,7 @@
       </p:grpSp>
       <p:pic>
         <p:nvPicPr>
-          <p:cNvPr id="128" name="Shape 128"/>
+          <p:cNvPr id="120" name="Shape 120"/>
           <p:cNvPicPr preferRelativeResize="0"/>
           <p:nvPr/>
         </p:nvPicPr>
@@ -12516,7 +12036,7 @@
       </p:pic>
       <p:pic>
         <p:nvPicPr>
-          <p:cNvPr id="129" name="Shape 129"/>
+          <p:cNvPr id="121" name="Shape 121"/>
           <p:cNvPicPr preferRelativeResize="0"/>
           <p:nvPr/>
         </p:nvPicPr>
@@ -12541,7 +12061,7 @@
       </p:pic>
       <p:pic>
         <p:nvPicPr>
-          <p:cNvPr id="130" name="Shape 130"/>
+          <p:cNvPr id="122" name="Shape 122"/>
           <p:cNvPicPr preferRelativeResize="0"/>
           <p:nvPr/>
         </p:nvPicPr>
@@ -12586,7 +12106,7 @@
   <p:cSld>
     <p:spTree>
       <p:nvGrpSpPr>
-        <p:cNvPr id="134" name="Shape 134"/>
+        <p:cNvPr id="126" name="Shape 126"/>
         <p:cNvGrpSpPr/>
         <p:nvPr/>
       </p:nvGrpSpPr>
@@ -12600,7 +12120,7 @@
       </p:grpSpPr>
       <p:pic>
         <p:nvPicPr>
-          <p:cNvPr id="135" name="Shape 135"/>
+          <p:cNvPr id="127" name="Shape 127"/>
           <p:cNvPicPr preferRelativeResize="0"/>
           <p:nvPr/>
         </p:nvPicPr>
@@ -12625,7 +12145,7 @@
       </p:pic>
       <p:pic>
         <p:nvPicPr>
-          <p:cNvPr id="136" name="Shape 136"/>
+          <p:cNvPr id="128" name="Shape 128"/>
           <p:cNvPicPr preferRelativeResize="0"/>
           <p:nvPr/>
         </p:nvPicPr>
@@ -12650,14 +12170,16 @@
       </p:pic>
       <p:sp>
         <p:nvSpPr>
-          <p:cNvPr id="137" name="Shape 137"/>
-          <p:cNvSpPr/>
-          <p:nvPr/>
+          <p:cNvPr id="129" name="Shape 129"/>
+          <p:cNvSpPr txBox="1"/>
+          <p:nvPr>
+            <p:ph type="title"/>
+          </p:nvPr>
         </p:nvSpPr>
         <p:spPr>
           <a:xfrm>
-            <a:off y="6356350" x="457533"/>
-            <a:ext cy="342899" cx="2728366"/>
+            <a:off y="274637" x="2681190"/>
+            <a:ext cy="1165090" cx="6005609"/>
           </a:xfrm>
           <a:prstGeom prst="rect">
             <a:avLst/>
@@ -12681,66 +12203,20 @@
               <a:buNone/>
             </a:pPr>
             <a:r>
-              <a:rPr strike="noStrike" u="none" b="0" cap="none" baseline="0" sz="1800" lang="en-US" i="0">
-                <a:latin typeface="Calibri"/>
-                <a:ea typeface="Calibri"/>
-                <a:cs typeface="Calibri"/>
-                <a:sym typeface="Calibri"/>
-              </a:rPr>
-              <a:t>www.devoxx4kids.com</a:t>
+              <a:rPr strike="noStrike" u="none" b="0" cap="none" baseline="0" sz="4400" lang="en-US" i="0">
+                <a:latin typeface="Comic Sans MS"/>
+                <a:ea typeface="Comic Sans MS"/>
+                <a:cs typeface="Comic Sans MS"/>
+                <a:sym typeface="Comic Sans MS"/>
+              </a:rPr>
+              <a:t> Proprietà dello Sprite</a:t>
             </a:r>
           </a:p>
         </p:txBody>
       </p:sp>
       <p:sp>
         <p:nvSpPr>
-          <p:cNvPr id="138" name="Shape 138"/>
-          <p:cNvSpPr txBox="1"/>
-          <p:nvPr>
-            <p:ph type="title"/>
-          </p:nvPr>
-        </p:nvSpPr>
-        <p:spPr>
-          <a:xfrm>
-            <a:off y="274637" x="2681190"/>
-            <a:ext cy="1165090" cx="6005609"/>
-          </a:xfrm>
-          <a:prstGeom prst="rect">
-            <a:avLst/>
-          </a:prstGeom>
-          <a:noFill/>
-          <a:ln>
-            <a:noFill/>
-          </a:ln>
-        </p:spPr>
-        <p:txBody>
-          <a:bodyPr bIns="38100" rIns="38100" lIns="38100" tIns="38100" anchor="t" anchorCtr="0">
-            <a:noAutofit/>
-          </a:bodyPr>
-          <a:lstStyle/>
-          <a:p>
-            <a:pPr algn="ctr" rtl="0" lvl="0" marR="0" indent="0" marL="0">
-              <a:spcBef>
-                <a:spcPts val="0"/>
-              </a:spcBef>
-              <a:buSzPct val="25000"/>
-              <a:buNone/>
-            </a:pPr>
-            <a:r>
-              <a:rPr strike="noStrike" u="none" b="0" cap="none" baseline="0" sz="4400" lang="en-US" i="0">
-                <a:latin typeface="Comic Sans MS"/>
-                <a:ea typeface="Comic Sans MS"/>
-                <a:cs typeface="Comic Sans MS"/>
-                <a:sym typeface="Comic Sans MS"/>
-              </a:rPr>
-              <a:t> Proprietà dello Sprite</a:t>
-            </a:r>
-          </a:p>
-        </p:txBody>
-      </p:sp>
-      <p:sp>
-        <p:nvSpPr>
-          <p:cNvPr id="139" name="Shape 139"/>
+          <p:cNvPr id="130" name="Shape 130"/>
           <p:cNvSpPr txBox="1"/>
           <p:nvPr>
             <p:ph idx="1" type="body"/>
@@ -12907,7 +12383,7 @@
       </p:sp>
       <p:sp>
         <p:nvSpPr>
-          <p:cNvPr id="140" name="Shape 140"/>
+          <p:cNvPr id="131" name="Shape 131"/>
           <p:cNvSpPr txBox="1"/>
           <p:nvPr>
             <p:ph idx="12" type="sldNum"/>
@@ -12948,7 +12424,7 @@
       </p:sp>
       <p:grpSp>
         <p:nvGrpSpPr>
-          <p:cNvPr id="141" name="Shape 141"/>
+          <p:cNvPr id="132" name="Shape 132"/>
           <p:cNvGrpSpPr/>
           <p:nvPr/>
         </p:nvGrpSpPr>
@@ -12962,7 +12438,7 @@
         </p:grpSpPr>
         <p:sp>
           <p:nvSpPr>
-            <p:cNvPr id="142" name="Shape 142"/>
+            <p:cNvPr id="133" name="Shape 133"/>
             <p:cNvSpPr/>
             <p:nvPr/>
           </p:nvSpPr>
@@ -13025,7 +12501,7 @@
         </p:sp>
         <p:sp>
           <p:nvSpPr>
-            <p:cNvPr id="143" name="Shape 143"/>
+            <p:cNvPr id="134" name="Shape 134"/>
             <p:cNvSpPr/>
             <p:nvPr/>
           </p:nvSpPr>
@@ -13089,7 +12565,7 @@
       </p:grpSp>
       <p:pic>
         <p:nvPicPr>
-          <p:cNvPr id="144" name="Shape 144"/>
+          <p:cNvPr id="135" name="Shape 135"/>
           <p:cNvPicPr preferRelativeResize="0"/>
           <p:nvPr/>
         </p:nvPicPr>
@@ -13114,7 +12590,7 @@
       </p:pic>
       <p:pic>
         <p:nvPicPr>
-          <p:cNvPr id="145" name="Shape 145"/>
+          <p:cNvPr id="136" name="Shape 136"/>
           <p:cNvPicPr preferRelativeResize="0"/>
           <p:nvPr/>
         </p:nvPicPr>
@@ -13139,7 +12615,7 @@
       </p:pic>
       <p:pic>
         <p:nvPicPr>
-          <p:cNvPr id="146" name="Shape 146"/>
+          <p:cNvPr id="137" name="Shape 137"/>
           <p:cNvPicPr preferRelativeResize="0"/>
           <p:nvPr/>
         </p:nvPicPr>
@@ -13457,283 +12933,6 @@
 </file>
 
 <file path=ppt/theme/theme2.xml><?xml version="1.0" encoding="utf-8"?>
-<a:theme xmlns:a="http://schemas.openxmlformats.org/drawingml/2006/main" xmlns:r="http://schemas.openxmlformats.org/officeDocument/2006/relationships" name="Custom Theme">
-  <a:themeElements>
-    <a:clrScheme name="Default">
-      <a:dk1>
-        <a:srgbClr val="000000"/>
-      </a:dk1>
-      <a:lt1>
-        <a:srgbClr val="FFFFFF"/>
-      </a:lt1>
-      <a:dk2>
-        <a:srgbClr val="158158"/>
-      </a:dk2>
-      <a:lt2>
-        <a:srgbClr val="F3F3F3"/>
-      </a:lt2>
-      <a:accent1>
-        <a:srgbClr val="058DC7"/>
-      </a:accent1>
-      <a:accent2>
-        <a:srgbClr val="50B432"/>
-      </a:accent2>
-      <a:accent3>
-        <a:srgbClr val="ED561B"/>
-      </a:accent3>
-      <a:accent4>
-        <a:srgbClr val="EDEF00"/>
-      </a:accent4>
-      <a:accent5>
-        <a:srgbClr val="24CBE5"/>
-      </a:accent5>
-      <a:accent6>
-        <a:srgbClr val="64E572"/>
-      </a:accent6>
-      <a:hlink>
-        <a:srgbClr val="2200CC"/>
-      </a:hlink>
-      <a:folHlink>
-        <a:srgbClr val="551A8B"/>
-      </a:folHlink>
-    </a:clrScheme>
-    <a:fontScheme name="Office">
-      <a:majorFont>
-        <a:latin typeface="Arial"/>
-        <a:ea typeface=""/>
-        <a:cs typeface=""/>
-        <a:font typeface="ＭＳ Ｐゴシック" script="Jpan"/>
-        <a:font typeface="맑은 고딕" script="Hang"/>
-        <a:font typeface="宋体" script="Hans"/>
-        <a:font typeface="新細明體" script="Hant"/>
-        <a:font typeface="Times New Roman" script="Arab"/>
-        <a:font typeface="Times New Roman" script="Hebr"/>
-        <a:font typeface="Angsana New" script="Thai"/>
-        <a:font typeface="Nyala" script="Ethi"/>
-        <a:font typeface="Vrinda" script="Beng"/>
-        <a:font typeface="Shruti" script="Gujr"/>
-        <a:font typeface="MoolBoran" script="Khmr"/>
-        <a:font typeface="Tunga" script="Knda"/>
-        <a:font typeface="Raavi" script="Guru"/>
-        <a:font typeface="Euphemia" script="Cans"/>
-        <a:font typeface="Plantagenet Cherokee" script="Cher"/>
-        <a:font typeface="Microsoft Yi Baiti" script="Yiii"/>
-        <a:font typeface="Microsoft Himalaya" script="Tibt"/>
-        <a:font typeface="MV Boli" script="Thaa"/>
-        <a:font typeface="Mangal" script="Deva"/>
-        <a:font typeface="Gautami" script="Telu"/>
-        <a:font typeface="Latha" script="Taml"/>
-        <a:font typeface="Estrangelo Edessa" script="Syrc"/>
-        <a:font typeface="Kalinga" script="Orya"/>
-        <a:font typeface="Kartika" script="Mlym"/>
-        <a:font typeface="DokChampa" script="Laoo"/>
-        <a:font typeface="Iskoola Pota" script="Sinh"/>
-        <a:font typeface="Mongolian Baiti" script="Mong"/>
-        <a:font typeface="Times New Roman" script="Viet"/>
-        <a:font typeface="Microsoft Uighur" script="Uigh"/>
-      </a:majorFont>
-      <a:minorFont>
-        <a:latin typeface="Arial"/>
-        <a:ea typeface=""/>
-        <a:cs typeface=""/>
-        <a:font typeface="ＭＳ Ｐゴシック" script="Jpan"/>
-        <a:font typeface="맑은 고딕" script="Hang"/>
-        <a:font typeface="宋体" script="Hans"/>
-        <a:font typeface="新細明體" script="Hant"/>
-        <a:font typeface="Arial" script="Arab"/>
-        <a:font typeface="Arial" script="Hebr"/>
-        <a:font typeface="Cordia New" script="Thai"/>
-        <a:font typeface="Nyala" script="Ethi"/>
-        <a:font typeface="Vrinda" script="Beng"/>
-        <a:font typeface="Shruti" script="Gujr"/>
-        <a:font typeface="DaunPenh" script="Khmr"/>
-        <a:font typeface="Tunga" script="Knda"/>
-        <a:font typeface="Raavi" script="Guru"/>
-        <a:font typeface="Euphemia" script="Cans"/>
-        <a:font typeface="Plantagenet Cherokee" script="Cher"/>
-        <a:font typeface="Microsoft Yi Baiti" script="Yiii"/>
-        <a:font typeface="Microsoft Himalaya" script="Tibt"/>
-        <a:font typeface="MV Boli" script="Thaa"/>
-        <a:font typeface="Mangal" script="Deva"/>
-        <a:font typeface="Gautami" script="Telu"/>
-        <a:font typeface="Latha" script="Taml"/>
-        <a:font typeface="Estrangelo Edessa" script="Syrc"/>
-        <a:font typeface="Kalinga" script="Orya"/>
-        <a:font typeface="Kartika" script="Mlym"/>
-        <a:font typeface="DokChampa" script="Laoo"/>
-        <a:font typeface="Iskoola Pota" script="Sinh"/>
-        <a:font typeface="Mongolian Baiti" script="Mong"/>
-        <a:font typeface="Arial" script="Viet"/>
-        <a:font typeface="Microsoft Uighur" script="Uigh"/>
-      </a:minorFont>
-    </a:fontScheme>
-    <a:fmtScheme name="Office">
-      <a:fillStyleLst>
-        <a:solidFill>
-          <a:schemeClr val="phClr"/>
-        </a:solidFill>
-        <a:gradFill rotWithShape="1">
-          <a:gsLst>
-            <a:gs pos="0">
-              <a:schemeClr val="phClr">
-                <a:tint val="50000"/>
-                <a:satMod val="300000"/>
-              </a:schemeClr>
-            </a:gs>
-            <a:gs pos="35000">
-              <a:schemeClr val="phClr">
-                <a:tint val="37000"/>
-                <a:satMod val="300000"/>
-              </a:schemeClr>
-            </a:gs>
-            <a:gs pos="100000">
-              <a:schemeClr val="phClr">
-                <a:tint val="15000"/>
-                <a:satMod val="350000"/>
-              </a:schemeClr>
-            </a:gs>
-          </a:gsLst>
-          <a:lin ang="16200000" scaled="1"/>
-        </a:gradFill>
-        <a:gradFill rotWithShape="1">
-          <a:gsLst>
-            <a:gs pos="0">
-              <a:schemeClr val="phClr">
-                <a:tint val="100000"/>
-                <a:shade val="100000"/>
-                <a:satMod val="130000"/>
-              </a:schemeClr>
-            </a:gs>
-            <a:gs pos="100000">
-              <a:schemeClr val="phClr">
-                <a:tint val="50000"/>
-                <a:shade val="100000"/>
-                <a:satMod val="350000"/>
-              </a:schemeClr>
-            </a:gs>
-          </a:gsLst>
-          <a:lin ang="16200000" scaled="0"/>
-        </a:gradFill>
-      </a:fillStyleLst>
-      <a:lnStyleLst>
-        <a:ln w="9525" algn="ctr" cap="flat" cmpd="sng">
-          <a:solidFill>
-            <a:schemeClr val="phClr">
-              <a:shade val="95000"/>
-              <a:satMod val="105000"/>
-            </a:schemeClr>
-          </a:solidFill>
-          <a:prstDash val="solid"/>
-        </a:ln>
-        <a:ln w="25400" algn="ctr" cap="flat" cmpd="sng">
-          <a:solidFill>
-            <a:schemeClr val="phClr"/>
-          </a:solidFill>
-          <a:prstDash val="solid"/>
-        </a:ln>
-        <a:ln w="38100" algn="ctr" cap="flat" cmpd="sng">
-          <a:solidFill>
-            <a:schemeClr val="phClr"/>
-          </a:solidFill>
-          <a:prstDash val="solid"/>
-        </a:ln>
-      </a:lnStyleLst>
-      <a:effectStyleLst>
-        <a:effectStyle>
-          <a:effectLst>
-            <a:outerShdw rotWithShape="0" dir="5400000" blurRad="40000" dist="20000">
-              <a:srgbClr val="000000">
-                <a:alpha val="38000"/>
-              </a:srgbClr>
-            </a:outerShdw>
-          </a:effectLst>
-        </a:effectStyle>
-        <a:effectStyle>
-          <a:effectLst>
-            <a:outerShdw rotWithShape="0" dir="5400000" blurRad="40000" dist="23000">
-              <a:srgbClr val="000000">
-                <a:alpha val="35000"/>
-              </a:srgbClr>
-            </a:outerShdw>
-          </a:effectLst>
-        </a:effectStyle>
-        <a:effectStyle>
-          <a:effectLst>
-            <a:outerShdw rotWithShape="0" dir="5400000" blurRad="40000" dist="23000">
-              <a:srgbClr val="000000">
-                <a:alpha val="35000"/>
-              </a:srgbClr>
-            </a:outerShdw>
-          </a:effectLst>
-          <a:scene3d>
-            <a:camera prst="orthographicFront">
-              <a:rot rev="0" lon="0" lat="0"/>
-            </a:camera>
-            <a:lightRig dir="t" rig="threePt">
-              <a:rot rev="1200000" lon="0" lat="0"/>
-            </a:lightRig>
-          </a:scene3d>
-          <a:sp3d>
-            <a:bevelT w="63500" h="25400"/>
-          </a:sp3d>
-        </a:effectStyle>
-      </a:effectStyleLst>
-      <a:bgFillStyleLst>
-        <a:solidFill>
-          <a:schemeClr val="phClr"/>
-        </a:solidFill>
-        <a:gradFill rotWithShape="1">
-          <a:gsLst>
-            <a:gs pos="0">
-              <a:schemeClr val="phClr">
-                <a:tint val="40000"/>
-                <a:satMod val="350000"/>
-              </a:schemeClr>
-            </a:gs>
-            <a:gs pos="40000">
-              <a:schemeClr val="phClr">
-                <a:tint val="45000"/>
-                <a:shade val="99000"/>
-                <a:satMod val="350000"/>
-              </a:schemeClr>
-            </a:gs>
-            <a:gs pos="100000">
-              <a:schemeClr val="phClr">
-                <a:shade val="20000"/>
-                <a:satMod val="255000"/>
-              </a:schemeClr>
-            </a:gs>
-          </a:gsLst>
-          <a:path path="circle">
-            <a:fillToRect t="-80000" b="180000" r="50000" l="50000"/>
-          </a:path>
-        </a:gradFill>
-        <a:gradFill rotWithShape="1">
-          <a:gsLst>
-            <a:gs pos="0">
-              <a:schemeClr val="phClr">
-                <a:tint val="80000"/>
-                <a:satMod val="300000"/>
-              </a:schemeClr>
-            </a:gs>
-            <a:gs pos="100000">
-              <a:schemeClr val="phClr">
-                <a:shade val="30000"/>
-                <a:satMod val="200000"/>
-              </a:schemeClr>
-            </a:gs>
-          </a:gsLst>
-          <a:path path="circle">
-            <a:fillToRect t="50000" b="50000" r="50000" l="50000"/>
-          </a:path>
-        </a:gradFill>
-      </a:bgFillStyleLst>
-    </a:fmtScheme>
-  </a:themeElements>
-</a:theme>
-</file>
-
-<file path=ppt/theme/theme3.xml><?xml version="1.0" encoding="utf-8"?>
 <a:theme xmlns:a="http://schemas.openxmlformats.org/drawingml/2006/main" xmlns:r="http://schemas.openxmlformats.org/officeDocument/2006/relationships" name="Office Theme">
   <a:themeElements>
     <a:clrScheme name="Office">
@@ -14049,4 +13248,281 @@
   </a:objectDefaults>
   <a:extraClrSchemeLst/>
 </a:theme>
+</file>
+
+<file path=ppt/theme/theme3.xml><?xml version="1.0" encoding="utf-8"?>
+<a:theme xmlns:a="http://schemas.openxmlformats.org/drawingml/2006/main" xmlns:r="http://schemas.openxmlformats.org/officeDocument/2006/relationships" name="Custom Theme">
+  <a:themeElements>
+    <a:clrScheme name="Default">
+      <a:dk1>
+        <a:srgbClr val="000000"/>
+      </a:dk1>
+      <a:lt1>
+        <a:srgbClr val="FFFFFF"/>
+      </a:lt1>
+      <a:dk2>
+        <a:srgbClr val="158158"/>
+      </a:dk2>
+      <a:lt2>
+        <a:srgbClr val="F3F3F3"/>
+      </a:lt2>
+      <a:accent1>
+        <a:srgbClr val="058DC7"/>
+      </a:accent1>
+      <a:accent2>
+        <a:srgbClr val="50B432"/>
+      </a:accent2>
+      <a:accent3>
+        <a:srgbClr val="ED561B"/>
+      </a:accent3>
+      <a:accent4>
+        <a:srgbClr val="EDEF00"/>
+      </a:accent4>
+      <a:accent5>
+        <a:srgbClr val="24CBE5"/>
+      </a:accent5>
+      <a:accent6>
+        <a:srgbClr val="64E572"/>
+      </a:accent6>
+      <a:hlink>
+        <a:srgbClr val="2200CC"/>
+      </a:hlink>
+      <a:folHlink>
+        <a:srgbClr val="551A8B"/>
+      </a:folHlink>
+    </a:clrScheme>
+    <a:fontScheme name="Office">
+      <a:majorFont>
+        <a:latin typeface="Arial"/>
+        <a:ea typeface=""/>
+        <a:cs typeface=""/>
+        <a:font typeface="ＭＳ Ｐゴシック" script="Jpan"/>
+        <a:font typeface="맑은 고딕" script="Hang"/>
+        <a:font typeface="宋体" script="Hans"/>
+        <a:font typeface="新細明體" script="Hant"/>
+        <a:font typeface="Times New Roman" script="Arab"/>
+        <a:font typeface="Times New Roman" script="Hebr"/>
+        <a:font typeface="Angsana New" script="Thai"/>
+        <a:font typeface="Nyala" script="Ethi"/>
+        <a:font typeface="Vrinda" script="Beng"/>
+        <a:font typeface="Shruti" script="Gujr"/>
+        <a:font typeface="MoolBoran" script="Khmr"/>
+        <a:font typeface="Tunga" script="Knda"/>
+        <a:font typeface="Raavi" script="Guru"/>
+        <a:font typeface="Euphemia" script="Cans"/>
+        <a:font typeface="Plantagenet Cherokee" script="Cher"/>
+        <a:font typeface="Microsoft Yi Baiti" script="Yiii"/>
+        <a:font typeface="Microsoft Himalaya" script="Tibt"/>
+        <a:font typeface="MV Boli" script="Thaa"/>
+        <a:font typeface="Mangal" script="Deva"/>
+        <a:font typeface="Gautami" script="Telu"/>
+        <a:font typeface="Latha" script="Taml"/>
+        <a:font typeface="Estrangelo Edessa" script="Syrc"/>
+        <a:font typeface="Kalinga" script="Orya"/>
+        <a:font typeface="Kartika" script="Mlym"/>
+        <a:font typeface="DokChampa" script="Laoo"/>
+        <a:font typeface="Iskoola Pota" script="Sinh"/>
+        <a:font typeface="Mongolian Baiti" script="Mong"/>
+        <a:font typeface="Times New Roman" script="Viet"/>
+        <a:font typeface="Microsoft Uighur" script="Uigh"/>
+      </a:majorFont>
+      <a:minorFont>
+        <a:latin typeface="Arial"/>
+        <a:ea typeface=""/>
+        <a:cs typeface=""/>
+        <a:font typeface="ＭＳ Ｐゴシック" script="Jpan"/>
+        <a:font typeface="맑은 고딕" script="Hang"/>
+        <a:font typeface="宋体" script="Hans"/>
+        <a:font typeface="新細明體" script="Hant"/>
+        <a:font typeface="Arial" script="Arab"/>
+        <a:font typeface="Arial" script="Hebr"/>
+        <a:font typeface="Cordia New" script="Thai"/>
+        <a:font typeface="Nyala" script="Ethi"/>
+        <a:font typeface="Vrinda" script="Beng"/>
+        <a:font typeface="Shruti" script="Gujr"/>
+        <a:font typeface="DaunPenh" script="Khmr"/>
+        <a:font typeface="Tunga" script="Knda"/>
+        <a:font typeface="Raavi" script="Guru"/>
+        <a:font typeface="Euphemia" script="Cans"/>
+        <a:font typeface="Plantagenet Cherokee" script="Cher"/>
+        <a:font typeface="Microsoft Yi Baiti" script="Yiii"/>
+        <a:font typeface="Microsoft Himalaya" script="Tibt"/>
+        <a:font typeface="MV Boli" script="Thaa"/>
+        <a:font typeface="Mangal" script="Deva"/>
+        <a:font typeface="Gautami" script="Telu"/>
+        <a:font typeface="Latha" script="Taml"/>
+        <a:font typeface="Estrangelo Edessa" script="Syrc"/>
+        <a:font typeface="Kalinga" script="Orya"/>
+        <a:font typeface="Kartika" script="Mlym"/>
+        <a:font typeface="DokChampa" script="Laoo"/>
+        <a:font typeface="Iskoola Pota" script="Sinh"/>
+        <a:font typeface="Mongolian Baiti" script="Mong"/>
+        <a:font typeface="Arial" script="Viet"/>
+        <a:font typeface="Microsoft Uighur" script="Uigh"/>
+      </a:minorFont>
+    </a:fontScheme>
+    <a:fmtScheme name="Office">
+      <a:fillStyleLst>
+        <a:solidFill>
+          <a:schemeClr val="phClr"/>
+        </a:solidFill>
+        <a:gradFill rotWithShape="1">
+          <a:gsLst>
+            <a:gs pos="0">
+              <a:schemeClr val="phClr">
+                <a:tint val="50000"/>
+                <a:satMod val="300000"/>
+              </a:schemeClr>
+            </a:gs>
+            <a:gs pos="35000">
+              <a:schemeClr val="phClr">
+                <a:tint val="37000"/>
+                <a:satMod val="300000"/>
+              </a:schemeClr>
+            </a:gs>
+            <a:gs pos="100000">
+              <a:schemeClr val="phClr">
+                <a:tint val="15000"/>
+                <a:satMod val="350000"/>
+              </a:schemeClr>
+            </a:gs>
+          </a:gsLst>
+          <a:lin ang="16200000" scaled="1"/>
+        </a:gradFill>
+        <a:gradFill rotWithShape="1">
+          <a:gsLst>
+            <a:gs pos="0">
+              <a:schemeClr val="phClr">
+                <a:tint val="100000"/>
+                <a:shade val="100000"/>
+                <a:satMod val="130000"/>
+              </a:schemeClr>
+            </a:gs>
+            <a:gs pos="100000">
+              <a:schemeClr val="phClr">
+                <a:tint val="50000"/>
+                <a:shade val="100000"/>
+                <a:satMod val="350000"/>
+              </a:schemeClr>
+            </a:gs>
+          </a:gsLst>
+          <a:lin ang="16200000" scaled="0"/>
+        </a:gradFill>
+      </a:fillStyleLst>
+      <a:lnStyleLst>
+        <a:ln w="9525" algn="ctr" cap="flat" cmpd="sng">
+          <a:solidFill>
+            <a:schemeClr val="phClr">
+              <a:shade val="95000"/>
+              <a:satMod val="105000"/>
+            </a:schemeClr>
+          </a:solidFill>
+          <a:prstDash val="solid"/>
+        </a:ln>
+        <a:ln w="25400" algn="ctr" cap="flat" cmpd="sng">
+          <a:solidFill>
+            <a:schemeClr val="phClr"/>
+          </a:solidFill>
+          <a:prstDash val="solid"/>
+        </a:ln>
+        <a:ln w="38100" algn="ctr" cap="flat" cmpd="sng">
+          <a:solidFill>
+            <a:schemeClr val="phClr"/>
+          </a:solidFill>
+          <a:prstDash val="solid"/>
+        </a:ln>
+      </a:lnStyleLst>
+      <a:effectStyleLst>
+        <a:effectStyle>
+          <a:effectLst>
+            <a:outerShdw rotWithShape="0" dir="5400000" blurRad="40000" dist="20000">
+              <a:srgbClr val="000000">
+                <a:alpha val="38000"/>
+              </a:srgbClr>
+            </a:outerShdw>
+          </a:effectLst>
+        </a:effectStyle>
+        <a:effectStyle>
+          <a:effectLst>
+            <a:outerShdw rotWithShape="0" dir="5400000" blurRad="40000" dist="23000">
+              <a:srgbClr val="000000">
+                <a:alpha val="35000"/>
+              </a:srgbClr>
+            </a:outerShdw>
+          </a:effectLst>
+        </a:effectStyle>
+        <a:effectStyle>
+          <a:effectLst>
+            <a:outerShdw rotWithShape="0" dir="5400000" blurRad="40000" dist="23000">
+              <a:srgbClr val="000000">
+                <a:alpha val="35000"/>
+              </a:srgbClr>
+            </a:outerShdw>
+          </a:effectLst>
+          <a:scene3d>
+            <a:camera prst="orthographicFront">
+              <a:rot rev="0" lon="0" lat="0"/>
+            </a:camera>
+            <a:lightRig dir="t" rig="threePt">
+              <a:rot rev="1200000" lon="0" lat="0"/>
+            </a:lightRig>
+          </a:scene3d>
+          <a:sp3d>
+            <a:bevelT w="63500" h="25400"/>
+          </a:sp3d>
+        </a:effectStyle>
+      </a:effectStyleLst>
+      <a:bgFillStyleLst>
+        <a:solidFill>
+          <a:schemeClr val="phClr"/>
+        </a:solidFill>
+        <a:gradFill rotWithShape="1">
+          <a:gsLst>
+            <a:gs pos="0">
+              <a:schemeClr val="phClr">
+                <a:tint val="40000"/>
+                <a:satMod val="350000"/>
+              </a:schemeClr>
+            </a:gs>
+            <a:gs pos="40000">
+              <a:schemeClr val="phClr">
+                <a:tint val="45000"/>
+                <a:shade val="99000"/>
+                <a:satMod val="350000"/>
+              </a:schemeClr>
+            </a:gs>
+            <a:gs pos="100000">
+              <a:schemeClr val="phClr">
+                <a:shade val="20000"/>
+                <a:satMod val="255000"/>
+              </a:schemeClr>
+            </a:gs>
+          </a:gsLst>
+          <a:path path="circle">
+            <a:fillToRect t="-80000" b="180000" r="50000" l="50000"/>
+          </a:path>
+        </a:gradFill>
+        <a:gradFill rotWithShape="1">
+          <a:gsLst>
+            <a:gs pos="0">
+              <a:schemeClr val="phClr">
+                <a:tint val="80000"/>
+                <a:satMod val="300000"/>
+              </a:schemeClr>
+            </a:gs>
+            <a:gs pos="100000">
+              <a:schemeClr val="phClr">
+                <a:shade val="30000"/>
+                <a:satMod val="200000"/>
+              </a:schemeClr>
+            </a:gs>
+          </a:gsLst>
+          <a:path path="circle">
+            <a:fillToRect t="50000" b="50000" r="50000" l="50000"/>
+          </a:path>
+        </a:gradFill>
+      </a:bgFillStyleLst>
+    </a:fmtScheme>
+  </a:themeElements>
+</a:theme>
 </file>